--- a/Demo 1.pptx
+++ b/Demo 1.pptx
@@ -5,7 +5,7 @@
     <p:sldMasterId id="2147483684" r:id="rId1"/>
   </p:sldMasterIdLst>
   <p:notesMasterIdLst>
-    <p:notesMasterId r:id="rId21"/>
+    <p:notesMasterId r:id="rId19"/>
   </p:notesMasterIdLst>
   <p:sldIdLst>
     <p:sldId id="256" r:id="rId2"/>
@@ -16,17 +16,15 @@
     <p:sldId id="274" r:id="rId7"/>
     <p:sldId id="275" r:id="rId8"/>
     <p:sldId id="276" r:id="rId9"/>
-    <p:sldId id="278" r:id="rId10"/>
-    <p:sldId id="264" r:id="rId11"/>
-    <p:sldId id="265" r:id="rId12"/>
-    <p:sldId id="268" r:id="rId13"/>
-    <p:sldId id="259" r:id="rId14"/>
-    <p:sldId id="261" r:id="rId15"/>
-    <p:sldId id="260" r:id="rId16"/>
-    <p:sldId id="277" r:id="rId17"/>
-    <p:sldId id="262" r:id="rId18"/>
-    <p:sldId id="271" r:id="rId19"/>
-    <p:sldId id="269" r:id="rId20"/>
+    <p:sldId id="264" r:id="rId10"/>
+    <p:sldId id="265" r:id="rId11"/>
+    <p:sldId id="268" r:id="rId12"/>
+    <p:sldId id="259" r:id="rId13"/>
+    <p:sldId id="261" r:id="rId14"/>
+    <p:sldId id="277" r:id="rId15"/>
+    <p:sldId id="262" r:id="rId16"/>
+    <p:sldId id="271" r:id="rId17"/>
+    <p:sldId id="269" r:id="rId18"/>
   </p:sldIdLst>
   <p:sldSz cx="12192000" cy="6858000"/>
   <p:notesSz cx="6858000" cy="9144000"/>
@@ -143,20 +141,6 @@
     </p:extLst>
   </p:cmAuthor>
 </p:cmAuthorLst>
-</file>
-
-<file path=ppt/comments/comment1.xml><?xml version="1.0" encoding="utf-8"?>
-<p:cmLst xmlns:a="http://schemas.openxmlformats.org/drawingml/2006/main" xmlns:r="http://schemas.openxmlformats.org/officeDocument/2006/relationships" xmlns:p="http://schemas.openxmlformats.org/presentationml/2006/main">
-  <p:cm authorId="1" dt="2016-02-07T17:10:30.562" idx="1">
-    <p:pos x="10" y="10"/>
-    <p:text/>
-    <p:extLst>
-      <p:ext uri="{C676402C-5697-4E1C-873F-D02D1690AC5C}">
-        <p15:threadingInfo xmlns:p15="http://schemas.microsoft.com/office/powerpoint/2012/main" timeZoneBias="300"/>
-      </p:ext>
-    </p:extLst>
-  </p:cm>
-</p:cmLst>
 </file>
 
 <file path=ppt/notesMasters/notesMaster1.xml><?xml version="1.0" encoding="utf-8"?>
@@ -582,7 +566,7 @@
           <a:p>
             <a:fld id="{23D1A297-BDDF-4CC6-B59C-6297AC8FF919}" type="slidenum">
               <a:rPr lang="en-US" smtClean="0"/>
-              <a:t>11</a:t>
+              <a:t>10</a:t>
             </a:fld>
             <a:endParaRPr lang="en-US"/>
           </a:p>
@@ -4009,7 +3993,7 @@
             <a:pPr algn="ctr"/>
             <a:r>
               <a:rPr lang="en-US" dirty="0" smtClean="0"/>
-              <a:t>Sprint 1:Creating a network</a:t>
+              <a:t>NETWORK CONTROL AND DATA PLANE SHARING</a:t>
             </a:r>
             <a:endParaRPr lang="en-US" dirty="0"/>
           </a:p>
@@ -4017,782 +4001,95 @@
       </p:sp>
       <p:sp>
         <p:nvSpPr>
-          <p:cNvPr id="9" name="Rectangle 8"/>
-          <p:cNvSpPr/>
-          <p:nvPr/>
+          <p:cNvPr id="3" name="Content Placeholder 2"/>
+          <p:cNvSpPr>
+            <a:spLocks noGrp="1"/>
+          </p:cNvSpPr>
+          <p:nvPr>
+            <p:ph idx="1"/>
+          </p:nvPr>
         </p:nvSpPr>
         <p:spPr>
           <a:xfrm>
-            <a:off x="2626670" y="1941032"/>
-            <a:ext cx="7061838" cy="4884821"/>
-          </a:xfrm>
-          <a:prstGeom prst="rect">
-            <a:avLst/>
-          </a:prstGeom>
-        </p:spPr>
-        <p:style>
-          <a:lnRef idx="2">
-            <a:schemeClr val="dk1"/>
-          </a:lnRef>
-          <a:fillRef idx="1">
-            <a:schemeClr val="lt1"/>
-          </a:fillRef>
-          <a:effectRef idx="0">
-            <a:schemeClr val="dk1"/>
-          </a:effectRef>
-          <a:fontRef idx="minor">
-            <a:schemeClr val="dk1"/>
-          </a:fontRef>
-        </p:style>
-        <p:txBody>
-          <a:bodyPr rtlCol="0" anchor="ctr"/>
-          <a:lstStyle/>
-          <a:p>
-            <a:pPr algn="ctr"/>
-            <a:r>
-              <a:rPr lang="en-US" dirty="0" smtClean="0"/>
-              <a:t>10.2</a:t>
-            </a:r>
-            <a:endParaRPr lang="en-US" dirty="0"/>
-          </a:p>
-        </p:txBody>
-      </p:sp>
-      <p:sp>
-        <p:nvSpPr>
-          <p:cNvPr id="8" name="Rounded Rectangle 7"/>
-          <p:cNvSpPr/>
-          <p:nvPr/>
-        </p:nvSpPr>
-        <p:spPr>
-          <a:xfrm>
-            <a:off x="5435628" y="2370807"/>
-            <a:ext cx="1318662" cy="317635"/>
-          </a:xfrm>
-          <a:prstGeom prst="roundRect">
-            <a:avLst/>
-          </a:prstGeom>
-        </p:spPr>
-        <p:style>
-          <a:lnRef idx="2">
-            <a:schemeClr val="dk1"/>
-          </a:lnRef>
-          <a:fillRef idx="1">
-            <a:schemeClr val="lt1"/>
-          </a:fillRef>
-          <a:effectRef idx="0">
-            <a:schemeClr val="dk1"/>
-          </a:effectRef>
-          <a:fontRef idx="minor">
-            <a:schemeClr val="dk1"/>
-          </a:fontRef>
-        </p:style>
-        <p:txBody>
-          <a:bodyPr rtlCol="0" anchor="ctr"/>
-          <a:lstStyle/>
-          <a:p>
-            <a:pPr algn="ctr"/>
-            <a:r>
-              <a:rPr lang="en-US" dirty="0" smtClean="0"/>
-              <a:t>Controller</a:t>
-            </a:r>
-            <a:endParaRPr lang="en-US" dirty="0"/>
-          </a:p>
-        </p:txBody>
-      </p:sp>
-      <p:sp>
-        <p:nvSpPr>
-          <p:cNvPr id="10" name="Rounded Rectangle 9"/>
-          <p:cNvSpPr/>
-          <p:nvPr/>
-        </p:nvSpPr>
-        <p:spPr>
-          <a:xfrm>
-            <a:off x="3608966" y="4106403"/>
-            <a:ext cx="1318662" cy="554087"/>
-          </a:xfrm>
-          <a:prstGeom prst="roundRect">
-            <a:avLst/>
-          </a:prstGeom>
-        </p:spPr>
-        <p:style>
-          <a:lnRef idx="2">
-            <a:schemeClr val="dk1"/>
-          </a:lnRef>
-          <a:fillRef idx="1">
-            <a:schemeClr val="lt1"/>
-          </a:fillRef>
-          <a:effectRef idx="0">
-            <a:schemeClr val="dk1"/>
-          </a:effectRef>
-          <a:fontRef idx="minor">
-            <a:schemeClr val="dk1"/>
-          </a:fontRef>
-        </p:style>
-        <p:txBody>
-          <a:bodyPr rtlCol="0" anchor="ctr"/>
-          <a:lstStyle/>
-          <a:p>
-            <a:pPr algn="ctr"/>
-            <a:r>
-              <a:rPr lang="en-US" dirty="0" smtClean="0"/>
-              <a:t>Switch </a:t>
-            </a:r>
-            <a:r>
-              <a:rPr lang="en-US" dirty="0" smtClean="0"/>
-              <a:t>1</a:t>
-            </a:r>
-            <a:endParaRPr lang="en-US" dirty="0"/>
-          </a:p>
-        </p:txBody>
-      </p:sp>
-      <p:sp>
-        <p:nvSpPr>
-          <p:cNvPr id="13" name="Rounded Rectangle 12"/>
-          <p:cNvSpPr/>
-          <p:nvPr/>
-        </p:nvSpPr>
-        <p:spPr>
-          <a:xfrm>
-            <a:off x="3915418" y="5204436"/>
-            <a:ext cx="705757" cy="554087"/>
-          </a:xfrm>
-          <a:prstGeom prst="roundRect">
-            <a:avLst/>
-          </a:prstGeom>
-        </p:spPr>
-        <p:style>
-          <a:lnRef idx="2">
-            <a:schemeClr val="dk1"/>
-          </a:lnRef>
-          <a:fillRef idx="1">
-            <a:schemeClr val="lt1"/>
-          </a:fillRef>
-          <a:effectRef idx="0">
-            <a:schemeClr val="dk1"/>
-          </a:effectRef>
-          <a:fontRef idx="minor">
-            <a:schemeClr val="dk1"/>
-          </a:fontRef>
-        </p:style>
-        <p:txBody>
-          <a:bodyPr rtlCol="0" anchor="ctr"/>
-          <a:lstStyle/>
-          <a:p>
-            <a:pPr algn="ctr"/>
-            <a:r>
-              <a:rPr lang="en-US" dirty="0" smtClean="0"/>
-              <a:t>Host</a:t>
-            </a:r>
-          </a:p>
-          <a:p>
-            <a:pPr algn="ctr"/>
-            <a:r>
-              <a:rPr lang="en-US" dirty="0" smtClean="0"/>
-              <a:t>A</a:t>
-            </a:r>
-            <a:endParaRPr lang="en-US" dirty="0"/>
-          </a:p>
-        </p:txBody>
-      </p:sp>
-      <p:sp>
-        <p:nvSpPr>
-          <p:cNvPr id="14" name="Rounded Rectangle 13"/>
-          <p:cNvSpPr/>
-          <p:nvPr/>
-        </p:nvSpPr>
-        <p:spPr>
-          <a:xfrm>
-            <a:off x="5742080" y="5204436"/>
-            <a:ext cx="705757" cy="554087"/>
-          </a:xfrm>
-          <a:prstGeom prst="roundRect">
-            <a:avLst/>
-          </a:prstGeom>
-        </p:spPr>
-        <p:style>
-          <a:lnRef idx="2">
-            <a:schemeClr val="dk1"/>
-          </a:lnRef>
-          <a:fillRef idx="1">
-            <a:schemeClr val="lt1"/>
-          </a:fillRef>
-          <a:effectRef idx="0">
-            <a:schemeClr val="dk1"/>
-          </a:effectRef>
-          <a:fontRef idx="minor">
-            <a:schemeClr val="dk1"/>
-          </a:fontRef>
-        </p:style>
-        <p:txBody>
-          <a:bodyPr rtlCol="0" anchor="ctr"/>
-          <a:lstStyle/>
-          <a:p>
-            <a:pPr algn="ctr"/>
-            <a:r>
-              <a:rPr lang="en-US" dirty="0" smtClean="0"/>
-              <a:t>Host</a:t>
-            </a:r>
-          </a:p>
-          <a:p>
-            <a:pPr algn="ctr"/>
-            <a:r>
-              <a:rPr lang="en-US" dirty="0"/>
-              <a:t>B</a:t>
-            </a:r>
-          </a:p>
-        </p:txBody>
-      </p:sp>
-      <p:sp>
-        <p:nvSpPr>
-          <p:cNvPr id="15" name="Rounded Rectangle 14"/>
-          <p:cNvSpPr/>
-          <p:nvPr/>
-        </p:nvSpPr>
-        <p:spPr>
-          <a:xfrm>
-            <a:off x="7320087" y="4106403"/>
-            <a:ext cx="1318662" cy="554087"/>
-          </a:xfrm>
-          <a:prstGeom prst="roundRect">
-            <a:avLst/>
-          </a:prstGeom>
-        </p:spPr>
-        <p:style>
-          <a:lnRef idx="2">
-            <a:schemeClr val="dk1"/>
-          </a:lnRef>
-          <a:fillRef idx="1">
-            <a:schemeClr val="lt1"/>
-          </a:fillRef>
-          <a:effectRef idx="0">
-            <a:schemeClr val="dk1"/>
-          </a:effectRef>
-          <a:fontRef idx="minor">
-            <a:schemeClr val="dk1"/>
-          </a:fontRef>
-        </p:style>
-        <p:txBody>
-          <a:bodyPr rtlCol="0" anchor="ctr"/>
-          <a:lstStyle/>
-          <a:p>
-            <a:pPr algn="ctr"/>
-            <a:r>
-              <a:rPr lang="en-US" dirty="0" smtClean="0"/>
-              <a:t>Switch </a:t>
-            </a:r>
-            <a:r>
-              <a:rPr lang="en-US" dirty="0" smtClean="0"/>
-              <a:t>3</a:t>
-            </a:r>
-            <a:endParaRPr lang="en-US" dirty="0"/>
-          </a:p>
-        </p:txBody>
-      </p:sp>
-      <p:sp>
-        <p:nvSpPr>
-          <p:cNvPr id="17" name="Rounded Rectangle 16"/>
-          <p:cNvSpPr/>
-          <p:nvPr/>
-        </p:nvSpPr>
-        <p:spPr>
-          <a:xfrm>
-            <a:off x="7626539" y="5204436"/>
-            <a:ext cx="705757" cy="554087"/>
-          </a:xfrm>
-          <a:prstGeom prst="roundRect">
-            <a:avLst/>
-          </a:prstGeom>
-        </p:spPr>
-        <p:style>
-          <a:lnRef idx="2">
-            <a:schemeClr val="dk1"/>
-          </a:lnRef>
-          <a:fillRef idx="1">
-            <a:schemeClr val="lt1"/>
-          </a:fillRef>
-          <a:effectRef idx="0">
-            <a:schemeClr val="dk1"/>
-          </a:effectRef>
-          <a:fontRef idx="minor">
-            <a:schemeClr val="dk1"/>
-          </a:fontRef>
-        </p:style>
-        <p:txBody>
-          <a:bodyPr rtlCol="0" anchor="ctr"/>
-          <a:lstStyle/>
-          <a:p>
-            <a:pPr algn="ctr"/>
-            <a:r>
-              <a:rPr lang="en-US" dirty="0" smtClean="0"/>
-              <a:t>Host</a:t>
-            </a:r>
-          </a:p>
-          <a:p>
-            <a:pPr algn="ctr"/>
-            <a:r>
-              <a:rPr lang="en-US" dirty="0" smtClean="0"/>
-              <a:t>C</a:t>
-            </a:r>
-            <a:endParaRPr lang="en-US" dirty="0"/>
-          </a:p>
-        </p:txBody>
-      </p:sp>
-      <p:cxnSp>
-        <p:nvCxnSpPr>
-          <p:cNvPr id="19" name="Straight Arrow Connector 18"/>
-          <p:cNvCxnSpPr/>
-          <p:nvPr/>
-        </p:nvCxnSpPr>
-        <p:spPr>
-          <a:xfrm flipV="1">
-            <a:off x="4014297" y="2688441"/>
-            <a:ext cx="1826662" cy="1417961"/>
-          </a:xfrm>
-          <a:prstGeom prst="straightConnector1">
-            <a:avLst/>
-          </a:prstGeom>
-          <a:ln>
-            <a:headEnd type="arrow" w="med" len="med"/>
-            <a:tailEnd type="arrow" w="med" len="med"/>
-          </a:ln>
-        </p:spPr>
-        <p:style>
-          <a:lnRef idx="1">
-            <a:schemeClr val="dk1"/>
-          </a:lnRef>
-          <a:fillRef idx="0">
-            <a:schemeClr val="dk1"/>
-          </a:fillRef>
-          <a:effectRef idx="0">
-            <a:schemeClr val="dk1"/>
-          </a:effectRef>
-          <a:fontRef idx="minor">
-            <a:schemeClr val="tx1"/>
-          </a:fontRef>
-        </p:style>
-      </p:cxnSp>
-      <p:cxnSp>
-        <p:nvCxnSpPr>
-          <p:cNvPr id="21" name="Straight Arrow Connector 20"/>
-          <p:cNvCxnSpPr/>
-          <p:nvPr/>
-        </p:nvCxnSpPr>
-        <p:spPr>
-          <a:xfrm flipH="1" flipV="1">
-            <a:off x="6522995" y="2719146"/>
-            <a:ext cx="1809301" cy="1387254"/>
-          </a:xfrm>
-          <a:prstGeom prst="straightConnector1">
-            <a:avLst/>
-          </a:prstGeom>
-          <a:ln>
-            <a:headEnd type="arrow" w="med" len="med"/>
-            <a:tailEnd type="arrow" w="med" len="med"/>
-          </a:ln>
-        </p:spPr>
-        <p:style>
-          <a:lnRef idx="1">
-            <a:schemeClr val="dk1"/>
-          </a:lnRef>
-          <a:fillRef idx="0">
-            <a:schemeClr val="dk1"/>
-          </a:fillRef>
-          <a:effectRef idx="0">
-            <a:schemeClr val="dk1"/>
-          </a:effectRef>
-          <a:fontRef idx="minor">
-            <a:schemeClr val="tx1"/>
-          </a:fontRef>
-        </p:style>
-      </p:cxnSp>
-      <p:cxnSp>
-        <p:nvCxnSpPr>
-          <p:cNvPr id="24" name="Straight Arrow Connector 23"/>
-          <p:cNvCxnSpPr>
-            <a:stCxn id="13" idx="0"/>
-            <a:endCxn id="10" idx="2"/>
-          </p:cNvCxnSpPr>
-          <p:nvPr/>
-        </p:nvCxnSpPr>
-        <p:spPr>
-          <a:xfrm flipV="1">
-            <a:off x="4268297" y="4660490"/>
-            <a:ext cx="0" cy="543946"/>
-          </a:xfrm>
-          <a:prstGeom prst="straightConnector1">
-            <a:avLst/>
-          </a:prstGeom>
-          <a:ln>
-            <a:headEnd type="arrow" w="med" len="med"/>
-            <a:tailEnd type="arrow" w="med" len="med"/>
-          </a:ln>
-        </p:spPr>
-        <p:style>
-          <a:lnRef idx="1">
-            <a:schemeClr val="dk1"/>
-          </a:lnRef>
-          <a:fillRef idx="0">
-            <a:schemeClr val="dk1"/>
-          </a:fillRef>
-          <a:effectRef idx="0">
-            <a:schemeClr val="dk1"/>
-          </a:effectRef>
-          <a:fontRef idx="minor">
-            <a:schemeClr val="tx1"/>
-          </a:fontRef>
-        </p:style>
-      </p:cxnSp>
-      <p:cxnSp>
-        <p:nvCxnSpPr>
-          <p:cNvPr id="28" name="Straight Arrow Connector 27"/>
-          <p:cNvCxnSpPr>
-            <a:stCxn id="18" idx="2"/>
-            <a:endCxn id="14" idx="0"/>
-          </p:cNvCxnSpPr>
-          <p:nvPr/>
-        </p:nvCxnSpPr>
-        <p:spPr>
-          <a:xfrm>
-            <a:off x="6094959" y="4660487"/>
-            <a:ext cx="0" cy="543949"/>
-          </a:xfrm>
-          <a:prstGeom prst="straightConnector1">
-            <a:avLst/>
-          </a:prstGeom>
-          <a:ln>
-            <a:headEnd type="arrow" w="med" len="med"/>
-            <a:tailEnd type="arrow" w="med" len="med"/>
-          </a:ln>
-        </p:spPr>
-        <p:style>
-          <a:lnRef idx="1">
-            <a:schemeClr val="dk1"/>
-          </a:lnRef>
-          <a:fillRef idx="0">
-            <a:schemeClr val="dk1"/>
-          </a:fillRef>
-          <a:effectRef idx="0">
-            <a:schemeClr val="dk1"/>
-          </a:effectRef>
-          <a:fontRef idx="minor">
-            <a:schemeClr val="tx1"/>
-          </a:fontRef>
-        </p:style>
-      </p:cxnSp>
-      <p:cxnSp>
-        <p:nvCxnSpPr>
-          <p:cNvPr id="31" name="Straight Arrow Connector 30"/>
-          <p:cNvCxnSpPr>
-            <a:stCxn id="15" idx="2"/>
-            <a:endCxn id="17" idx="0"/>
-          </p:cNvCxnSpPr>
-          <p:nvPr/>
-        </p:nvCxnSpPr>
-        <p:spPr>
-          <a:xfrm>
-            <a:off x="7979418" y="4660490"/>
-            <a:ext cx="0" cy="543946"/>
-          </a:xfrm>
-          <a:prstGeom prst="straightConnector1">
-            <a:avLst/>
-          </a:prstGeom>
-          <a:ln>
-            <a:headEnd type="arrow" w="med" len="med"/>
-            <a:tailEnd type="arrow" w="med" len="med"/>
-          </a:ln>
-        </p:spPr>
-        <p:style>
-          <a:lnRef idx="1">
-            <a:schemeClr val="dk1"/>
-          </a:lnRef>
-          <a:fillRef idx="0">
-            <a:schemeClr val="dk1"/>
-          </a:fillRef>
-          <a:effectRef idx="0">
-            <a:schemeClr val="dk1"/>
-          </a:effectRef>
-          <a:fontRef idx="minor">
-            <a:schemeClr val="tx1"/>
-          </a:fontRef>
-        </p:style>
-      </p:cxnSp>
-      <p:sp>
-        <p:nvSpPr>
-          <p:cNvPr id="18" name="Rounded Rectangle 17"/>
-          <p:cNvSpPr/>
-          <p:nvPr/>
-        </p:nvSpPr>
-        <p:spPr>
-          <a:xfrm>
-            <a:off x="5435628" y="4106400"/>
-            <a:ext cx="1318662" cy="554087"/>
-          </a:xfrm>
-          <a:prstGeom prst="roundRect">
-            <a:avLst/>
-          </a:prstGeom>
-        </p:spPr>
-        <p:style>
-          <a:lnRef idx="2">
-            <a:schemeClr val="dk1"/>
-          </a:lnRef>
-          <a:fillRef idx="1">
-            <a:schemeClr val="lt1"/>
-          </a:fillRef>
-          <a:effectRef idx="0">
-            <a:schemeClr val="dk1"/>
-          </a:effectRef>
-          <a:fontRef idx="minor">
-            <a:schemeClr val="dk1"/>
-          </a:fontRef>
-        </p:style>
-        <p:txBody>
-          <a:bodyPr rtlCol="0" anchor="ctr"/>
-          <a:lstStyle/>
-          <a:p>
-            <a:pPr algn="ctr"/>
-            <a:r>
-              <a:rPr lang="en-US" dirty="0" smtClean="0"/>
-              <a:t>Switch </a:t>
-            </a:r>
-            <a:r>
-              <a:rPr lang="en-US" dirty="0" smtClean="0"/>
-              <a:t>2</a:t>
-            </a:r>
-            <a:endParaRPr lang="en-US" dirty="0"/>
-          </a:p>
-        </p:txBody>
-      </p:sp>
-      <p:cxnSp>
-        <p:nvCxnSpPr>
-          <p:cNvPr id="22" name="Straight Arrow Connector 21"/>
-          <p:cNvCxnSpPr>
-            <a:stCxn id="8" idx="2"/>
-            <a:endCxn id="18" idx="0"/>
-          </p:cNvCxnSpPr>
-          <p:nvPr/>
-        </p:nvCxnSpPr>
-        <p:spPr>
-          <a:xfrm>
-            <a:off x="6094959" y="2688442"/>
-            <a:ext cx="0" cy="1417958"/>
-          </a:xfrm>
-          <a:prstGeom prst="straightConnector1">
-            <a:avLst/>
-          </a:prstGeom>
-          <a:ln>
-            <a:headEnd type="arrow" w="med" len="med"/>
-            <a:tailEnd type="arrow" w="med" len="med"/>
-          </a:ln>
-        </p:spPr>
-        <p:style>
-          <a:lnRef idx="1">
-            <a:schemeClr val="dk1"/>
-          </a:lnRef>
-          <a:fillRef idx="0">
-            <a:schemeClr val="dk1"/>
-          </a:fillRef>
-          <a:effectRef idx="0">
-            <a:schemeClr val="dk1"/>
-          </a:effectRef>
-          <a:fontRef idx="minor">
-            <a:schemeClr val="tx1"/>
-          </a:fontRef>
-        </p:style>
-      </p:cxnSp>
-      <p:cxnSp>
-        <p:nvCxnSpPr>
-          <p:cNvPr id="4" name="Straight Connector 3"/>
-          <p:cNvCxnSpPr>
-            <a:stCxn id="10" idx="3"/>
-            <a:endCxn id="18" idx="1"/>
-          </p:cNvCxnSpPr>
-          <p:nvPr/>
-        </p:nvCxnSpPr>
-        <p:spPr>
-          <a:xfrm flipV="1">
-            <a:off x="4927628" y="4383444"/>
-            <a:ext cx="508000" cy="3"/>
-          </a:xfrm>
-          <a:prstGeom prst="line">
-            <a:avLst/>
-          </a:prstGeom>
-          <a:ln>
-            <a:solidFill>
-              <a:schemeClr val="bg1"/>
-            </a:solidFill>
-          </a:ln>
-        </p:spPr>
-        <p:style>
-          <a:lnRef idx="1">
-            <a:schemeClr val="accent1"/>
-          </a:lnRef>
-          <a:fillRef idx="0">
-            <a:schemeClr val="accent1"/>
-          </a:fillRef>
-          <a:effectRef idx="0">
-            <a:schemeClr val="accent1"/>
-          </a:effectRef>
-          <a:fontRef idx="minor">
-            <a:schemeClr val="tx1"/>
-          </a:fontRef>
-        </p:style>
-      </p:cxnSp>
-      <p:cxnSp>
-        <p:nvCxnSpPr>
-          <p:cNvPr id="20" name="Straight Connector 19"/>
-          <p:cNvCxnSpPr>
-            <a:stCxn id="18" idx="3"/>
-            <a:endCxn id="15" idx="1"/>
-          </p:cNvCxnSpPr>
-          <p:nvPr/>
-        </p:nvCxnSpPr>
-        <p:spPr>
-          <a:xfrm>
-            <a:off x="6754290" y="4383444"/>
-            <a:ext cx="565797" cy="3"/>
-          </a:xfrm>
-          <a:prstGeom prst="line">
-            <a:avLst/>
-          </a:prstGeom>
-          <a:ln>
-            <a:solidFill>
-              <a:schemeClr val="bg1"/>
-            </a:solidFill>
-          </a:ln>
-        </p:spPr>
-        <p:style>
-          <a:lnRef idx="1">
-            <a:schemeClr val="accent1"/>
-          </a:lnRef>
-          <a:fillRef idx="0">
-            <a:schemeClr val="accent1"/>
-          </a:fillRef>
-          <a:effectRef idx="0">
-            <a:schemeClr val="accent1"/>
-          </a:effectRef>
-          <a:fontRef idx="minor">
-            <a:schemeClr val="tx1"/>
-          </a:fontRef>
-        </p:style>
-      </p:cxnSp>
-      <p:sp>
-        <p:nvSpPr>
-          <p:cNvPr id="16" name="TextBox 15"/>
-          <p:cNvSpPr txBox="1"/>
-          <p:nvPr/>
-        </p:nvSpPr>
-        <p:spPr>
-          <a:xfrm>
-            <a:off x="3482236" y="5899759"/>
-            <a:ext cx="1747380" cy="369332"/>
-          </a:xfrm>
-          <a:prstGeom prst="rect">
-            <a:avLst/>
-          </a:prstGeom>
-          <a:noFill/>
-        </p:spPr>
-        <p:txBody>
-          <a:bodyPr wrap="square" rtlCol="0">
-            <a:spAutoFit/>
+            <a:off x="106470" y="1975757"/>
+            <a:ext cx="11780729" cy="4882243"/>
+          </a:xfrm>
+        </p:spPr>
+        <p:txBody>
+          <a:bodyPr>
+            <a:noAutofit/>
           </a:bodyPr>
           <a:lstStyle/>
           <a:p>
             <a:r>
-              <a:rPr lang="en-US" dirty="0" smtClean="0">
-                <a:solidFill>
-                  <a:schemeClr val="bg1"/>
-                </a:solidFill>
-              </a:rPr>
-              <a:t>10.0.0.1</a:t>
-            </a:r>
-            <a:endParaRPr lang="en-US" dirty="0">
-              <a:solidFill>
-                <a:schemeClr val="bg1"/>
-              </a:solidFill>
-            </a:endParaRPr>
-          </a:p>
-        </p:txBody>
-      </p:sp>
-      <p:sp>
-        <p:nvSpPr>
-          <p:cNvPr id="26" name="TextBox 25"/>
-          <p:cNvSpPr txBox="1"/>
-          <p:nvPr/>
-        </p:nvSpPr>
-        <p:spPr>
-          <a:xfrm>
-            <a:off x="7573357" y="5906619"/>
-            <a:ext cx="1747380" cy="369332"/>
-          </a:xfrm>
-          <a:prstGeom prst="rect">
-            <a:avLst/>
-          </a:prstGeom>
-          <a:noFill/>
-        </p:spPr>
-        <p:txBody>
-          <a:bodyPr wrap="square" rtlCol="0">
-            <a:spAutoFit/>
-          </a:bodyPr>
-          <a:lstStyle/>
-          <a:p>
-            <a:r>
-              <a:rPr lang="en-US" dirty="0" smtClean="0">
-                <a:solidFill>
-                  <a:schemeClr val="bg1"/>
-                </a:solidFill>
-              </a:rPr>
-              <a:t>10.0.0.3</a:t>
-            </a:r>
-            <a:endParaRPr lang="en-US" dirty="0">
-              <a:solidFill>
-                <a:schemeClr val="bg1"/>
-              </a:solidFill>
-            </a:endParaRPr>
-          </a:p>
-        </p:txBody>
-      </p:sp>
-      <p:sp>
-        <p:nvSpPr>
-          <p:cNvPr id="27" name="TextBox 26"/>
-          <p:cNvSpPr txBox="1"/>
-          <p:nvPr/>
-        </p:nvSpPr>
-        <p:spPr>
-          <a:xfrm>
-            <a:off x="5527796" y="5891691"/>
-            <a:ext cx="1747380" cy="369332"/>
-          </a:xfrm>
-          <a:prstGeom prst="rect">
-            <a:avLst/>
-          </a:prstGeom>
-          <a:noFill/>
-        </p:spPr>
-        <p:txBody>
-          <a:bodyPr wrap="square" rtlCol="0">
-            <a:spAutoFit/>
-          </a:bodyPr>
-          <a:lstStyle/>
-          <a:p>
-            <a:r>
-              <a:rPr lang="en-US" dirty="0" smtClean="0">
-                <a:solidFill>
-                  <a:schemeClr val="bg1"/>
-                </a:solidFill>
-              </a:rPr>
-              <a:t>10.0.0.2</a:t>
-            </a:r>
-            <a:endParaRPr lang="en-US" dirty="0">
-              <a:solidFill>
-                <a:schemeClr val="bg1"/>
-              </a:solidFill>
-            </a:endParaRPr>
+              <a:rPr lang="en-US" sz="2900" dirty="0" smtClean="0"/>
+              <a:t>Concerns:</a:t>
+            </a:r>
+          </a:p>
+          <a:p>
+            <a:pPr lvl="1"/>
+            <a:r>
+              <a:rPr lang="en-US" sz="2900" dirty="0" smtClean="0"/>
+              <a:t>Switches shared and controlled by multiple cloud providers</a:t>
+            </a:r>
+          </a:p>
+          <a:p>
+            <a:pPr lvl="1"/>
+            <a:r>
+              <a:rPr lang="en-US" sz="2900" dirty="0" smtClean="0"/>
+              <a:t>Who manages what</a:t>
+            </a:r>
+          </a:p>
+          <a:p>
+            <a:pPr lvl="1"/>
+            <a:r>
+              <a:rPr lang="en-US" sz="2900" dirty="0" smtClean="0"/>
+              <a:t>Who interacts with whom</a:t>
+            </a:r>
+          </a:p>
+          <a:p>
+            <a:pPr lvl="1"/>
+            <a:r>
+              <a:rPr lang="en-US" sz="2900" dirty="0" smtClean="0"/>
+              <a:t>Minimal infrastructure to support</a:t>
+            </a:r>
+          </a:p>
+          <a:p>
+            <a:pPr marL="228600" lvl="1" indent="0">
+              <a:buNone/>
+            </a:pPr>
+            <a:endParaRPr lang="en-US" sz="2900" dirty="0" smtClean="0"/>
+          </a:p>
+          <a:p>
+            <a:r>
+              <a:rPr lang="en-US" sz="2900" dirty="0" smtClean="0"/>
+              <a:t>Offer network resources and control as independent service</a:t>
+            </a:r>
+          </a:p>
+          <a:p>
+            <a:endParaRPr lang="en-US" sz="2900" dirty="0"/>
+          </a:p>
+          <a:p>
+            <a:r>
+              <a:rPr lang="en-US" sz="2900" dirty="0" smtClean="0"/>
+              <a:t>Full </a:t>
+            </a:r>
+            <a:r>
+              <a:rPr lang="en-US" sz="2900" dirty="0" err="1" smtClean="0"/>
+              <a:t>partioning</a:t>
+            </a:r>
+            <a:r>
+              <a:rPr lang="en-US" sz="2900" dirty="0" smtClean="0"/>
+              <a:t>/virtualization of network resources</a:t>
+            </a:r>
+            <a:endParaRPr lang="en-US" sz="2900" dirty="0"/>
           </a:p>
         </p:txBody>
       </p:sp>
     </p:spTree>
     <p:extLst>
       <p:ext uri="{BB962C8B-B14F-4D97-AF65-F5344CB8AC3E}">
-        <p14:creationId xmlns:p14="http://schemas.microsoft.com/office/powerpoint/2010/main" val="2766709040"/>
+        <p14:creationId xmlns:p14="http://schemas.microsoft.com/office/powerpoint/2010/main" val="513623490"/>
       </p:ext>
     </p:extLst>
   </p:cSld>
@@ -4833,7 +4130,7 @@
             <a:spLocks noGrp="1"/>
           </p:cNvSpPr>
           <p:nvPr>
-            <p:ph type="title"/>
+            <p:ph type="ctrTitle"/>
           </p:nvPr>
         </p:nvSpPr>
         <p:spPr/>
@@ -4841,110 +4138,18 @@
           <a:bodyPr/>
           <a:lstStyle/>
           <a:p>
-            <a:pPr algn="ctr"/>
             <a:r>
               <a:rPr lang="en-US" dirty="0" smtClean="0"/>
-              <a:t>NETWORK CONTROL AND DATA PLANE SHARING</a:t>
+              <a:t>DEMO</a:t>
             </a:r>
             <a:endParaRPr lang="en-US" dirty="0"/>
-          </a:p>
-        </p:txBody>
-      </p:sp>
-      <p:sp>
-        <p:nvSpPr>
-          <p:cNvPr id="3" name="Content Placeholder 2"/>
-          <p:cNvSpPr>
-            <a:spLocks noGrp="1"/>
-          </p:cNvSpPr>
-          <p:nvPr>
-            <p:ph idx="1"/>
-          </p:nvPr>
-        </p:nvSpPr>
-        <p:spPr>
-          <a:xfrm>
-            <a:off x="106470" y="1975757"/>
-            <a:ext cx="11780729" cy="4882243"/>
-          </a:xfrm>
-        </p:spPr>
-        <p:txBody>
-          <a:bodyPr>
-            <a:noAutofit/>
-          </a:bodyPr>
-          <a:lstStyle/>
-          <a:p>
-            <a:r>
-              <a:rPr lang="en-US" sz="2900" dirty="0" smtClean="0"/>
-              <a:t>Concerns:</a:t>
-            </a:r>
-          </a:p>
-          <a:p>
-            <a:pPr lvl="1"/>
-            <a:r>
-              <a:rPr lang="en-US" sz="2900" dirty="0" smtClean="0"/>
-              <a:t>Switches shared and controlled by multiple cloud providers</a:t>
-            </a:r>
-          </a:p>
-          <a:p>
-            <a:pPr lvl="1"/>
-            <a:r>
-              <a:rPr lang="en-US" sz="2900" dirty="0" smtClean="0"/>
-              <a:t>Who manages what</a:t>
-            </a:r>
-          </a:p>
-          <a:p>
-            <a:pPr lvl="1"/>
-            <a:r>
-              <a:rPr lang="en-US" sz="2900" dirty="0" smtClean="0"/>
-              <a:t>Who interacts with whom</a:t>
-            </a:r>
-          </a:p>
-          <a:p>
-            <a:pPr lvl="1"/>
-            <a:r>
-              <a:rPr lang="en-US" sz="2900" dirty="0" smtClean="0"/>
-              <a:t>Minimal infrastructure to support</a:t>
-            </a:r>
-          </a:p>
-          <a:p>
-            <a:pPr marL="228600" lvl="1" indent="0">
-              <a:buNone/>
-            </a:pPr>
-            <a:endParaRPr lang="en-US" sz="2900" dirty="0" smtClean="0"/>
-          </a:p>
-          <a:p>
-            <a:r>
-              <a:rPr lang="en-US" sz="2900" dirty="0" smtClean="0"/>
-              <a:t>Offer network resources and control as independent service</a:t>
-            </a:r>
-          </a:p>
-          <a:p>
-            <a:endParaRPr lang="en-US" sz="2900" dirty="0"/>
-          </a:p>
-          <a:p>
-            <a:r>
-              <a:rPr lang="en-US" sz="2900" dirty="0" smtClean="0"/>
-              <a:t>Full </a:t>
-            </a:r>
-            <a:r>
-              <a:rPr lang="en-US" sz="2900" dirty="0" err="1" smtClean="0"/>
-              <a:t>partioning</a:t>
-            </a:r>
-            <a:r>
-              <a:rPr lang="en-US" sz="2900" dirty="0" smtClean="0"/>
-              <a:t>/virtualization </a:t>
-            </a:r>
-            <a:r>
-              <a:rPr lang="en-US" sz="2900" dirty="0" smtClean="0"/>
-              <a:t>of network resources</a:t>
-            </a:r>
-            <a:endParaRPr lang="en-US" sz="2900" dirty="0"/>
           </a:p>
         </p:txBody>
       </p:sp>
     </p:spTree>
     <p:extLst>
       <p:ext uri="{BB962C8B-B14F-4D97-AF65-F5344CB8AC3E}">
-        <p14:creationId xmlns:p14="http://schemas.microsoft.com/office/powerpoint/2010/main" val="513623490"/>
+        <p14:creationId xmlns:p14="http://schemas.microsoft.com/office/powerpoint/2010/main" val="3131173015"/>
       </p:ext>
     </p:extLst>
   </p:cSld>
@@ -4985,7 +4190,7 @@
             <a:spLocks noGrp="1"/>
           </p:cNvSpPr>
           <p:nvPr>
-            <p:ph type="ctrTitle"/>
+            <p:ph type="title"/>
           </p:nvPr>
         </p:nvSpPr>
         <p:spPr/>
@@ -4993,9 +4198,89 @@
           <a:bodyPr/>
           <a:lstStyle/>
           <a:p>
+            <a:endParaRPr lang="en-US"/>
+          </a:p>
+        </p:txBody>
+      </p:sp>
+      <p:pic>
+        <p:nvPicPr>
+          <p:cNvPr id="4" name="Content Placeholder 3"/>
+          <p:cNvPicPr>
+            <a:picLocks noGrp="1" noChangeAspect="1"/>
+          </p:cNvPicPr>
+          <p:nvPr>
+            <p:ph idx="1"/>
+          </p:nvPr>
+        </p:nvPicPr>
+        <p:blipFill>
+          <a:blip r:embed="rId2"/>
+          <a:stretch>
+            <a:fillRect/>
+          </a:stretch>
+        </p:blipFill>
+        <p:spPr>
+          <a:xfrm>
+            <a:off x="1" y="0"/>
+            <a:ext cx="12192000" cy="6858000"/>
+          </a:xfrm>
+          <a:prstGeom prst="rect">
+            <a:avLst/>
+          </a:prstGeom>
+        </p:spPr>
+      </p:pic>
+      <p:sp>
+        <p:nvSpPr>
+          <p:cNvPr id="3" name="TextBox 2"/>
+          <p:cNvSpPr txBox="1"/>
+          <p:nvPr/>
+        </p:nvSpPr>
+        <p:spPr>
+          <a:xfrm>
+            <a:off x="2116899" y="6085771"/>
+            <a:ext cx="9262997" cy="369332"/>
+          </a:xfrm>
+          <a:prstGeom prst="rect">
+            <a:avLst/>
+          </a:prstGeom>
+          <a:noFill/>
+        </p:spPr>
+        <p:txBody>
+          <a:bodyPr wrap="square" rtlCol="0">
+            <a:spAutoFit/>
+          </a:bodyPr>
+          <a:lstStyle/>
+          <a:p>
             <a:r>
               <a:rPr lang="en-US" dirty="0" smtClean="0"/>
-              <a:t>DEMO</a:t>
+              <a:t>$</a:t>
+            </a:r>
+            <a:r>
+              <a:rPr lang="en-US" dirty="0" err="1"/>
+              <a:t>s</a:t>
+            </a:r>
+            <a:r>
+              <a:rPr lang="en-US" dirty="0" err="1" smtClean="0"/>
+              <a:t>udo</a:t>
+            </a:r>
+            <a:r>
+              <a:rPr lang="en-US" dirty="0" smtClean="0"/>
+              <a:t> </a:t>
+            </a:r>
+            <a:r>
+              <a:rPr lang="en-US" dirty="0" err="1" smtClean="0"/>
+              <a:t>mn</a:t>
+            </a:r>
+            <a:r>
+              <a:rPr lang="en-US" dirty="0" smtClean="0"/>
+              <a:t>  --controller=</a:t>
+            </a:r>
+            <a:r>
+              <a:rPr lang="en-US" dirty="0" err="1" smtClean="0"/>
+              <a:t>remote,ip</a:t>
+            </a:r>
+            <a:r>
+              <a:rPr lang="en-US" dirty="0" smtClean="0"/>
+              <a:t>=127.0.0.1  --topo=linear,3 </a:t>
             </a:r>
             <a:endParaRPr lang="en-US" dirty="0"/>
           </a:p>
@@ -5004,7 +4289,7 @@
     </p:spTree>
     <p:extLst>
       <p:ext uri="{BB962C8B-B14F-4D97-AF65-F5344CB8AC3E}">
-        <p14:creationId xmlns:p14="http://schemas.microsoft.com/office/powerpoint/2010/main" val="3131173015"/>
+        <p14:creationId xmlns:p14="http://schemas.microsoft.com/office/powerpoint/2010/main" val="4132685546"/>
       </p:ext>
     </p:extLst>
   </p:cSld>
@@ -5057,15 +4342,32 @@
           </a:p>
         </p:txBody>
       </p:sp>
-      <p:pic>
-        <p:nvPicPr>
-          <p:cNvPr id="4" name="Content Placeholder 3"/>
-          <p:cNvPicPr>
-            <a:picLocks noGrp="1" noChangeAspect="1"/>
-          </p:cNvPicPr>
+      <p:sp>
+        <p:nvSpPr>
+          <p:cNvPr id="3" name="Content Placeholder 2"/>
+          <p:cNvSpPr>
+            <a:spLocks noGrp="1"/>
+          </p:cNvSpPr>
           <p:nvPr>
             <p:ph idx="1"/>
           </p:nvPr>
+        </p:nvSpPr>
+        <p:spPr/>
+        <p:txBody>
+          <a:bodyPr/>
+          <a:lstStyle/>
+          <a:p>
+            <a:endParaRPr lang="en-US"/>
+          </a:p>
+        </p:txBody>
+      </p:sp>
+      <p:pic>
+        <p:nvPicPr>
+          <p:cNvPr id="4" name="Picture 3"/>
+          <p:cNvPicPr>
+            <a:picLocks noChangeAspect="1"/>
+          </p:cNvPicPr>
+          <p:nvPr/>
         </p:nvPicPr>
         <p:blipFill>
           <a:blip r:embed="rId2"/>
@@ -5075,76 +4377,18 @@
         </p:blipFill>
         <p:spPr>
           <a:xfrm>
-            <a:off x="1" y="0"/>
-            <a:ext cx="12192000" cy="6858000"/>
+            <a:off x="18" y="0"/>
+            <a:ext cx="12191981" cy="6858000"/>
           </a:xfrm>
           <a:prstGeom prst="rect">
             <a:avLst/>
           </a:prstGeom>
         </p:spPr>
       </p:pic>
-      <p:sp>
-        <p:nvSpPr>
-          <p:cNvPr id="3" name="TextBox 2"/>
-          <p:cNvSpPr txBox="1"/>
-          <p:nvPr/>
-        </p:nvSpPr>
-        <p:spPr>
-          <a:xfrm>
-            <a:off x="2116899" y="6085771"/>
-            <a:ext cx="9262997" cy="369332"/>
-          </a:xfrm>
-          <a:prstGeom prst="rect">
-            <a:avLst/>
-          </a:prstGeom>
-          <a:noFill/>
-        </p:spPr>
-        <p:txBody>
-          <a:bodyPr wrap="square" rtlCol="0">
-            <a:spAutoFit/>
-          </a:bodyPr>
-          <a:lstStyle/>
-          <a:p>
-            <a:r>
-              <a:rPr lang="en-US" dirty="0" smtClean="0"/>
-              <a:t>$</a:t>
-            </a:r>
-            <a:r>
-              <a:rPr lang="en-US" dirty="0" err="1"/>
-              <a:t>s</a:t>
-            </a:r>
-            <a:r>
-              <a:rPr lang="en-US" dirty="0" err="1" smtClean="0"/>
-              <a:t>udo</a:t>
-            </a:r>
-            <a:r>
-              <a:rPr lang="en-US" dirty="0" smtClean="0"/>
-              <a:t> </a:t>
-            </a:r>
-            <a:r>
-              <a:rPr lang="en-US" dirty="0" err="1" smtClean="0"/>
-              <a:t>mn</a:t>
-            </a:r>
-            <a:r>
-              <a:rPr lang="en-US" dirty="0" smtClean="0"/>
-              <a:t>  --controller=</a:t>
-            </a:r>
-            <a:r>
-              <a:rPr lang="en-US" dirty="0" err="1" smtClean="0"/>
-              <a:t>remote,ip</a:t>
-            </a:r>
-            <a:r>
-              <a:rPr lang="en-US" dirty="0" smtClean="0"/>
-              <a:t>=127.0.0.1  --topo=linear,3 </a:t>
-            </a:r>
-            <a:endParaRPr lang="en-US" dirty="0"/>
-          </a:p>
-        </p:txBody>
-      </p:sp>
     </p:spTree>
     <p:extLst>
       <p:ext uri="{BB962C8B-B14F-4D97-AF65-F5344CB8AC3E}">
-        <p14:creationId xmlns:p14="http://schemas.microsoft.com/office/powerpoint/2010/main" val="4132685546"/>
+        <p14:creationId xmlns:p14="http://schemas.microsoft.com/office/powerpoint/2010/main" val="3885998745"/>
       </p:ext>
     </p:extLst>
   </p:cSld>
@@ -5193,47 +4437,39 @@
           <a:bodyPr/>
           <a:lstStyle/>
           <a:p>
-            <a:endParaRPr lang="en-US"/>
-          </a:p>
-        </p:txBody>
-      </p:sp>
-      <p:sp>
-        <p:nvSpPr>
-          <p:cNvPr id="3" name="Content Placeholder 2"/>
-          <p:cNvSpPr>
-            <a:spLocks noGrp="1"/>
-          </p:cNvSpPr>
-          <p:nvPr>
-            <p:ph idx="1"/>
-          </p:nvPr>
-        </p:nvSpPr>
-        <p:spPr/>
-        <p:txBody>
-          <a:bodyPr/>
-          <a:lstStyle/>
-          <a:p>
-            <a:endParaRPr lang="en-US"/>
+            <a:pPr algn="ctr"/>
+            <a:r>
+              <a:rPr lang="en-US" dirty="0" smtClean="0"/>
+              <a:t>Analysis of packets</a:t>
+            </a:r>
+            <a:endParaRPr lang="en-US" dirty="0"/>
           </a:p>
         </p:txBody>
       </p:sp>
       <p:pic>
         <p:nvPicPr>
-          <p:cNvPr id="4" name="Picture 3"/>
+          <p:cNvPr id="4" name="Content Placeholder 3"/>
           <p:cNvPicPr>
             <a:picLocks noChangeAspect="1"/>
           </p:cNvPicPr>
           <p:nvPr/>
         </p:nvPicPr>
         <p:blipFill>
-          <a:blip r:embed="rId2"/>
+          <a:blip r:embed="rId2">
+            <a:extLst>
+              <a:ext uri="{28A0092B-C50C-407E-A947-70E740481C1C}">
+                <a14:useLocalDpi xmlns:a14="http://schemas.microsoft.com/office/drawing/2010/main" val="0"/>
+              </a:ext>
+            </a:extLst>
+          </a:blip>
           <a:stretch>
             <a:fillRect/>
           </a:stretch>
         </p:blipFill>
         <p:spPr>
           <a:xfrm>
-            <a:off x="18" y="0"/>
-            <a:ext cx="12191981" cy="6858000"/>
+            <a:off x="0" y="2275536"/>
+            <a:ext cx="12213356" cy="3795064"/>
           </a:xfrm>
           <a:prstGeom prst="rect">
             <a:avLst/>
@@ -5243,7 +4479,7 @@
     </p:spTree>
     <p:extLst>
       <p:ext uri="{BB962C8B-B14F-4D97-AF65-F5344CB8AC3E}">
-        <p14:creationId xmlns:p14="http://schemas.microsoft.com/office/powerpoint/2010/main" val="3885998745"/>
+        <p14:creationId xmlns:p14="http://schemas.microsoft.com/office/powerpoint/2010/main" val="3105961118"/>
       </p:ext>
     </p:extLst>
   </p:cSld>
@@ -5292,7 +4528,16 @@
           <a:bodyPr/>
           <a:lstStyle/>
           <a:p>
-            <a:endParaRPr lang="en-US"/>
+            <a:pPr algn="ctr"/>
+            <a:r>
+              <a:rPr lang="en-US" dirty="0" smtClean="0"/>
+              <a:t>SPRINT </a:t>
+            </a:r>
+            <a:r>
+              <a:rPr lang="en-US" sz="5400" dirty="0" smtClean="0"/>
+              <a:t>2</a:t>
+            </a:r>
+            <a:endParaRPr lang="en-US" dirty="0"/>
           </a:p>
         </p:txBody>
       </p:sp>
@@ -5306,89 +4551,72 @@
             <p:ph idx="1"/>
           </p:nvPr>
         </p:nvSpPr>
-        <p:spPr/>
-        <p:txBody>
-          <a:bodyPr/>
-          <a:lstStyle/>
-          <a:p>
-            <a:endParaRPr lang="en-US"/>
-          </a:p>
-        </p:txBody>
-      </p:sp>
-      <p:pic>
-        <p:nvPicPr>
-          <p:cNvPr id="4" name="Picture 3"/>
-          <p:cNvPicPr>
-            <a:picLocks noChangeAspect="1"/>
-          </p:cNvPicPr>
-          <p:nvPr/>
-        </p:nvPicPr>
-        <p:blipFill>
-          <a:blip r:embed="rId2"/>
-          <a:stretch>
-            <a:fillRect/>
-          </a:stretch>
-        </p:blipFill>
         <p:spPr>
           <a:xfrm>
-            <a:off x="0" y="0"/>
-            <a:ext cx="12192000" cy="6858000"/>
-          </a:xfrm>
-          <a:prstGeom prst="rect">
-            <a:avLst/>
-          </a:prstGeom>
-        </p:spPr>
-      </p:pic>
-      <p:sp>
-        <p:nvSpPr>
-          <p:cNvPr id="5" name="Oval 4"/>
-          <p:cNvSpPr/>
-          <p:nvPr/>
-        </p:nvSpPr>
-        <p:spPr>
-          <a:xfrm>
-            <a:off x="5592871" y="3419605"/>
-            <a:ext cx="1929008" cy="375781"/>
-          </a:xfrm>
-          <a:prstGeom prst="ellipse">
-            <a:avLst/>
-          </a:prstGeom>
-          <a:noFill/>
-          <a:ln>
-            <a:solidFill>
-              <a:srgbClr val="FF0000"/>
-            </a:solidFill>
-          </a:ln>
-        </p:spPr>
-        <p:style>
-          <a:lnRef idx="2">
-            <a:schemeClr val="accent1">
-              <a:shade val="50000"/>
-            </a:schemeClr>
-          </a:lnRef>
-          <a:fillRef idx="1">
-            <a:schemeClr val="accent1"/>
-          </a:fillRef>
-          <a:effectRef idx="0">
-            <a:schemeClr val="accent1"/>
-          </a:effectRef>
-          <a:fontRef idx="minor">
-            <a:schemeClr val="lt1"/>
-          </a:fontRef>
-        </p:style>
-        <p:txBody>
-          <a:bodyPr rtlCol="0" anchor="ctr"/>
-          <a:lstStyle/>
-          <a:p>
-            <a:pPr algn="ctr"/>
-            <a:endParaRPr lang="en-US"/>
+            <a:off x="1203960" y="2011679"/>
+            <a:ext cx="9784080" cy="4533499"/>
+          </a:xfrm>
+        </p:spPr>
+        <p:txBody>
+          <a:bodyPr>
+            <a:noAutofit/>
+          </a:bodyPr>
+          <a:lstStyle/>
+          <a:p>
+            <a:r>
+              <a:rPr lang="en-US" sz="3200" dirty="0"/>
+              <a:t>Configure learning switch with </a:t>
+            </a:r>
+            <a:r>
+              <a:rPr lang="en-US" sz="3200" dirty="0" err="1"/>
+              <a:t>OpenDaylight</a:t>
+            </a:r>
+            <a:endParaRPr lang="en-US" sz="3200" dirty="0"/>
+          </a:p>
+          <a:p>
+            <a:endParaRPr lang="en-US" sz="3200" dirty="0" smtClean="0"/>
+          </a:p>
+          <a:p>
+            <a:r>
+              <a:rPr lang="en-US" sz="3200" dirty="0" smtClean="0"/>
+              <a:t>Add flows and flow table using </a:t>
+            </a:r>
+            <a:r>
+              <a:rPr lang="en-US" sz="3200" dirty="0" err="1" smtClean="0"/>
+              <a:t>OpenFlow</a:t>
+            </a:r>
+            <a:r>
+              <a:rPr lang="en-US" sz="3200" dirty="0" smtClean="0"/>
+              <a:t> in OVS.</a:t>
+            </a:r>
+          </a:p>
+          <a:p>
+            <a:endParaRPr lang="en-US" sz="3200" dirty="0"/>
+          </a:p>
+          <a:p>
+            <a:r>
+              <a:rPr lang="en-US" sz="3200" dirty="0" smtClean="0"/>
+              <a:t>Create administrative domain with multiple networks</a:t>
+            </a:r>
+          </a:p>
+          <a:p>
+            <a:endParaRPr lang="en-US" sz="3200" dirty="0" smtClean="0"/>
+          </a:p>
+          <a:p>
+            <a:r>
+              <a:rPr lang="en-US" sz="3200" dirty="0" smtClean="0"/>
+              <a:t>Connect the multiple networks in current topology</a:t>
+            </a:r>
+          </a:p>
+          <a:p>
+            <a:endParaRPr lang="en-US" sz="3200" dirty="0"/>
           </a:p>
         </p:txBody>
       </p:sp>
     </p:spTree>
     <p:extLst>
       <p:ext uri="{BB962C8B-B14F-4D97-AF65-F5344CB8AC3E}">
-        <p14:creationId xmlns:p14="http://schemas.microsoft.com/office/powerpoint/2010/main" val="1788859866"/>
+        <p14:creationId xmlns:p14="http://schemas.microsoft.com/office/powerpoint/2010/main" val="2777377975"/>
       </p:ext>
     </p:extLst>
   </p:cSld>
@@ -5437,235 +4665,18 @@
           <a:bodyPr/>
           <a:lstStyle/>
           <a:p>
+            <a:pPr algn="ctr"/>
             <a:r>
               <a:rPr lang="en-US" dirty="0" smtClean="0"/>
-              <a:t>Analysis of packets</a:t>
-            </a:r>
-            <a:endParaRPr lang="en-US" dirty="0"/>
-          </a:p>
-        </p:txBody>
-      </p:sp>
-      <p:sp>
-        <p:nvSpPr>
-          <p:cNvPr id="3" name="Content Placeholder 2"/>
-          <p:cNvSpPr>
-            <a:spLocks noGrp="1"/>
-          </p:cNvSpPr>
-          <p:nvPr>
-            <p:ph idx="1"/>
-          </p:nvPr>
-        </p:nvSpPr>
-        <p:spPr/>
-        <p:txBody>
-          <a:bodyPr/>
-          <a:lstStyle/>
-          <a:p>
-            <a:endParaRPr lang="en-US"/>
-          </a:p>
-        </p:txBody>
-      </p:sp>
-    </p:spTree>
-    <p:extLst>
-      <p:ext uri="{BB962C8B-B14F-4D97-AF65-F5344CB8AC3E}">
-        <p14:creationId xmlns:p14="http://schemas.microsoft.com/office/powerpoint/2010/main" val="3105961118"/>
-      </p:ext>
-    </p:extLst>
-  </p:cSld>
-  <p:clrMapOvr>
-    <a:masterClrMapping/>
-  </p:clrMapOvr>
-  <p:timing>
-    <p:tnLst>
-      <p:par>
-        <p:cTn id="1" dur="indefinite" restart="never" nodeType="tmRoot"/>
-      </p:par>
-    </p:tnLst>
-  </p:timing>
-</p:sld>
-</file>
-
-<file path=ppt/slides/slide17.xml><?xml version="1.0" encoding="utf-8"?>
-<p:sld xmlns:a="http://schemas.openxmlformats.org/drawingml/2006/main" xmlns:r="http://schemas.openxmlformats.org/officeDocument/2006/relationships" xmlns:p="http://schemas.openxmlformats.org/presentationml/2006/main">
-  <p:cSld>
-    <p:spTree>
-      <p:nvGrpSpPr>
-        <p:cNvPr id="1" name=""/>
-        <p:cNvGrpSpPr/>
-        <p:nvPr/>
-      </p:nvGrpSpPr>
-      <p:grpSpPr>
-        <a:xfrm>
-          <a:off x="0" y="0"/>
-          <a:ext cx="0" cy="0"/>
-          <a:chOff x="0" y="0"/>
-          <a:chExt cx="0" cy="0"/>
-        </a:xfrm>
-      </p:grpSpPr>
-      <p:sp>
-        <p:nvSpPr>
-          <p:cNvPr id="2" name="Title 1"/>
-          <p:cNvSpPr>
-            <a:spLocks noGrp="1"/>
-          </p:cNvSpPr>
-          <p:nvPr>
-            <p:ph type="title"/>
-          </p:nvPr>
-        </p:nvSpPr>
-        <p:spPr/>
-        <p:txBody>
-          <a:bodyPr/>
-          <a:lstStyle/>
-          <a:p>
-            <a:pPr algn="ctr"/>
-            <a:r>
-              <a:rPr lang="en-US" dirty="0" smtClean="0"/>
-              <a:t>SPRINT </a:t>
+              <a:t>Sprint </a:t>
             </a:r>
             <a:r>
               <a:rPr lang="en-US" sz="5400" dirty="0" smtClean="0"/>
               <a:t>2</a:t>
             </a:r>
-            <a:endParaRPr lang="en-US" dirty="0"/>
-          </a:p>
-        </p:txBody>
-      </p:sp>
-      <p:sp>
-        <p:nvSpPr>
-          <p:cNvPr id="3" name="Content Placeholder 2"/>
-          <p:cNvSpPr>
-            <a:spLocks noGrp="1"/>
-          </p:cNvSpPr>
-          <p:nvPr>
-            <p:ph idx="1"/>
-          </p:nvPr>
-        </p:nvSpPr>
-        <p:spPr>
-          <a:xfrm>
-            <a:off x="1203960" y="2011679"/>
-            <a:ext cx="9784080" cy="4533499"/>
-          </a:xfrm>
-        </p:spPr>
-        <p:txBody>
-          <a:bodyPr>
-            <a:noAutofit/>
-          </a:bodyPr>
-          <a:lstStyle/>
-          <a:p>
-            <a:r>
-              <a:rPr lang="en-US" sz="3200" dirty="0"/>
-              <a:t>Configure learning switch with </a:t>
-            </a:r>
-            <a:r>
-              <a:rPr lang="en-US" sz="3200" dirty="0" err="1"/>
-              <a:t>OpenDaylight</a:t>
-            </a:r>
-            <a:endParaRPr lang="en-US" sz="3200" dirty="0"/>
-          </a:p>
-          <a:p>
-            <a:endParaRPr lang="en-US" sz="3200" dirty="0" smtClean="0"/>
-          </a:p>
-          <a:p>
-            <a:r>
-              <a:rPr lang="en-US" sz="3200" dirty="0" smtClean="0"/>
-              <a:t>Add </a:t>
-            </a:r>
-            <a:r>
-              <a:rPr lang="en-US" sz="3200" dirty="0" smtClean="0"/>
-              <a:t>flows and flow table using </a:t>
-            </a:r>
-            <a:r>
-              <a:rPr lang="en-US" sz="3200" dirty="0" err="1" smtClean="0"/>
-              <a:t>OpenFlow</a:t>
-            </a:r>
-            <a:r>
-              <a:rPr lang="en-US" sz="3200" dirty="0" smtClean="0"/>
-              <a:t> in </a:t>
-            </a:r>
-            <a:r>
-              <a:rPr lang="en-US" sz="3200" dirty="0" smtClean="0"/>
-              <a:t>OVS.</a:t>
-            </a:r>
-            <a:endParaRPr lang="en-US" sz="3200" dirty="0" smtClean="0"/>
-          </a:p>
-          <a:p>
-            <a:endParaRPr lang="en-US" sz="3200" dirty="0"/>
-          </a:p>
-          <a:p>
-            <a:r>
-              <a:rPr lang="en-US" sz="3200" dirty="0" smtClean="0"/>
-              <a:t>Create administrative domain with multiple networks</a:t>
-            </a:r>
-          </a:p>
-          <a:p>
-            <a:endParaRPr lang="en-US" sz="3200" dirty="0" smtClean="0"/>
-          </a:p>
-          <a:p>
-            <a:r>
-              <a:rPr lang="en-US" sz="3200" dirty="0" smtClean="0"/>
-              <a:t>Connect the multiple networks in current topology</a:t>
-            </a:r>
-          </a:p>
-          <a:p>
-            <a:endParaRPr lang="en-US" sz="3200" dirty="0"/>
-          </a:p>
-        </p:txBody>
-      </p:sp>
-    </p:spTree>
-    <p:extLst>
-      <p:ext uri="{BB962C8B-B14F-4D97-AF65-F5344CB8AC3E}">
-        <p14:creationId xmlns:p14="http://schemas.microsoft.com/office/powerpoint/2010/main" val="2777377975"/>
-      </p:ext>
-    </p:extLst>
-  </p:cSld>
-  <p:clrMapOvr>
-    <a:masterClrMapping/>
-  </p:clrMapOvr>
-  <p:timing>
-    <p:tnLst>
-      <p:par>
-        <p:cTn id="1" dur="indefinite" restart="never" nodeType="tmRoot"/>
-      </p:par>
-    </p:tnLst>
-  </p:timing>
-</p:sld>
-</file>
-
-<file path=ppt/slides/slide18.xml><?xml version="1.0" encoding="utf-8"?>
-<p:sld xmlns:a="http://schemas.openxmlformats.org/drawingml/2006/main" xmlns:r="http://schemas.openxmlformats.org/officeDocument/2006/relationships" xmlns:p="http://schemas.openxmlformats.org/presentationml/2006/main">
-  <p:cSld>
-    <p:spTree>
-      <p:nvGrpSpPr>
-        <p:cNvPr id="1" name=""/>
-        <p:cNvGrpSpPr/>
-        <p:nvPr/>
-      </p:nvGrpSpPr>
-      <p:grpSpPr>
-        <a:xfrm>
-          <a:off x="0" y="0"/>
-          <a:ext cx="0" cy="0"/>
-          <a:chOff x="0" y="0"/>
-          <a:chExt cx="0" cy="0"/>
-        </a:xfrm>
-      </p:grpSpPr>
-      <p:sp>
-        <p:nvSpPr>
-          <p:cNvPr id="2" name="Title 1"/>
-          <p:cNvSpPr>
-            <a:spLocks noGrp="1"/>
-          </p:cNvSpPr>
-          <p:nvPr>
-            <p:ph type="title"/>
-          </p:nvPr>
-        </p:nvSpPr>
-        <p:spPr/>
-        <p:txBody>
-          <a:bodyPr/>
-          <a:lstStyle/>
-          <a:p>
-            <a:pPr algn="ctr"/>
             <a:r>
               <a:rPr lang="en-US" dirty="0" smtClean="0"/>
-              <a:t>Sprint 2:Scaling to multiple networks</a:t>
+              <a:t>:Scaling to multiple networks</a:t>
             </a:r>
             <a:endParaRPr lang="en-US" dirty="0"/>
           </a:p>
@@ -5787,11 +4798,7 @@
             <a:pPr algn="ctr"/>
             <a:r>
               <a:rPr lang="en-US" dirty="0" smtClean="0"/>
-              <a:t>Switch </a:t>
-            </a:r>
-            <a:r>
-              <a:rPr lang="en-US" dirty="0" smtClean="0"/>
-              <a:t>1</a:t>
+              <a:t>Switch 1</a:t>
             </a:r>
             <a:endParaRPr lang="en-US" dirty="0"/>
           </a:p>
@@ -5930,11 +4937,7 @@
             <a:pPr algn="ctr"/>
             <a:r>
               <a:rPr lang="en-US" dirty="0" smtClean="0"/>
-              <a:t>Switch </a:t>
-            </a:r>
-            <a:r>
-              <a:rPr lang="en-US" dirty="0" smtClean="0"/>
-              <a:t>3</a:t>
+              <a:t>Switch 3</a:t>
             </a:r>
             <a:endParaRPr lang="en-US" dirty="0"/>
           </a:p>
@@ -6320,11 +5323,7 @@
             <a:pPr algn="ctr"/>
             <a:r>
               <a:rPr lang="en-US" dirty="0" smtClean="0"/>
-              <a:t>Switch </a:t>
-            </a:r>
-            <a:r>
-              <a:rPr lang="en-US" dirty="0" smtClean="0"/>
-              <a:t>4</a:t>
+              <a:t>Switch 4</a:t>
             </a:r>
             <a:endParaRPr lang="en-US" dirty="0"/>
           </a:p>
@@ -6409,7 +5408,6 @@
               <a:rPr lang="en-US" dirty="0"/>
               <a:t>D</a:t>
             </a:r>
-            <a:endParaRPr lang="en-US" dirty="0"/>
           </a:p>
         </p:txBody>
       </p:sp>
@@ -6640,7 +5638,7 @@
 </p:sld>
 </file>
 
-<file path=ppt/slides/slide19.xml><?xml version="1.0" encoding="utf-8"?>
+<file path=ppt/slides/slide17.xml><?xml version="1.0" encoding="utf-8"?>
 <p:sld xmlns:a="http://schemas.openxmlformats.org/drawingml/2006/main" xmlns:r="http://schemas.openxmlformats.org/officeDocument/2006/relationships" xmlns:p="http://schemas.openxmlformats.org/presentationml/2006/main">
   <p:cSld>
     <p:spTree>
@@ -6772,20 +5770,11 @@
               <a:rPr lang="en-US" sz="2800" dirty="0" smtClean="0"/>
               <a:t>Goals</a:t>
             </a:r>
-            <a:endParaRPr lang="en-US" sz="2800" dirty="0" smtClean="0"/>
           </a:p>
           <a:p>
             <a:r>
               <a:rPr lang="en-US" sz="2800" dirty="0" smtClean="0"/>
-              <a:t>Offer Network Programmability as </a:t>
-            </a:r>
-            <a:r>
-              <a:rPr lang="en-US" sz="2800" dirty="0" smtClean="0"/>
-              <a:t>a </a:t>
-            </a:r>
-            <a:r>
-              <a:rPr lang="en-US" sz="2800" dirty="0" smtClean="0"/>
-              <a:t>service</a:t>
+              <a:t>Offer Network Programmability as a service</a:t>
             </a:r>
           </a:p>
           <a:p>
@@ -6793,7 +5782,6 @@
               <a:rPr lang="en-US" sz="2800" dirty="0" smtClean="0"/>
               <a:t>Solving problem of scaling across multiple IaaS providers</a:t>
             </a:r>
-            <a:endParaRPr lang="en-US" sz="2800" dirty="0" smtClean="0"/>
           </a:p>
           <a:p>
             <a:pPr marL="0" indent="0">
@@ -6809,7 +5797,6 @@
               <a:rPr lang="en-US" sz="2800" dirty="0" smtClean="0"/>
               <a:t>Users</a:t>
             </a:r>
-            <a:endParaRPr lang="en-US" sz="2800" dirty="0" smtClean="0"/>
           </a:p>
           <a:p>
             <a:r>
@@ -6909,59 +5896,993 @@
             <a:pPr algn="ctr"/>
             <a:r>
               <a:rPr lang="en-US" dirty="0" smtClean="0"/>
-              <a:t>Proposed </a:t>
+              <a:t>Proposed Project </a:t>
             </a:r>
             <a:r>
               <a:rPr lang="en-US" dirty="0" smtClean="0"/>
-              <a:t>Project </a:t>
-            </a:r>
-            <a:r>
-              <a:rPr lang="en-US" dirty="0" err="1" smtClean="0"/>
-              <a:t>Architechture</a:t>
+              <a:t>Architecture</a:t>
             </a:r>
             <a:endParaRPr lang="en-US" dirty="0"/>
           </a:p>
         </p:txBody>
       </p:sp>
-      <p:pic>
-        <p:nvPicPr>
-          <p:cNvPr id="44" name="Content Placeholder 43"/>
-          <p:cNvPicPr>
-            <a:picLocks noGrp="1" noChangeAspect="1"/>
-          </p:cNvPicPr>
-          <p:nvPr>
-            <p:ph idx="1"/>
-          </p:nvPr>
-        </p:nvPicPr>
-        <p:blipFill>
-          <a:blip r:embed="rId2">
-            <a:extLst>
-              <a:ext uri="{28A0092B-C50C-407E-A947-70E740481C1C}">
-                <a14:useLocalDpi xmlns:a14="http://schemas.microsoft.com/office/drawing/2010/main" val="0"/>
-              </a:ext>
-            </a:extLst>
-          </a:blip>
-          <a:stretch>
-            <a:fillRect/>
-          </a:stretch>
-        </p:blipFill>
+      <p:sp>
+        <p:nvSpPr>
+          <p:cNvPr id="5" name="Rectangle 4"/>
+          <p:cNvSpPr/>
+          <p:nvPr/>
+        </p:nvSpPr>
         <p:spPr>
           <a:xfrm>
-            <a:off x="-113938" y="1792936"/>
-            <a:ext cx="7770638" cy="4914292"/>
-          </a:xfrm>
-        </p:spPr>
-      </p:pic>
-      <p:sp>
-        <p:nvSpPr>
-          <p:cNvPr id="3" name="TextBox 2"/>
+            <a:off x="546100" y="1981200"/>
+            <a:ext cx="11099800" cy="4737100"/>
+          </a:xfrm>
+          <a:prstGeom prst="rect">
+            <a:avLst/>
+          </a:prstGeom>
+        </p:spPr>
+        <p:style>
+          <a:lnRef idx="2">
+            <a:schemeClr val="dk1"/>
+          </a:lnRef>
+          <a:fillRef idx="1">
+            <a:schemeClr val="lt1"/>
+          </a:fillRef>
+          <a:effectRef idx="0">
+            <a:schemeClr val="dk1"/>
+          </a:effectRef>
+          <a:fontRef idx="minor">
+            <a:schemeClr val="dk1"/>
+          </a:fontRef>
+        </p:style>
+        <p:txBody>
+          <a:bodyPr rtlCol="0" anchor="ctr"/>
+          <a:lstStyle/>
+          <a:p>
+            <a:pPr algn="ctr"/>
+            <a:endParaRPr lang="en-US" dirty="0">
+              <a:latin typeface="Calibri" panose="020F0502020204030204" pitchFamily="34" charset="0"/>
+            </a:endParaRPr>
+          </a:p>
+        </p:txBody>
+      </p:sp>
+      <p:cxnSp>
+        <p:nvCxnSpPr>
+          <p:cNvPr id="84" name="Straight Arrow Connector 83"/>
+          <p:cNvCxnSpPr>
+            <a:endCxn id="83" idx="0"/>
+          </p:cNvCxnSpPr>
+          <p:nvPr/>
+        </p:nvCxnSpPr>
+        <p:spPr>
+          <a:xfrm flipH="1">
+            <a:off x="11041179" y="5230386"/>
+            <a:ext cx="2" cy="384742"/>
+          </a:xfrm>
+          <a:prstGeom prst="straightConnector1">
+            <a:avLst/>
+          </a:prstGeom>
+          <a:ln>
+            <a:headEnd type="arrow" w="med" len="med"/>
+            <a:tailEnd type="arrow" w="med" len="med"/>
+          </a:ln>
+        </p:spPr>
+        <p:style>
+          <a:lnRef idx="2">
+            <a:schemeClr val="dk1"/>
+          </a:lnRef>
+          <a:fillRef idx="1">
+            <a:schemeClr val="lt1"/>
+          </a:fillRef>
+          <a:effectRef idx="0">
+            <a:schemeClr val="dk1"/>
+          </a:effectRef>
+          <a:fontRef idx="minor">
+            <a:schemeClr val="dk1"/>
+          </a:fontRef>
+        </p:style>
+      </p:cxnSp>
+      <p:sp>
+        <p:nvSpPr>
+          <p:cNvPr id="85" name="Rounded Rectangle 84"/>
+          <p:cNvSpPr/>
+          <p:nvPr/>
+        </p:nvSpPr>
+        <p:spPr>
+          <a:xfrm flipH="1">
+            <a:off x="9440292" y="3288538"/>
+            <a:ext cx="1828799" cy="264868"/>
+          </a:xfrm>
+          <a:prstGeom prst="roundRect">
+            <a:avLst/>
+          </a:prstGeom>
+        </p:spPr>
+        <p:style>
+          <a:lnRef idx="2">
+            <a:schemeClr val="dk1"/>
+          </a:lnRef>
+          <a:fillRef idx="1">
+            <a:schemeClr val="lt1"/>
+          </a:fillRef>
+          <a:effectRef idx="0">
+            <a:schemeClr val="dk1"/>
+          </a:effectRef>
+          <a:fontRef idx="minor">
+            <a:schemeClr val="dk1"/>
+          </a:fontRef>
+        </p:style>
+        <p:txBody>
+          <a:bodyPr rtlCol="0" anchor="ctr"/>
+          <a:lstStyle/>
+          <a:p>
+            <a:pPr algn="ctr"/>
+            <a:r>
+              <a:rPr lang="en-US" dirty="0" smtClean="0">
+                <a:latin typeface="Calibri" panose="020F0502020204030204" pitchFamily="34" charset="0"/>
+              </a:rPr>
+              <a:t>Controller </a:t>
+            </a:r>
+            <a:r>
+              <a:rPr lang="en-US" dirty="0" smtClean="0">
+                <a:latin typeface="Calibri" panose="020F0502020204030204" pitchFamily="34" charset="0"/>
+              </a:rPr>
+              <a:t>N</a:t>
+            </a:r>
+            <a:endParaRPr lang="en-US" dirty="0">
+              <a:latin typeface="Calibri" panose="020F0502020204030204" pitchFamily="34" charset="0"/>
+            </a:endParaRPr>
+          </a:p>
+        </p:txBody>
+      </p:sp>
+      <p:cxnSp>
+        <p:nvCxnSpPr>
+          <p:cNvPr id="86" name="Straight Arrow Connector 85"/>
+          <p:cNvCxnSpPr/>
+          <p:nvPr/>
+        </p:nvCxnSpPr>
+        <p:spPr>
+          <a:xfrm flipH="1">
+            <a:off x="10068998" y="3561563"/>
+            <a:ext cx="337735" cy="589282"/>
+          </a:xfrm>
+          <a:prstGeom prst="straightConnector1">
+            <a:avLst/>
+          </a:prstGeom>
+          <a:ln>
+            <a:headEnd type="arrow" w="med" len="med"/>
+            <a:tailEnd type="arrow" w="med" len="med"/>
+          </a:ln>
+        </p:spPr>
+        <p:style>
+          <a:lnRef idx="2">
+            <a:schemeClr val="dk1"/>
+          </a:lnRef>
+          <a:fillRef idx="1">
+            <a:schemeClr val="lt1"/>
+          </a:fillRef>
+          <a:effectRef idx="0">
+            <a:schemeClr val="dk1"/>
+          </a:effectRef>
+          <a:fontRef idx="minor">
+            <a:schemeClr val="dk1"/>
+          </a:fontRef>
+        </p:style>
+      </p:cxnSp>
+      <p:sp>
+        <p:nvSpPr>
+          <p:cNvPr id="47" name="Rounded Rectangle 46"/>
+          <p:cNvSpPr/>
+          <p:nvPr/>
+        </p:nvSpPr>
+        <p:spPr>
+          <a:xfrm>
+            <a:off x="896220" y="4935755"/>
+            <a:ext cx="1828799" cy="301680"/>
+          </a:xfrm>
+          <a:prstGeom prst="roundRect">
+            <a:avLst/>
+          </a:prstGeom>
+        </p:spPr>
+        <p:style>
+          <a:lnRef idx="2">
+            <a:schemeClr val="dk1"/>
+          </a:lnRef>
+          <a:fillRef idx="1">
+            <a:schemeClr val="lt1"/>
+          </a:fillRef>
+          <a:effectRef idx="0">
+            <a:schemeClr val="dk1"/>
+          </a:effectRef>
+          <a:fontRef idx="minor">
+            <a:schemeClr val="dk1"/>
+          </a:fontRef>
+        </p:style>
+        <p:txBody>
+          <a:bodyPr rtlCol="0" anchor="ctr"/>
+          <a:lstStyle/>
+          <a:p>
+            <a:pPr algn="ctr"/>
+            <a:r>
+              <a:rPr lang="en-US" dirty="0" smtClean="0">
+                <a:latin typeface="Calibri" panose="020F0502020204030204" pitchFamily="34" charset="0"/>
+              </a:rPr>
+              <a:t>Switch </a:t>
+            </a:r>
+            <a:r>
+              <a:rPr lang="en-US" dirty="0" smtClean="0">
+                <a:latin typeface="Calibri" panose="020F0502020204030204" pitchFamily="34" charset="0"/>
+              </a:rPr>
+              <a:t>1</a:t>
+            </a:r>
+            <a:endParaRPr lang="en-US" dirty="0">
+              <a:latin typeface="Calibri" panose="020F0502020204030204" pitchFamily="34" charset="0"/>
+            </a:endParaRPr>
+          </a:p>
+        </p:txBody>
+      </p:sp>
+      <p:sp>
+        <p:nvSpPr>
+          <p:cNvPr id="48" name="Rounded Rectangle 47"/>
+          <p:cNvSpPr/>
+          <p:nvPr/>
+        </p:nvSpPr>
+        <p:spPr>
+          <a:xfrm>
+            <a:off x="3254676" y="4935754"/>
+            <a:ext cx="1828799" cy="301678"/>
+          </a:xfrm>
+          <a:prstGeom prst="roundRect">
+            <a:avLst/>
+          </a:prstGeom>
+        </p:spPr>
+        <p:style>
+          <a:lnRef idx="2">
+            <a:schemeClr val="dk1"/>
+          </a:lnRef>
+          <a:fillRef idx="1">
+            <a:schemeClr val="lt1"/>
+          </a:fillRef>
+          <a:effectRef idx="0">
+            <a:schemeClr val="dk1"/>
+          </a:effectRef>
+          <a:fontRef idx="minor">
+            <a:schemeClr val="dk1"/>
+          </a:fontRef>
+        </p:style>
+        <p:txBody>
+          <a:bodyPr rtlCol="0" anchor="ctr"/>
+          <a:lstStyle/>
+          <a:p>
+            <a:pPr algn="ctr"/>
+            <a:r>
+              <a:rPr lang="en-US" dirty="0" smtClean="0">
+                <a:latin typeface="Calibri" panose="020F0502020204030204" pitchFamily="34" charset="0"/>
+              </a:rPr>
+              <a:t>Switch </a:t>
+            </a:r>
+            <a:r>
+              <a:rPr lang="en-US" dirty="0" smtClean="0">
+                <a:latin typeface="Calibri" panose="020F0502020204030204" pitchFamily="34" charset="0"/>
+              </a:rPr>
+              <a:t>2</a:t>
+            </a:r>
+            <a:endParaRPr lang="en-US" dirty="0">
+              <a:latin typeface="Calibri" panose="020F0502020204030204" pitchFamily="34" charset="0"/>
+            </a:endParaRPr>
+          </a:p>
+        </p:txBody>
+      </p:sp>
+      <p:sp>
+        <p:nvSpPr>
+          <p:cNvPr id="49" name="Rounded Rectangle 48"/>
+          <p:cNvSpPr/>
+          <p:nvPr/>
+        </p:nvSpPr>
+        <p:spPr>
+          <a:xfrm>
+            <a:off x="896220" y="3288538"/>
+            <a:ext cx="1828799" cy="264868"/>
+          </a:xfrm>
+          <a:prstGeom prst="roundRect">
+            <a:avLst/>
+          </a:prstGeom>
+        </p:spPr>
+        <p:style>
+          <a:lnRef idx="2">
+            <a:schemeClr val="dk1"/>
+          </a:lnRef>
+          <a:fillRef idx="1">
+            <a:schemeClr val="lt1"/>
+          </a:fillRef>
+          <a:effectRef idx="0">
+            <a:schemeClr val="dk1"/>
+          </a:effectRef>
+          <a:fontRef idx="minor">
+            <a:schemeClr val="dk1"/>
+          </a:fontRef>
+        </p:style>
+        <p:txBody>
+          <a:bodyPr rtlCol="0" anchor="ctr"/>
+          <a:lstStyle/>
+          <a:p>
+            <a:pPr algn="ctr"/>
+            <a:r>
+              <a:rPr lang="en-US" dirty="0" smtClean="0">
+                <a:latin typeface="Calibri" panose="020F0502020204030204" pitchFamily="34" charset="0"/>
+              </a:rPr>
+              <a:t>Controller 1</a:t>
+            </a:r>
+            <a:endParaRPr lang="en-US" dirty="0">
+              <a:latin typeface="Calibri" panose="020F0502020204030204" pitchFamily="34" charset="0"/>
+            </a:endParaRPr>
+          </a:p>
+        </p:txBody>
+      </p:sp>
+      <p:sp>
+        <p:nvSpPr>
+          <p:cNvPr id="50" name="Rounded Rectangle 49"/>
+          <p:cNvSpPr/>
+          <p:nvPr/>
+        </p:nvSpPr>
+        <p:spPr>
+          <a:xfrm>
+            <a:off x="2076569" y="4130347"/>
+            <a:ext cx="1828799" cy="319057"/>
+          </a:xfrm>
+          <a:prstGeom prst="roundRect">
+            <a:avLst/>
+          </a:prstGeom>
+        </p:spPr>
+        <p:style>
+          <a:lnRef idx="2">
+            <a:schemeClr val="dk1"/>
+          </a:lnRef>
+          <a:fillRef idx="1">
+            <a:schemeClr val="lt1"/>
+          </a:fillRef>
+          <a:effectRef idx="0">
+            <a:schemeClr val="dk1"/>
+          </a:effectRef>
+          <a:fontRef idx="minor">
+            <a:schemeClr val="dk1"/>
+          </a:fontRef>
+        </p:style>
+        <p:txBody>
+          <a:bodyPr rtlCol="0" anchor="ctr"/>
+          <a:lstStyle/>
+          <a:p>
+            <a:pPr algn="ctr"/>
+            <a:r>
+              <a:rPr lang="en-US" dirty="0" err="1" smtClean="0">
+                <a:latin typeface="Calibri" panose="020F0502020204030204" pitchFamily="34" charset="0"/>
+              </a:rPr>
+              <a:t>OpenVirteX</a:t>
+            </a:r>
+            <a:endParaRPr lang="en-US" dirty="0">
+              <a:latin typeface="Calibri" panose="020F0502020204030204" pitchFamily="34" charset="0"/>
+            </a:endParaRPr>
+          </a:p>
+        </p:txBody>
+      </p:sp>
+      <p:sp>
+        <p:nvSpPr>
+          <p:cNvPr id="51" name="Rounded Rectangle 50"/>
+          <p:cNvSpPr/>
+          <p:nvPr/>
+        </p:nvSpPr>
+        <p:spPr>
+          <a:xfrm>
+            <a:off x="730271" y="5615130"/>
+            <a:ext cx="875898" cy="331003"/>
+          </a:xfrm>
+          <a:prstGeom prst="roundRect">
+            <a:avLst/>
+          </a:prstGeom>
+        </p:spPr>
+        <p:style>
+          <a:lnRef idx="2">
+            <a:schemeClr val="dk1"/>
+          </a:lnRef>
+          <a:fillRef idx="1">
+            <a:schemeClr val="lt1"/>
+          </a:fillRef>
+          <a:effectRef idx="0">
+            <a:schemeClr val="dk1"/>
+          </a:effectRef>
+          <a:fontRef idx="minor">
+            <a:schemeClr val="dk1"/>
+          </a:fontRef>
+        </p:style>
+        <p:txBody>
+          <a:bodyPr rtlCol="0" anchor="ctr"/>
+          <a:lstStyle/>
+          <a:p>
+            <a:pPr algn="ctr"/>
+            <a:r>
+              <a:rPr lang="en-US" dirty="0" smtClean="0">
+                <a:latin typeface="Calibri" panose="020F0502020204030204" pitchFamily="34" charset="0"/>
+              </a:rPr>
+              <a:t>Host </a:t>
+            </a:r>
+            <a:r>
+              <a:rPr lang="en-US" dirty="0" smtClean="0">
+                <a:latin typeface="Calibri" panose="020F0502020204030204" pitchFamily="34" charset="0"/>
+              </a:rPr>
+              <a:t>1</a:t>
+            </a:r>
+            <a:endParaRPr lang="en-US" dirty="0">
+              <a:latin typeface="Calibri" panose="020F0502020204030204" pitchFamily="34" charset="0"/>
+            </a:endParaRPr>
+          </a:p>
+        </p:txBody>
+      </p:sp>
+      <p:cxnSp>
+        <p:nvCxnSpPr>
+          <p:cNvPr id="52" name="Straight Arrow Connector 51"/>
+          <p:cNvCxnSpPr>
+            <a:endCxn id="51" idx="0"/>
+          </p:cNvCxnSpPr>
+          <p:nvPr/>
+        </p:nvCxnSpPr>
+        <p:spPr>
+          <a:xfrm flipH="1">
+            <a:off x="1168220" y="5230388"/>
+            <a:ext cx="2" cy="384742"/>
+          </a:xfrm>
+          <a:prstGeom prst="straightConnector1">
+            <a:avLst/>
+          </a:prstGeom>
+          <a:ln>
+            <a:headEnd type="arrow" w="med" len="med"/>
+            <a:tailEnd type="arrow" w="med" len="med"/>
+          </a:ln>
+        </p:spPr>
+        <p:style>
+          <a:lnRef idx="2">
+            <a:schemeClr val="dk1"/>
+          </a:lnRef>
+          <a:fillRef idx="1">
+            <a:schemeClr val="lt1"/>
+          </a:fillRef>
+          <a:effectRef idx="0">
+            <a:schemeClr val="dk1"/>
+          </a:effectRef>
+          <a:fontRef idx="minor">
+            <a:schemeClr val="dk1"/>
+          </a:fontRef>
+        </p:style>
+      </p:cxnSp>
+      <p:cxnSp>
+        <p:nvCxnSpPr>
+          <p:cNvPr id="53" name="Straight Arrow Connector 52"/>
+          <p:cNvCxnSpPr>
+            <a:endCxn id="47" idx="0"/>
+          </p:cNvCxnSpPr>
+          <p:nvPr/>
+        </p:nvCxnSpPr>
+        <p:spPr>
+          <a:xfrm flipH="1">
+            <a:off x="1810620" y="4432027"/>
+            <a:ext cx="349718" cy="503728"/>
+          </a:xfrm>
+          <a:prstGeom prst="straightConnector1">
+            <a:avLst/>
+          </a:prstGeom>
+          <a:ln>
+            <a:headEnd type="arrow" w="med" len="med"/>
+            <a:tailEnd type="arrow" w="med" len="med"/>
+          </a:ln>
+        </p:spPr>
+        <p:style>
+          <a:lnRef idx="2">
+            <a:schemeClr val="dk1"/>
+          </a:lnRef>
+          <a:fillRef idx="1">
+            <a:schemeClr val="lt1"/>
+          </a:fillRef>
+          <a:effectRef idx="0">
+            <a:schemeClr val="dk1"/>
+          </a:effectRef>
+          <a:fontRef idx="minor">
+            <a:schemeClr val="dk1"/>
+          </a:fontRef>
+        </p:style>
+      </p:cxnSp>
+      <p:cxnSp>
+        <p:nvCxnSpPr>
+          <p:cNvPr id="54" name="Straight Arrow Connector 53"/>
+          <p:cNvCxnSpPr/>
+          <p:nvPr/>
+        </p:nvCxnSpPr>
+        <p:spPr>
+          <a:xfrm>
+            <a:off x="3883930" y="4432027"/>
+            <a:ext cx="291963" cy="503727"/>
+          </a:xfrm>
+          <a:prstGeom prst="straightConnector1">
+            <a:avLst/>
+          </a:prstGeom>
+          <a:ln>
+            <a:headEnd type="arrow" w="med" len="med"/>
+            <a:tailEnd type="arrow" w="med" len="med"/>
+          </a:ln>
+        </p:spPr>
+        <p:style>
+          <a:lnRef idx="2">
+            <a:schemeClr val="dk1"/>
+          </a:lnRef>
+          <a:fillRef idx="1">
+            <a:schemeClr val="lt1"/>
+          </a:fillRef>
+          <a:effectRef idx="0">
+            <a:schemeClr val="dk1"/>
+          </a:effectRef>
+          <a:fontRef idx="minor">
+            <a:schemeClr val="dk1"/>
+          </a:fontRef>
+        </p:style>
+      </p:cxnSp>
+      <p:cxnSp>
+        <p:nvCxnSpPr>
+          <p:cNvPr id="55" name="Straight Arrow Connector 54"/>
+          <p:cNvCxnSpPr/>
+          <p:nvPr/>
+        </p:nvCxnSpPr>
+        <p:spPr>
+          <a:xfrm>
+            <a:off x="1749176" y="3561563"/>
+            <a:ext cx="337734" cy="589282"/>
+          </a:xfrm>
+          <a:prstGeom prst="straightConnector1">
+            <a:avLst/>
+          </a:prstGeom>
+          <a:ln>
+            <a:headEnd type="arrow" w="med" len="med"/>
+            <a:tailEnd type="arrow" w="med" len="med"/>
+          </a:ln>
+        </p:spPr>
+        <p:style>
+          <a:lnRef idx="2">
+            <a:schemeClr val="dk1"/>
+          </a:lnRef>
+          <a:fillRef idx="1">
+            <a:schemeClr val="lt1"/>
+          </a:fillRef>
+          <a:effectRef idx="0">
+            <a:schemeClr val="dk1"/>
+          </a:effectRef>
+          <a:fontRef idx="minor">
+            <a:schemeClr val="dk1"/>
+          </a:fontRef>
+        </p:style>
+      </p:cxnSp>
+      <p:sp>
+        <p:nvSpPr>
+          <p:cNvPr id="56" name="Right Arrow 55"/>
+          <p:cNvSpPr/>
+          <p:nvPr/>
+        </p:nvSpPr>
+        <p:spPr>
+          <a:xfrm rot="16200000">
+            <a:off x="2660302" y="2757331"/>
+            <a:ext cx="661873" cy="485473"/>
+          </a:xfrm>
+          <a:prstGeom prst="rightArrow">
+            <a:avLst/>
+          </a:prstGeom>
+        </p:spPr>
+        <p:style>
+          <a:lnRef idx="2">
+            <a:schemeClr val="dk1"/>
+          </a:lnRef>
+          <a:fillRef idx="1">
+            <a:schemeClr val="lt1"/>
+          </a:fillRef>
+          <a:effectRef idx="0">
+            <a:schemeClr val="dk1"/>
+          </a:effectRef>
+          <a:fontRef idx="minor">
+            <a:schemeClr val="dk1"/>
+          </a:fontRef>
+        </p:style>
+        <p:txBody>
+          <a:bodyPr rtlCol="0" anchor="ctr"/>
+          <a:lstStyle/>
+          <a:p>
+            <a:pPr algn="ctr"/>
+            <a:endParaRPr lang="en-US">
+              <a:latin typeface="Calibri" panose="020F0502020204030204" pitchFamily="34" charset="0"/>
+            </a:endParaRPr>
+          </a:p>
+        </p:txBody>
+      </p:sp>
+      <p:sp>
+        <p:nvSpPr>
+          <p:cNvPr id="57" name="Right Arrow 56"/>
+          <p:cNvSpPr/>
+          <p:nvPr/>
+        </p:nvSpPr>
+        <p:spPr>
+          <a:xfrm rot="5400000" flipV="1">
+            <a:off x="8845648" y="2757331"/>
+            <a:ext cx="661874" cy="485473"/>
+          </a:xfrm>
+          <a:prstGeom prst="rightArrow">
+            <a:avLst/>
+          </a:prstGeom>
+        </p:spPr>
+        <p:style>
+          <a:lnRef idx="2">
+            <a:schemeClr val="dk1"/>
+          </a:lnRef>
+          <a:fillRef idx="1">
+            <a:schemeClr val="lt1"/>
+          </a:fillRef>
+          <a:effectRef idx="0">
+            <a:schemeClr val="dk1"/>
+          </a:effectRef>
+          <a:fontRef idx="minor">
+            <a:schemeClr val="dk1"/>
+          </a:fontRef>
+        </p:style>
+        <p:txBody>
+          <a:bodyPr rtlCol="0" anchor="ctr"/>
+          <a:lstStyle/>
+          <a:p>
+            <a:pPr algn="ctr"/>
+            <a:endParaRPr lang="en-US">
+              <a:latin typeface="Calibri" panose="020F0502020204030204" pitchFamily="34" charset="0"/>
+            </a:endParaRPr>
+          </a:p>
+        </p:txBody>
+      </p:sp>
+      <p:sp>
+        <p:nvSpPr>
+          <p:cNvPr id="58" name="Right Arrow 57"/>
+          <p:cNvSpPr/>
+          <p:nvPr/>
+        </p:nvSpPr>
+        <p:spPr>
+          <a:xfrm>
+            <a:off x="3254675" y="2237545"/>
+            <a:ext cx="5687965" cy="485473"/>
+          </a:xfrm>
+          <a:prstGeom prst="rightArrow">
+            <a:avLst/>
+          </a:prstGeom>
+        </p:spPr>
+        <p:style>
+          <a:lnRef idx="2">
+            <a:schemeClr val="dk1"/>
+          </a:lnRef>
+          <a:fillRef idx="1">
+            <a:schemeClr val="lt1"/>
+          </a:fillRef>
+          <a:effectRef idx="0">
+            <a:schemeClr val="dk1"/>
+          </a:effectRef>
+          <a:fontRef idx="minor">
+            <a:schemeClr val="dk1"/>
+          </a:fontRef>
+        </p:style>
+        <p:txBody>
+          <a:bodyPr rtlCol="0" anchor="ctr"/>
+          <a:lstStyle/>
+          <a:p>
+            <a:pPr algn="ctr"/>
+            <a:endParaRPr lang="en-US">
+              <a:latin typeface="Calibri" panose="020F0502020204030204" pitchFamily="34" charset="0"/>
+            </a:endParaRPr>
+          </a:p>
+        </p:txBody>
+      </p:sp>
+      <p:sp>
+        <p:nvSpPr>
+          <p:cNvPr id="59" name="Rounded Rectangle 58"/>
+          <p:cNvSpPr/>
+          <p:nvPr/>
+        </p:nvSpPr>
+        <p:spPr>
+          <a:xfrm>
+            <a:off x="2003614" y="5615128"/>
+            <a:ext cx="875898" cy="331005"/>
+          </a:xfrm>
+          <a:prstGeom prst="roundRect">
+            <a:avLst/>
+          </a:prstGeom>
+        </p:spPr>
+        <p:style>
+          <a:lnRef idx="2">
+            <a:schemeClr val="dk1"/>
+          </a:lnRef>
+          <a:fillRef idx="1">
+            <a:schemeClr val="lt1"/>
+          </a:fillRef>
+          <a:effectRef idx="0">
+            <a:schemeClr val="dk1"/>
+          </a:effectRef>
+          <a:fontRef idx="minor">
+            <a:schemeClr val="dk1"/>
+          </a:fontRef>
+        </p:style>
+        <p:txBody>
+          <a:bodyPr rtlCol="0" anchor="ctr"/>
+          <a:lstStyle/>
+          <a:p>
+            <a:pPr algn="ctr"/>
+            <a:r>
+              <a:rPr lang="en-US" dirty="0" smtClean="0">
+                <a:latin typeface="Calibri" panose="020F0502020204030204" pitchFamily="34" charset="0"/>
+              </a:rPr>
+              <a:t>Host </a:t>
+            </a:r>
+            <a:r>
+              <a:rPr lang="en-US" dirty="0" smtClean="0">
+                <a:latin typeface="Calibri" panose="020F0502020204030204" pitchFamily="34" charset="0"/>
+              </a:rPr>
+              <a:t>2</a:t>
+            </a:r>
+            <a:endParaRPr lang="en-US" dirty="0">
+              <a:latin typeface="Calibri" panose="020F0502020204030204" pitchFamily="34" charset="0"/>
+            </a:endParaRPr>
+          </a:p>
+        </p:txBody>
+      </p:sp>
+      <p:cxnSp>
+        <p:nvCxnSpPr>
+          <p:cNvPr id="60" name="Straight Arrow Connector 59"/>
+          <p:cNvCxnSpPr>
+            <a:endCxn id="59" idx="0"/>
+          </p:cNvCxnSpPr>
+          <p:nvPr/>
+        </p:nvCxnSpPr>
+        <p:spPr>
+          <a:xfrm flipH="1">
+            <a:off x="2441563" y="5230386"/>
+            <a:ext cx="2" cy="384742"/>
+          </a:xfrm>
+          <a:prstGeom prst="straightConnector1">
+            <a:avLst/>
+          </a:prstGeom>
+          <a:ln>
+            <a:headEnd type="arrow" w="med" len="med"/>
+            <a:tailEnd type="arrow" w="med" len="med"/>
+          </a:ln>
+        </p:spPr>
+        <p:style>
+          <a:lnRef idx="2">
+            <a:schemeClr val="dk1"/>
+          </a:lnRef>
+          <a:fillRef idx="1">
+            <a:schemeClr val="lt1"/>
+          </a:fillRef>
+          <a:effectRef idx="0">
+            <a:schemeClr val="dk1"/>
+          </a:effectRef>
+          <a:fontRef idx="minor">
+            <a:schemeClr val="dk1"/>
+          </a:fontRef>
+        </p:style>
+      </p:cxnSp>
+      <p:sp>
+        <p:nvSpPr>
+          <p:cNvPr id="61" name="Rounded Rectangle 60"/>
+          <p:cNvSpPr/>
+          <p:nvPr/>
+        </p:nvSpPr>
+        <p:spPr>
+          <a:xfrm>
+            <a:off x="3144270" y="5615130"/>
+            <a:ext cx="875898" cy="331003"/>
+          </a:xfrm>
+          <a:prstGeom prst="roundRect">
+            <a:avLst/>
+          </a:prstGeom>
+        </p:spPr>
+        <p:style>
+          <a:lnRef idx="2">
+            <a:schemeClr val="dk1"/>
+          </a:lnRef>
+          <a:fillRef idx="1">
+            <a:schemeClr val="lt1"/>
+          </a:fillRef>
+          <a:effectRef idx="0">
+            <a:schemeClr val="dk1"/>
+          </a:effectRef>
+          <a:fontRef idx="minor">
+            <a:schemeClr val="dk1"/>
+          </a:fontRef>
+        </p:style>
+        <p:txBody>
+          <a:bodyPr rtlCol="0" anchor="ctr"/>
+          <a:lstStyle/>
+          <a:p>
+            <a:pPr algn="ctr"/>
+            <a:r>
+              <a:rPr lang="en-US" dirty="0" smtClean="0">
+                <a:latin typeface="Calibri" panose="020F0502020204030204" pitchFamily="34" charset="0"/>
+              </a:rPr>
+              <a:t>Host </a:t>
+            </a:r>
+            <a:r>
+              <a:rPr lang="en-US" dirty="0" smtClean="0">
+                <a:latin typeface="Calibri" panose="020F0502020204030204" pitchFamily="34" charset="0"/>
+              </a:rPr>
+              <a:t>3</a:t>
+            </a:r>
+            <a:endParaRPr lang="en-US" dirty="0">
+              <a:latin typeface="Calibri" panose="020F0502020204030204" pitchFamily="34" charset="0"/>
+            </a:endParaRPr>
+          </a:p>
+        </p:txBody>
+      </p:sp>
+      <p:cxnSp>
+        <p:nvCxnSpPr>
+          <p:cNvPr id="62" name="Straight Arrow Connector 61"/>
+          <p:cNvCxnSpPr>
+            <a:endCxn id="61" idx="0"/>
+          </p:cNvCxnSpPr>
+          <p:nvPr/>
+        </p:nvCxnSpPr>
+        <p:spPr>
+          <a:xfrm flipH="1">
+            <a:off x="3582219" y="5230388"/>
+            <a:ext cx="2" cy="384742"/>
+          </a:xfrm>
+          <a:prstGeom prst="straightConnector1">
+            <a:avLst/>
+          </a:prstGeom>
+          <a:ln>
+            <a:headEnd type="arrow" w="med" len="med"/>
+            <a:tailEnd type="arrow" w="med" len="med"/>
+          </a:ln>
+        </p:spPr>
+        <p:style>
+          <a:lnRef idx="2">
+            <a:schemeClr val="dk1"/>
+          </a:lnRef>
+          <a:fillRef idx="1">
+            <a:schemeClr val="lt1"/>
+          </a:fillRef>
+          <a:effectRef idx="0">
+            <a:schemeClr val="dk1"/>
+          </a:effectRef>
+          <a:fontRef idx="minor">
+            <a:schemeClr val="dk1"/>
+          </a:fontRef>
+        </p:style>
+      </p:cxnSp>
+      <p:sp>
+        <p:nvSpPr>
+          <p:cNvPr id="63" name="Rounded Rectangle 62"/>
+          <p:cNvSpPr/>
+          <p:nvPr/>
+        </p:nvSpPr>
+        <p:spPr>
+          <a:xfrm>
+            <a:off x="4417613" y="5615128"/>
+            <a:ext cx="875898" cy="331005"/>
+          </a:xfrm>
+          <a:prstGeom prst="roundRect">
+            <a:avLst/>
+          </a:prstGeom>
+        </p:spPr>
+        <p:style>
+          <a:lnRef idx="2">
+            <a:schemeClr val="dk1"/>
+          </a:lnRef>
+          <a:fillRef idx="1">
+            <a:schemeClr val="lt1"/>
+          </a:fillRef>
+          <a:effectRef idx="0">
+            <a:schemeClr val="dk1"/>
+          </a:effectRef>
+          <a:fontRef idx="minor">
+            <a:schemeClr val="dk1"/>
+          </a:fontRef>
+        </p:style>
+        <p:txBody>
+          <a:bodyPr rtlCol="0" anchor="ctr"/>
+          <a:lstStyle/>
+          <a:p>
+            <a:pPr algn="ctr"/>
+            <a:r>
+              <a:rPr lang="en-US" dirty="0" smtClean="0">
+                <a:latin typeface="Calibri" panose="020F0502020204030204" pitchFamily="34" charset="0"/>
+              </a:rPr>
+              <a:t>Host </a:t>
+            </a:r>
+            <a:r>
+              <a:rPr lang="en-US" dirty="0">
+                <a:latin typeface="Calibri" panose="020F0502020204030204" pitchFamily="34" charset="0"/>
+              </a:rPr>
+              <a:t>4</a:t>
+            </a:r>
+            <a:endParaRPr lang="en-US" dirty="0">
+              <a:latin typeface="Calibri" panose="020F0502020204030204" pitchFamily="34" charset="0"/>
+            </a:endParaRPr>
+          </a:p>
+        </p:txBody>
+      </p:sp>
+      <p:cxnSp>
+        <p:nvCxnSpPr>
+          <p:cNvPr id="64" name="Straight Arrow Connector 63"/>
+          <p:cNvCxnSpPr>
+            <a:endCxn id="63" idx="0"/>
+          </p:cNvCxnSpPr>
+          <p:nvPr/>
+        </p:nvCxnSpPr>
+        <p:spPr>
+          <a:xfrm flipH="1">
+            <a:off x="4855562" y="5230386"/>
+            <a:ext cx="2" cy="384742"/>
+          </a:xfrm>
+          <a:prstGeom prst="straightConnector1">
+            <a:avLst/>
+          </a:prstGeom>
+          <a:ln>
+            <a:headEnd type="arrow" w="med" len="med"/>
+            <a:tailEnd type="arrow" w="med" len="med"/>
+          </a:ln>
+        </p:spPr>
+        <p:style>
+          <a:lnRef idx="2">
+            <a:schemeClr val="dk1"/>
+          </a:lnRef>
+          <a:fillRef idx="1">
+            <a:schemeClr val="lt1"/>
+          </a:fillRef>
+          <a:effectRef idx="0">
+            <a:schemeClr val="dk1"/>
+          </a:effectRef>
+          <a:fontRef idx="minor">
+            <a:schemeClr val="dk1"/>
+          </a:fontRef>
+        </p:style>
+      </p:cxnSp>
+      <p:cxnSp>
+        <p:nvCxnSpPr>
+          <p:cNvPr id="65" name="Straight Connector 64"/>
+          <p:cNvCxnSpPr/>
+          <p:nvPr/>
+        </p:nvCxnSpPr>
+        <p:spPr>
+          <a:xfrm flipH="1">
+            <a:off x="6139414" y="2873186"/>
+            <a:ext cx="0" cy="3657600"/>
+          </a:xfrm>
+          <a:prstGeom prst="line">
+            <a:avLst/>
+          </a:prstGeom>
+          <a:ln>
+            <a:prstDash val="dash"/>
+          </a:ln>
+        </p:spPr>
+        <p:style>
+          <a:lnRef idx="1">
+            <a:schemeClr val="dk1"/>
+          </a:lnRef>
+          <a:fillRef idx="0">
+            <a:schemeClr val="dk1"/>
+          </a:fillRef>
+          <a:effectRef idx="0">
+            <a:schemeClr val="dk1"/>
+          </a:effectRef>
+          <a:fontRef idx="minor">
+            <a:schemeClr val="tx1"/>
+          </a:fontRef>
+        </p:style>
+      </p:cxnSp>
+      <p:sp>
+        <p:nvSpPr>
+          <p:cNvPr id="66" name="TextBox 65"/>
           <p:cNvSpPr txBox="1"/>
           <p:nvPr/>
         </p:nvSpPr>
         <p:spPr>
           <a:xfrm>
-            <a:off x="7578247" y="1225689"/>
-            <a:ext cx="4390373" cy="5632311"/>
+            <a:off x="2408981" y="6139702"/>
+            <a:ext cx="1163973" cy="369332"/>
           </a:xfrm>
           <a:prstGeom prst="rect">
             <a:avLst/>
@@ -6969,160 +6890,767 @@
           <a:noFill/>
         </p:spPr>
         <p:txBody>
-          <a:bodyPr wrap="square" rtlCol="0">
+          <a:bodyPr wrap="none" rtlCol="0">
             <a:spAutoFit/>
           </a:bodyPr>
           <a:lstStyle/>
           <a:p>
-            <a:endParaRPr lang="en-US" b="1" i="1" dirty="0" smtClean="0">
+            <a:r>
+              <a:rPr lang="en-US" dirty="0" smtClean="0">
+                <a:solidFill>
+                  <a:schemeClr val="bg1"/>
+                </a:solidFill>
+                <a:latin typeface="Calibri" panose="020F0502020204030204" pitchFamily="34" charset="0"/>
+              </a:rPr>
+              <a:t>Network 1</a:t>
+            </a:r>
+            <a:endParaRPr lang="en-US" dirty="0">
               <a:solidFill>
                 <a:schemeClr val="bg1"/>
               </a:solidFill>
+              <a:latin typeface="Calibri" panose="020F0502020204030204" pitchFamily="34" charset="0"/>
             </a:endParaRPr>
           </a:p>
-          <a:p>
-            <a:r>
-              <a:rPr lang="en-US" b="1" i="1" dirty="0" smtClean="0">
+        </p:txBody>
+      </p:sp>
+      <p:sp>
+        <p:nvSpPr>
+          <p:cNvPr id="68" name="Rounded Rectangle 67"/>
+          <p:cNvSpPr/>
+          <p:nvPr/>
+        </p:nvSpPr>
+        <p:spPr>
+          <a:xfrm flipH="1">
+            <a:off x="3254675" y="3288538"/>
+            <a:ext cx="1828799" cy="264868"/>
+          </a:xfrm>
+          <a:prstGeom prst="roundRect">
+            <a:avLst/>
+          </a:prstGeom>
+        </p:spPr>
+        <p:style>
+          <a:lnRef idx="2">
+            <a:schemeClr val="dk1"/>
+          </a:lnRef>
+          <a:fillRef idx="1">
+            <a:schemeClr val="lt1"/>
+          </a:fillRef>
+          <a:effectRef idx="0">
+            <a:schemeClr val="dk1"/>
+          </a:effectRef>
+          <a:fontRef idx="minor">
+            <a:schemeClr val="dk1"/>
+          </a:fontRef>
+        </p:style>
+        <p:txBody>
+          <a:bodyPr rtlCol="0" anchor="ctr"/>
+          <a:lstStyle/>
+          <a:p>
+            <a:pPr algn="ctr"/>
+            <a:r>
+              <a:rPr lang="en-US" dirty="0" smtClean="0">
+                <a:latin typeface="Calibri" panose="020F0502020204030204" pitchFamily="34" charset="0"/>
+              </a:rPr>
+              <a:t>Controller </a:t>
+            </a:r>
+            <a:r>
+              <a:rPr lang="en-US" dirty="0" smtClean="0">
+                <a:latin typeface="Calibri" panose="020F0502020204030204" pitchFamily="34" charset="0"/>
+              </a:rPr>
+              <a:t>N</a:t>
+            </a:r>
+            <a:endParaRPr lang="en-US" dirty="0">
+              <a:latin typeface="Calibri" panose="020F0502020204030204" pitchFamily="34" charset="0"/>
+            </a:endParaRPr>
+          </a:p>
+        </p:txBody>
+      </p:sp>
+      <p:cxnSp>
+        <p:nvCxnSpPr>
+          <p:cNvPr id="69" name="Straight Arrow Connector 68"/>
+          <p:cNvCxnSpPr/>
+          <p:nvPr/>
+        </p:nvCxnSpPr>
+        <p:spPr>
+          <a:xfrm flipH="1">
+            <a:off x="3883381" y="3561563"/>
+            <a:ext cx="337735" cy="589282"/>
+          </a:xfrm>
+          <a:prstGeom prst="straightConnector1">
+            <a:avLst/>
+          </a:prstGeom>
+          <a:ln>
+            <a:headEnd type="arrow" w="med" len="med"/>
+            <a:tailEnd type="arrow" w="med" len="med"/>
+          </a:ln>
+        </p:spPr>
+        <p:style>
+          <a:lnRef idx="2">
+            <a:schemeClr val="dk1"/>
+          </a:lnRef>
+          <a:fillRef idx="1">
+            <a:schemeClr val="lt1"/>
+          </a:fillRef>
+          <a:effectRef idx="0">
+            <a:schemeClr val="dk1"/>
+          </a:effectRef>
+          <a:fontRef idx="minor">
+            <a:schemeClr val="dk1"/>
+          </a:fontRef>
+        </p:style>
+      </p:cxnSp>
+      <p:sp>
+        <p:nvSpPr>
+          <p:cNvPr id="70" name="Rounded Rectangle 69"/>
+          <p:cNvSpPr/>
+          <p:nvPr/>
+        </p:nvSpPr>
+        <p:spPr>
+          <a:xfrm>
+            <a:off x="7081837" y="4935755"/>
+            <a:ext cx="1828799" cy="301680"/>
+          </a:xfrm>
+          <a:prstGeom prst="roundRect">
+            <a:avLst/>
+          </a:prstGeom>
+        </p:spPr>
+        <p:style>
+          <a:lnRef idx="2">
+            <a:schemeClr val="dk1"/>
+          </a:lnRef>
+          <a:fillRef idx="1">
+            <a:schemeClr val="lt1"/>
+          </a:fillRef>
+          <a:effectRef idx="0">
+            <a:schemeClr val="dk1"/>
+          </a:effectRef>
+          <a:fontRef idx="minor">
+            <a:schemeClr val="dk1"/>
+          </a:fontRef>
+        </p:style>
+        <p:txBody>
+          <a:bodyPr rtlCol="0" anchor="ctr"/>
+          <a:lstStyle/>
+          <a:p>
+            <a:pPr algn="ctr"/>
+            <a:r>
+              <a:rPr lang="en-US" dirty="0" smtClean="0">
+                <a:latin typeface="Calibri" panose="020F0502020204030204" pitchFamily="34" charset="0"/>
+              </a:rPr>
+              <a:t>Switch </a:t>
+            </a:r>
+            <a:r>
+              <a:rPr lang="en-US" dirty="0" smtClean="0">
+                <a:latin typeface="Calibri" panose="020F0502020204030204" pitchFamily="34" charset="0"/>
+              </a:rPr>
+              <a:t>3</a:t>
+            </a:r>
+            <a:endParaRPr lang="en-US" dirty="0">
+              <a:latin typeface="Calibri" panose="020F0502020204030204" pitchFamily="34" charset="0"/>
+            </a:endParaRPr>
+          </a:p>
+        </p:txBody>
+      </p:sp>
+      <p:sp>
+        <p:nvSpPr>
+          <p:cNvPr id="71" name="Rounded Rectangle 70"/>
+          <p:cNvSpPr/>
+          <p:nvPr/>
+        </p:nvSpPr>
+        <p:spPr>
+          <a:xfrm>
+            <a:off x="9440293" y="4935754"/>
+            <a:ext cx="1828799" cy="301678"/>
+          </a:xfrm>
+          <a:prstGeom prst="roundRect">
+            <a:avLst/>
+          </a:prstGeom>
+        </p:spPr>
+        <p:style>
+          <a:lnRef idx="2">
+            <a:schemeClr val="dk1"/>
+          </a:lnRef>
+          <a:fillRef idx="1">
+            <a:schemeClr val="lt1"/>
+          </a:fillRef>
+          <a:effectRef idx="0">
+            <a:schemeClr val="dk1"/>
+          </a:effectRef>
+          <a:fontRef idx="minor">
+            <a:schemeClr val="dk1"/>
+          </a:fontRef>
+        </p:style>
+        <p:txBody>
+          <a:bodyPr rtlCol="0" anchor="ctr"/>
+          <a:lstStyle/>
+          <a:p>
+            <a:pPr algn="ctr"/>
+            <a:r>
+              <a:rPr lang="en-US" dirty="0" smtClean="0">
+                <a:latin typeface="Calibri" panose="020F0502020204030204" pitchFamily="34" charset="0"/>
+              </a:rPr>
+              <a:t>Switch </a:t>
+            </a:r>
+            <a:r>
+              <a:rPr lang="en-US" dirty="0" smtClean="0">
+                <a:latin typeface="Calibri" panose="020F0502020204030204" pitchFamily="34" charset="0"/>
+              </a:rPr>
+              <a:t>4</a:t>
+            </a:r>
+            <a:endParaRPr lang="en-US" dirty="0">
+              <a:latin typeface="Calibri" panose="020F0502020204030204" pitchFamily="34" charset="0"/>
+            </a:endParaRPr>
+          </a:p>
+        </p:txBody>
+      </p:sp>
+      <p:sp>
+        <p:nvSpPr>
+          <p:cNvPr id="72" name="Rounded Rectangle 71"/>
+          <p:cNvSpPr/>
+          <p:nvPr/>
+        </p:nvSpPr>
+        <p:spPr>
+          <a:xfrm>
+            <a:off x="7081837" y="3288538"/>
+            <a:ext cx="1828799" cy="264868"/>
+          </a:xfrm>
+          <a:prstGeom prst="roundRect">
+            <a:avLst/>
+          </a:prstGeom>
+        </p:spPr>
+        <p:style>
+          <a:lnRef idx="2">
+            <a:schemeClr val="dk1"/>
+          </a:lnRef>
+          <a:fillRef idx="1">
+            <a:schemeClr val="lt1"/>
+          </a:fillRef>
+          <a:effectRef idx="0">
+            <a:schemeClr val="dk1"/>
+          </a:effectRef>
+          <a:fontRef idx="minor">
+            <a:schemeClr val="dk1"/>
+          </a:fontRef>
+        </p:style>
+        <p:txBody>
+          <a:bodyPr rtlCol="0" anchor="ctr"/>
+          <a:lstStyle/>
+          <a:p>
+            <a:pPr algn="ctr"/>
+            <a:r>
+              <a:rPr lang="en-US" dirty="0" smtClean="0">
+                <a:latin typeface="Calibri" panose="020F0502020204030204" pitchFamily="34" charset="0"/>
+              </a:rPr>
+              <a:t>Controller 1</a:t>
+            </a:r>
+            <a:endParaRPr lang="en-US" dirty="0">
+              <a:latin typeface="Calibri" panose="020F0502020204030204" pitchFamily="34" charset="0"/>
+            </a:endParaRPr>
+          </a:p>
+        </p:txBody>
+      </p:sp>
+      <p:sp>
+        <p:nvSpPr>
+          <p:cNvPr id="73" name="Rounded Rectangle 72"/>
+          <p:cNvSpPr/>
+          <p:nvPr/>
+        </p:nvSpPr>
+        <p:spPr>
+          <a:xfrm>
+            <a:off x="8262186" y="4130347"/>
+            <a:ext cx="1828799" cy="319057"/>
+          </a:xfrm>
+          <a:prstGeom prst="roundRect">
+            <a:avLst/>
+          </a:prstGeom>
+        </p:spPr>
+        <p:style>
+          <a:lnRef idx="2">
+            <a:schemeClr val="dk1"/>
+          </a:lnRef>
+          <a:fillRef idx="1">
+            <a:schemeClr val="lt1"/>
+          </a:fillRef>
+          <a:effectRef idx="0">
+            <a:schemeClr val="dk1"/>
+          </a:effectRef>
+          <a:fontRef idx="minor">
+            <a:schemeClr val="dk1"/>
+          </a:fontRef>
+        </p:style>
+        <p:txBody>
+          <a:bodyPr rtlCol="0" anchor="ctr"/>
+          <a:lstStyle/>
+          <a:p>
+            <a:pPr algn="ctr"/>
+            <a:r>
+              <a:rPr lang="en-US" dirty="0" err="1" smtClean="0">
+                <a:latin typeface="Calibri" panose="020F0502020204030204" pitchFamily="34" charset="0"/>
+              </a:rPr>
+              <a:t>OpenVirteX</a:t>
+            </a:r>
+            <a:endParaRPr lang="en-US" dirty="0">
+              <a:latin typeface="Calibri" panose="020F0502020204030204" pitchFamily="34" charset="0"/>
+            </a:endParaRPr>
+          </a:p>
+        </p:txBody>
+      </p:sp>
+      <p:sp>
+        <p:nvSpPr>
+          <p:cNvPr id="74" name="Rounded Rectangle 73"/>
+          <p:cNvSpPr/>
+          <p:nvPr/>
+        </p:nvSpPr>
+        <p:spPr>
+          <a:xfrm>
+            <a:off x="6915888" y="5615130"/>
+            <a:ext cx="875898" cy="331003"/>
+          </a:xfrm>
+          <a:prstGeom prst="roundRect">
+            <a:avLst/>
+          </a:prstGeom>
+        </p:spPr>
+        <p:style>
+          <a:lnRef idx="2">
+            <a:schemeClr val="dk1"/>
+          </a:lnRef>
+          <a:fillRef idx="1">
+            <a:schemeClr val="lt1"/>
+          </a:fillRef>
+          <a:effectRef idx="0">
+            <a:schemeClr val="dk1"/>
+          </a:effectRef>
+          <a:fontRef idx="minor">
+            <a:schemeClr val="dk1"/>
+          </a:fontRef>
+        </p:style>
+        <p:txBody>
+          <a:bodyPr rtlCol="0" anchor="ctr"/>
+          <a:lstStyle/>
+          <a:p>
+            <a:pPr algn="ctr"/>
+            <a:r>
+              <a:rPr lang="en-US" dirty="0" smtClean="0">
+                <a:latin typeface="Calibri" panose="020F0502020204030204" pitchFamily="34" charset="0"/>
+              </a:rPr>
+              <a:t>Host </a:t>
+            </a:r>
+            <a:r>
+              <a:rPr lang="en-US" dirty="0" smtClean="0">
+                <a:latin typeface="Calibri" panose="020F0502020204030204" pitchFamily="34" charset="0"/>
+              </a:rPr>
+              <a:t>5</a:t>
+            </a:r>
+            <a:endParaRPr lang="en-US" dirty="0">
+              <a:latin typeface="Calibri" panose="020F0502020204030204" pitchFamily="34" charset="0"/>
+            </a:endParaRPr>
+          </a:p>
+        </p:txBody>
+      </p:sp>
+      <p:cxnSp>
+        <p:nvCxnSpPr>
+          <p:cNvPr id="75" name="Straight Arrow Connector 74"/>
+          <p:cNvCxnSpPr>
+            <a:endCxn id="74" idx="0"/>
+          </p:cNvCxnSpPr>
+          <p:nvPr/>
+        </p:nvCxnSpPr>
+        <p:spPr>
+          <a:xfrm flipH="1">
+            <a:off x="7353837" y="5230388"/>
+            <a:ext cx="2" cy="384742"/>
+          </a:xfrm>
+          <a:prstGeom prst="straightConnector1">
+            <a:avLst/>
+          </a:prstGeom>
+          <a:ln>
+            <a:headEnd type="arrow" w="med" len="med"/>
+            <a:tailEnd type="arrow" w="med" len="med"/>
+          </a:ln>
+        </p:spPr>
+        <p:style>
+          <a:lnRef idx="2">
+            <a:schemeClr val="dk1"/>
+          </a:lnRef>
+          <a:fillRef idx="1">
+            <a:schemeClr val="lt1"/>
+          </a:fillRef>
+          <a:effectRef idx="0">
+            <a:schemeClr val="dk1"/>
+          </a:effectRef>
+          <a:fontRef idx="minor">
+            <a:schemeClr val="dk1"/>
+          </a:fontRef>
+        </p:style>
+      </p:cxnSp>
+      <p:cxnSp>
+        <p:nvCxnSpPr>
+          <p:cNvPr id="76" name="Straight Arrow Connector 75"/>
+          <p:cNvCxnSpPr>
+            <a:endCxn id="70" idx="0"/>
+          </p:cNvCxnSpPr>
+          <p:nvPr/>
+        </p:nvCxnSpPr>
+        <p:spPr>
+          <a:xfrm flipH="1">
+            <a:off x="7996237" y="4432027"/>
+            <a:ext cx="349718" cy="503728"/>
+          </a:xfrm>
+          <a:prstGeom prst="straightConnector1">
+            <a:avLst/>
+          </a:prstGeom>
+          <a:ln>
+            <a:headEnd type="arrow" w="med" len="med"/>
+            <a:tailEnd type="arrow" w="med" len="med"/>
+          </a:ln>
+        </p:spPr>
+        <p:style>
+          <a:lnRef idx="2">
+            <a:schemeClr val="dk1"/>
+          </a:lnRef>
+          <a:fillRef idx="1">
+            <a:schemeClr val="lt1"/>
+          </a:fillRef>
+          <a:effectRef idx="0">
+            <a:schemeClr val="dk1"/>
+          </a:effectRef>
+          <a:fontRef idx="minor">
+            <a:schemeClr val="dk1"/>
+          </a:fontRef>
+        </p:style>
+      </p:cxnSp>
+      <p:cxnSp>
+        <p:nvCxnSpPr>
+          <p:cNvPr id="77" name="Straight Arrow Connector 76"/>
+          <p:cNvCxnSpPr/>
+          <p:nvPr/>
+        </p:nvCxnSpPr>
+        <p:spPr>
+          <a:xfrm>
+            <a:off x="10069547" y="4432027"/>
+            <a:ext cx="291963" cy="503727"/>
+          </a:xfrm>
+          <a:prstGeom prst="straightConnector1">
+            <a:avLst/>
+          </a:prstGeom>
+          <a:ln>
+            <a:headEnd type="arrow" w="med" len="med"/>
+            <a:tailEnd type="arrow" w="med" len="med"/>
+          </a:ln>
+        </p:spPr>
+        <p:style>
+          <a:lnRef idx="2">
+            <a:schemeClr val="dk1"/>
+          </a:lnRef>
+          <a:fillRef idx="1">
+            <a:schemeClr val="lt1"/>
+          </a:fillRef>
+          <a:effectRef idx="0">
+            <a:schemeClr val="dk1"/>
+          </a:effectRef>
+          <a:fontRef idx="minor">
+            <a:schemeClr val="dk1"/>
+          </a:fontRef>
+        </p:style>
+      </p:cxnSp>
+      <p:cxnSp>
+        <p:nvCxnSpPr>
+          <p:cNvPr id="78" name="Straight Arrow Connector 77"/>
+          <p:cNvCxnSpPr/>
+          <p:nvPr/>
+        </p:nvCxnSpPr>
+        <p:spPr>
+          <a:xfrm>
+            <a:off x="7934793" y="3561563"/>
+            <a:ext cx="337734" cy="589282"/>
+          </a:xfrm>
+          <a:prstGeom prst="straightConnector1">
+            <a:avLst/>
+          </a:prstGeom>
+          <a:ln>
+            <a:headEnd type="arrow" w="med" len="med"/>
+            <a:tailEnd type="arrow" w="med" len="med"/>
+          </a:ln>
+        </p:spPr>
+        <p:style>
+          <a:lnRef idx="2">
+            <a:schemeClr val="dk1"/>
+          </a:lnRef>
+          <a:fillRef idx="1">
+            <a:schemeClr val="lt1"/>
+          </a:fillRef>
+          <a:effectRef idx="0">
+            <a:schemeClr val="dk1"/>
+          </a:effectRef>
+          <a:fontRef idx="minor">
+            <a:schemeClr val="dk1"/>
+          </a:fontRef>
+        </p:style>
+      </p:cxnSp>
+      <p:sp>
+        <p:nvSpPr>
+          <p:cNvPr id="79" name="Rounded Rectangle 78"/>
+          <p:cNvSpPr/>
+          <p:nvPr/>
+        </p:nvSpPr>
+        <p:spPr>
+          <a:xfrm>
+            <a:off x="8189231" y="5615128"/>
+            <a:ext cx="875898" cy="331005"/>
+          </a:xfrm>
+          <a:prstGeom prst="roundRect">
+            <a:avLst/>
+          </a:prstGeom>
+        </p:spPr>
+        <p:style>
+          <a:lnRef idx="2">
+            <a:schemeClr val="dk1"/>
+          </a:lnRef>
+          <a:fillRef idx="1">
+            <a:schemeClr val="lt1"/>
+          </a:fillRef>
+          <a:effectRef idx="0">
+            <a:schemeClr val="dk1"/>
+          </a:effectRef>
+          <a:fontRef idx="minor">
+            <a:schemeClr val="dk1"/>
+          </a:fontRef>
+        </p:style>
+        <p:txBody>
+          <a:bodyPr rtlCol="0" anchor="ctr"/>
+          <a:lstStyle/>
+          <a:p>
+            <a:pPr algn="ctr"/>
+            <a:r>
+              <a:rPr lang="en-US" dirty="0" smtClean="0">
+                <a:latin typeface="Calibri" panose="020F0502020204030204" pitchFamily="34" charset="0"/>
+              </a:rPr>
+              <a:t>Host </a:t>
+            </a:r>
+            <a:r>
+              <a:rPr lang="en-US" dirty="0" smtClean="0">
+                <a:latin typeface="Calibri" panose="020F0502020204030204" pitchFamily="34" charset="0"/>
+              </a:rPr>
+              <a:t>6</a:t>
+            </a:r>
+            <a:endParaRPr lang="en-US" dirty="0">
+              <a:latin typeface="Calibri" panose="020F0502020204030204" pitchFamily="34" charset="0"/>
+            </a:endParaRPr>
+          </a:p>
+        </p:txBody>
+      </p:sp>
+      <p:cxnSp>
+        <p:nvCxnSpPr>
+          <p:cNvPr id="80" name="Straight Arrow Connector 79"/>
+          <p:cNvCxnSpPr>
+            <a:endCxn id="79" idx="0"/>
+          </p:cNvCxnSpPr>
+          <p:nvPr/>
+        </p:nvCxnSpPr>
+        <p:spPr>
+          <a:xfrm flipH="1">
+            <a:off x="8627180" y="5230386"/>
+            <a:ext cx="2" cy="384742"/>
+          </a:xfrm>
+          <a:prstGeom prst="straightConnector1">
+            <a:avLst/>
+          </a:prstGeom>
+          <a:ln>
+            <a:headEnd type="arrow" w="med" len="med"/>
+            <a:tailEnd type="arrow" w="med" len="med"/>
+          </a:ln>
+        </p:spPr>
+        <p:style>
+          <a:lnRef idx="2">
+            <a:schemeClr val="dk1"/>
+          </a:lnRef>
+          <a:fillRef idx="1">
+            <a:schemeClr val="lt1"/>
+          </a:fillRef>
+          <a:effectRef idx="0">
+            <a:schemeClr val="dk1"/>
+          </a:effectRef>
+          <a:fontRef idx="minor">
+            <a:schemeClr val="dk1"/>
+          </a:fontRef>
+        </p:style>
+      </p:cxnSp>
+      <p:sp>
+        <p:nvSpPr>
+          <p:cNvPr id="81" name="Rounded Rectangle 80"/>
+          <p:cNvSpPr/>
+          <p:nvPr/>
+        </p:nvSpPr>
+        <p:spPr>
+          <a:xfrm>
+            <a:off x="9329887" y="5615130"/>
+            <a:ext cx="875898" cy="331003"/>
+          </a:xfrm>
+          <a:prstGeom prst="roundRect">
+            <a:avLst/>
+          </a:prstGeom>
+        </p:spPr>
+        <p:style>
+          <a:lnRef idx="2">
+            <a:schemeClr val="dk1"/>
+          </a:lnRef>
+          <a:fillRef idx="1">
+            <a:schemeClr val="lt1"/>
+          </a:fillRef>
+          <a:effectRef idx="0">
+            <a:schemeClr val="dk1"/>
+          </a:effectRef>
+          <a:fontRef idx="minor">
+            <a:schemeClr val="dk1"/>
+          </a:fontRef>
+        </p:style>
+        <p:txBody>
+          <a:bodyPr rtlCol="0" anchor="ctr"/>
+          <a:lstStyle/>
+          <a:p>
+            <a:pPr algn="ctr"/>
+            <a:r>
+              <a:rPr lang="en-US" dirty="0" smtClean="0">
+                <a:latin typeface="Calibri" panose="020F0502020204030204" pitchFamily="34" charset="0"/>
+              </a:rPr>
+              <a:t>Host </a:t>
+            </a:r>
+            <a:r>
+              <a:rPr lang="en-US" dirty="0" smtClean="0">
+                <a:latin typeface="Calibri" panose="020F0502020204030204" pitchFamily="34" charset="0"/>
+              </a:rPr>
+              <a:t>7</a:t>
+            </a:r>
+            <a:endParaRPr lang="en-US" dirty="0">
+              <a:latin typeface="Calibri" panose="020F0502020204030204" pitchFamily="34" charset="0"/>
+            </a:endParaRPr>
+          </a:p>
+        </p:txBody>
+      </p:sp>
+      <p:cxnSp>
+        <p:nvCxnSpPr>
+          <p:cNvPr id="82" name="Straight Arrow Connector 81"/>
+          <p:cNvCxnSpPr>
+            <a:endCxn id="81" idx="0"/>
+          </p:cNvCxnSpPr>
+          <p:nvPr/>
+        </p:nvCxnSpPr>
+        <p:spPr>
+          <a:xfrm flipH="1">
+            <a:off x="9767836" y="5230388"/>
+            <a:ext cx="2" cy="384742"/>
+          </a:xfrm>
+          <a:prstGeom prst="straightConnector1">
+            <a:avLst/>
+          </a:prstGeom>
+          <a:ln>
+            <a:headEnd type="arrow" w="med" len="med"/>
+            <a:tailEnd type="arrow" w="med" len="med"/>
+          </a:ln>
+        </p:spPr>
+        <p:style>
+          <a:lnRef idx="2">
+            <a:schemeClr val="dk1"/>
+          </a:lnRef>
+          <a:fillRef idx="1">
+            <a:schemeClr val="lt1"/>
+          </a:fillRef>
+          <a:effectRef idx="0">
+            <a:schemeClr val="dk1"/>
+          </a:effectRef>
+          <a:fontRef idx="minor">
+            <a:schemeClr val="dk1"/>
+          </a:fontRef>
+        </p:style>
+      </p:cxnSp>
+      <p:sp>
+        <p:nvSpPr>
+          <p:cNvPr id="83" name="Rounded Rectangle 82"/>
+          <p:cNvSpPr/>
+          <p:nvPr/>
+        </p:nvSpPr>
+        <p:spPr>
+          <a:xfrm>
+            <a:off x="10603230" y="5615128"/>
+            <a:ext cx="875898" cy="331005"/>
+          </a:xfrm>
+          <a:prstGeom prst="roundRect">
+            <a:avLst/>
+          </a:prstGeom>
+        </p:spPr>
+        <p:style>
+          <a:lnRef idx="2">
+            <a:schemeClr val="dk1"/>
+          </a:lnRef>
+          <a:fillRef idx="1">
+            <a:schemeClr val="lt1"/>
+          </a:fillRef>
+          <a:effectRef idx="0">
+            <a:schemeClr val="dk1"/>
+          </a:effectRef>
+          <a:fontRef idx="minor">
+            <a:schemeClr val="dk1"/>
+          </a:fontRef>
+        </p:style>
+        <p:txBody>
+          <a:bodyPr rtlCol="0" anchor="ctr"/>
+          <a:lstStyle/>
+          <a:p>
+            <a:pPr algn="ctr"/>
+            <a:r>
+              <a:rPr lang="en-US" dirty="0" smtClean="0">
+                <a:latin typeface="Calibri" panose="020F0502020204030204" pitchFamily="34" charset="0"/>
+              </a:rPr>
+              <a:t>Host </a:t>
+            </a:r>
+            <a:r>
+              <a:rPr lang="en-US" dirty="0" smtClean="0">
+                <a:latin typeface="Calibri" panose="020F0502020204030204" pitchFamily="34" charset="0"/>
+              </a:rPr>
+              <a:t>8</a:t>
+            </a:r>
+            <a:endParaRPr lang="en-US" dirty="0">
+              <a:latin typeface="Calibri" panose="020F0502020204030204" pitchFamily="34" charset="0"/>
+            </a:endParaRPr>
+          </a:p>
+        </p:txBody>
+      </p:sp>
+      <p:sp>
+        <p:nvSpPr>
+          <p:cNvPr id="67" name="TextBox 66"/>
+          <p:cNvSpPr txBox="1"/>
+          <p:nvPr/>
+        </p:nvSpPr>
+        <p:spPr>
+          <a:xfrm>
+            <a:off x="8631660" y="6161454"/>
+            <a:ext cx="1183337" cy="369332"/>
+          </a:xfrm>
+          <a:prstGeom prst="rect">
+            <a:avLst/>
+          </a:prstGeom>
+          <a:noFill/>
+        </p:spPr>
+        <p:txBody>
+          <a:bodyPr wrap="none" rtlCol="0">
+            <a:spAutoFit/>
+          </a:bodyPr>
+          <a:lstStyle/>
+          <a:p>
+            <a:r>
+              <a:rPr lang="en-US" dirty="0" smtClean="0">
                 <a:solidFill>
                   <a:schemeClr val="bg1"/>
                 </a:solidFill>
+                <a:latin typeface="Calibri" panose="020F0502020204030204" pitchFamily="34" charset="0"/>
               </a:rPr>
-              <a:t>Please change </a:t>
-            </a:r>
-            <a:br>
-              <a:rPr lang="en-US" b="1" i="1" dirty="0" smtClean="0">
-                <a:solidFill>
-                  <a:schemeClr val="bg1"/>
-                </a:solidFill>
-              </a:rPr>
-            </a:br>
-            <a:r>
-              <a:rPr lang="en-US" b="1" i="1" dirty="0" smtClean="0">
-                <a:solidFill>
-                  <a:schemeClr val="bg1"/>
-                </a:solidFill>
-              </a:rPr>
-              <a:t>switch 1 agent to switch 1(only).</a:t>
-            </a:r>
-          </a:p>
-          <a:p>
-            <a:r>
-              <a:rPr lang="en-US" b="1" i="1" dirty="0" smtClean="0">
-                <a:solidFill>
-                  <a:schemeClr val="bg1"/>
-                </a:solidFill>
-              </a:rPr>
-              <a:t>There is nothing like a switch 1 agent.</a:t>
-            </a:r>
-          </a:p>
-          <a:p>
-            <a:endParaRPr lang="en-US" b="1" i="1" dirty="0">
+              <a:t>Network 2</a:t>
+            </a:r>
+            <a:endParaRPr lang="en-US" dirty="0">
               <a:solidFill>
                 <a:schemeClr val="bg1"/>
               </a:solidFill>
-            </a:endParaRPr>
-          </a:p>
-          <a:p>
-            <a:r>
-              <a:rPr lang="en-US" b="1" i="1" dirty="0" smtClean="0">
-                <a:solidFill>
-                  <a:schemeClr val="bg1"/>
-                </a:solidFill>
-              </a:rPr>
-              <a:t>Also below it is not network 1 and network 2 .It is AS1 and AS2</a:t>
-            </a:r>
-          </a:p>
-          <a:p>
-            <a:r>
-              <a:rPr lang="en-US" b="1" i="1" dirty="0" smtClean="0">
-                <a:solidFill>
-                  <a:schemeClr val="bg1"/>
-                </a:solidFill>
-              </a:rPr>
-              <a:t>Also change hostnames from host a and host b to different host </a:t>
-            </a:r>
-            <a:r>
-              <a:rPr lang="en-US" b="1" i="1" dirty="0" err="1" smtClean="0">
-                <a:solidFill>
-                  <a:schemeClr val="bg1"/>
-                </a:solidFill>
-              </a:rPr>
-              <a:t>names,same</a:t>
-            </a:r>
-            <a:r>
-              <a:rPr lang="en-US" b="1" i="1" dirty="0" smtClean="0">
-                <a:solidFill>
-                  <a:schemeClr val="bg1"/>
-                </a:solidFill>
-              </a:rPr>
-              <a:t> for switches</a:t>
-            </a:r>
-          </a:p>
-          <a:p>
-            <a:endParaRPr lang="en-US" b="1" i="1" dirty="0">
-              <a:solidFill>
-                <a:schemeClr val="bg1"/>
-              </a:solidFill>
-            </a:endParaRPr>
-          </a:p>
-          <a:p>
-            <a:r>
-              <a:rPr lang="en-US" b="1" i="1" dirty="0" smtClean="0">
-                <a:solidFill>
-                  <a:schemeClr val="bg1"/>
-                </a:solidFill>
-              </a:rPr>
-              <a:t>Clarification:</a:t>
-            </a:r>
-          </a:p>
-          <a:p>
-            <a:r>
-              <a:rPr lang="en-US" b="1" i="1" dirty="0" smtClean="0">
-                <a:solidFill>
-                  <a:schemeClr val="bg1"/>
-                </a:solidFill>
-              </a:rPr>
-              <a:t>Switch1 has its own network so does switch2  and so does switch 3 and 4.</a:t>
-            </a:r>
-          </a:p>
-          <a:p>
-            <a:r>
-              <a:rPr lang="en-US" b="1" i="1" dirty="0" smtClean="0">
-                <a:solidFill>
-                  <a:schemeClr val="bg1"/>
-                </a:solidFill>
-              </a:rPr>
-              <a:t>AS1 consists of networks with switch1 and switch 2 </a:t>
-            </a:r>
-            <a:br>
-              <a:rPr lang="en-US" b="1" i="1" dirty="0" smtClean="0">
-                <a:solidFill>
-                  <a:schemeClr val="bg1"/>
-                </a:solidFill>
-              </a:rPr>
-            </a:br>
-            <a:r>
-              <a:rPr lang="en-US" b="1" i="1" dirty="0" smtClean="0">
-                <a:solidFill>
-                  <a:schemeClr val="bg1"/>
-                </a:solidFill>
-              </a:rPr>
-              <a:t>AS2 consist of networks from switch 3 and 4</a:t>
-            </a:r>
-          </a:p>
-          <a:p>
-            <a:r>
-              <a:rPr lang="en-US" b="1" i="1" dirty="0" smtClean="0">
-                <a:solidFill>
-                  <a:schemeClr val="bg1"/>
-                </a:solidFill>
-              </a:rPr>
-              <a:t>AS1 and AS2 will be different VMs in our setup</a:t>
-            </a:r>
-            <a:endParaRPr lang="en-US" b="1" i="1" dirty="0">
-              <a:solidFill>
-                <a:schemeClr val="bg1"/>
-              </a:solidFill>
+              <a:latin typeface="Calibri" panose="020F0502020204030204" pitchFamily="34" charset="0"/>
             </a:endParaRPr>
           </a:p>
         </p:txBody>
@@ -7185,10 +7713,10 @@
               <a:t>Sprint </a:t>
             </a:r>
             <a:r>
-              <a:rPr lang="en-US" sz="4400" dirty="0" smtClean="0"/>
+              <a:rPr lang="en-US" sz="5000" dirty="0" smtClean="0"/>
               <a:t>1</a:t>
             </a:r>
-            <a:endParaRPr lang="en-US" dirty="0"/>
+            <a:endParaRPr lang="en-US" sz="5000" dirty="0"/>
           </a:p>
         </p:txBody>
       </p:sp>
@@ -7200,7 +7728,7 @@
         </p:nvSpPr>
         <p:spPr>
           <a:xfrm>
-            <a:off x="494777" y="2249776"/>
+            <a:off x="167016" y="2846676"/>
             <a:ext cx="11855885" cy="2308324"/>
           </a:xfrm>
           <a:prstGeom prst="rect">
@@ -7223,12 +7751,13 @@
             </a:r>
             <a:r>
               <a:rPr lang="en-US" sz="3600" dirty="0"/>
-              <a:t>topology in Mini </a:t>
-            </a:r>
-            <a:r>
-              <a:rPr lang="en-US" sz="3600" dirty="0" smtClean="0"/>
-              <a:t>net</a:t>
-            </a:r>
+              <a:t>topology in </a:t>
+            </a:r>
+            <a:r>
+              <a:rPr lang="en-US" sz="3600" dirty="0" err="1" smtClean="0"/>
+              <a:t>Mininet</a:t>
+            </a:r>
+            <a:endParaRPr lang="en-US" sz="3600" dirty="0" smtClean="0"/>
           </a:p>
           <a:p>
             <a:pPr marL="571500" indent="-571500">
@@ -7248,7 +7777,7 @@
             </a:r>
             <a:r>
               <a:rPr lang="en-US" sz="3600" dirty="0" err="1" smtClean="0"/>
-              <a:t>OpenvSwitches</a:t>
+              <a:t>OpenVSwitches</a:t>
             </a:r>
             <a:r>
               <a:rPr lang="en-US" sz="3600" dirty="0" smtClean="0"/>
@@ -7260,11 +7789,15 @@
             </a:r>
             <a:r>
               <a:rPr lang="en-US" sz="3600" dirty="0" err="1" smtClean="0"/>
-              <a:t>Opendaylight</a:t>
+              <a:t>OpenDaylight</a:t>
             </a:r>
             <a:r>
               <a:rPr lang="en-US" sz="3600" dirty="0" smtClean="0"/>
-              <a:t> controller</a:t>
+              <a:t> </a:t>
+            </a:r>
+            <a:r>
+              <a:rPr lang="en-US" sz="3600" dirty="0" smtClean="0"/>
+              <a:t>controller</a:t>
             </a:r>
             <a:endParaRPr lang="en-US" sz="3600" dirty="0"/>
           </a:p>
@@ -7322,11 +7855,379 @@
           <a:bodyPr/>
           <a:lstStyle/>
           <a:p>
+            <a:pPr algn="ctr"/>
             <a:r>
               <a:rPr lang="en-US" dirty="0" err="1" smtClean="0"/>
               <a:t>Mininet</a:t>
             </a:r>
             <a:endParaRPr lang="en-US" dirty="0"/>
+          </a:p>
+        </p:txBody>
+      </p:sp>
+      <p:sp>
+        <p:nvSpPr>
+          <p:cNvPr id="3" name="Content Placeholder 2"/>
+          <p:cNvSpPr txBox="1">
+            <a:spLocks/>
+          </p:cNvSpPr>
+          <p:nvPr/>
+        </p:nvSpPr>
+        <p:spPr>
+          <a:xfrm>
+            <a:off x="0" y="2011680"/>
+            <a:ext cx="12192000" cy="4726004"/>
+          </a:xfrm>
+          <a:prstGeom prst="rect">
+            <a:avLst/>
+          </a:prstGeom>
+        </p:spPr>
+        <p:txBody>
+          <a:bodyPr>
+            <a:normAutofit lnSpcReduction="10000"/>
+          </a:bodyPr>
+          <a:lstStyle>
+            <a:lvl1pPr marL="182880" indent="-182880" algn="l" defTabSz="914400" rtl="0" eaLnBrk="1" latinLnBrk="0" hangingPunct="1">
+              <a:lnSpc>
+                <a:spcPct val="90000"/>
+              </a:lnSpc>
+              <a:spcBef>
+                <a:spcPts val="1200"/>
+              </a:spcBef>
+              <a:spcAft>
+                <a:spcPts val="200"/>
+              </a:spcAft>
+              <a:buClr>
+                <a:schemeClr val="tx1"/>
+              </a:buClr>
+              <a:buFont typeface="Wingdings" pitchFamily="2" charset="2"/>
+              <a:buChar char=""/>
+              <a:defRPr sz="2200" kern="1200">
+                <a:solidFill>
+                  <a:schemeClr val="tx1"/>
+                </a:solidFill>
+                <a:latin typeface="+mn-lt"/>
+                <a:ea typeface="+mn-ea"/>
+                <a:cs typeface="+mn-cs"/>
+              </a:defRPr>
+            </a:lvl1pPr>
+            <a:lvl2pPr marL="411480" indent="-182880" algn="l" defTabSz="914400" rtl="0" eaLnBrk="1" latinLnBrk="0" hangingPunct="1">
+              <a:lnSpc>
+                <a:spcPct val="90000"/>
+              </a:lnSpc>
+              <a:spcBef>
+                <a:spcPts val="200"/>
+              </a:spcBef>
+              <a:spcAft>
+                <a:spcPts val="400"/>
+              </a:spcAft>
+              <a:buClr>
+                <a:schemeClr val="tx1"/>
+              </a:buClr>
+              <a:buFont typeface="Wingdings" pitchFamily="2" charset="2"/>
+              <a:buChar char=""/>
+              <a:defRPr sz="2000" kern="1200">
+                <a:solidFill>
+                  <a:schemeClr val="tx1"/>
+                </a:solidFill>
+                <a:latin typeface="+mn-lt"/>
+                <a:ea typeface="+mn-ea"/>
+                <a:cs typeface="+mn-cs"/>
+              </a:defRPr>
+            </a:lvl2pPr>
+            <a:lvl3pPr marL="640080" indent="-182880" algn="l" defTabSz="914400" rtl="0" eaLnBrk="1" latinLnBrk="0" hangingPunct="1">
+              <a:lnSpc>
+                <a:spcPct val="90000"/>
+              </a:lnSpc>
+              <a:spcBef>
+                <a:spcPts val="200"/>
+              </a:spcBef>
+              <a:spcAft>
+                <a:spcPts val="400"/>
+              </a:spcAft>
+              <a:buClr>
+                <a:schemeClr val="tx1"/>
+              </a:buClr>
+              <a:buFont typeface="Wingdings" pitchFamily="2" charset="2"/>
+              <a:buChar char=""/>
+              <a:defRPr sz="1800" kern="1200">
+                <a:solidFill>
+                  <a:schemeClr val="tx1"/>
+                </a:solidFill>
+                <a:latin typeface="+mn-lt"/>
+                <a:ea typeface="+mn-ea"/>
+                <a:cs typeface="+mn-cs"/>
+              </a:defRPr>
+            </a:lvl3pPr>
+            <a:lvl4pPr marL="868680" indent="-182880" algn="l" defTabSz="914400" rtl="0" eaLnBrk="1" latinLnBrk="0" hangingPunct="1">
+              <a:lnSpc>
+                <a:spcPct val="90000"/>
+              </a:lnSpc>
+              <a:spcBef>
+                <a:spcPts val="200"/>
+              </a:spcBef>
+              <a:spcAft>
+                <a:spcPts val="400"/>
+              </a:spcAft>
+              <a:buClr>
+                <a:schemeClr val="tx1"/>
+              </a:buClr>
+              <a:buFont typeface="Wingdings" pitchFamily="2" charset="2"/>
+              <a:buChar char=""/>
+              <a:defRPr sz="1600" kern="1200">
+                <a:solidFill>
+                  <a:schemeClr val="tx1"/>
+                </a:solidFill>
+                <a:latin typeface="+mn-lt"/>
+                <a:ea typeface="+mn-ea"/>
+                <a:cs typeface="+mn-cs"/>
+              </a:defRPr>
+            </a:lvl4pPr>
+            <a:lvl5pPr marL="1097280" indent="-182880" algn="l" defTabSz="914400" rtl="0" eaLnBrk="1" latinLnBrk="0" hangingPunct="1">
+              <a:lnSpc>
+                <a:spcPct val="90000"/>
+              </a:lnSpc>
+              <a:spcBef>
+                <a:spcPts val="200"/>
+              </a:spcBef>
+              <a:spcAft>
+                <a:spcPts val="400"/>
+              </a:spcAft>
+              <a:buClr>
+                <a:schemeClr val="tx1"/>
+              </a:buClr>
+              <a:buFont typeface="Wingdings" pitchFamily="2" charset="2"/>
+              <a:buChar char=""/>
+              <a:defRPr sz="1600" kern="1200">
+                <a:solidFill>
+                  <a:schemeClr val="tx1"/>
+                </a:solidFill>
+                <a:latin typeface="+mn-lt"/>
+                <a:ea typeface="+mn-ea"/>
+                <a:cs typeface="+mn-cs"/>
+              </a:defRPr>
+            </a:lvl5pPr>
+            <a:lvl6pPr marL="1284600" indent="-228600" algn="l" defTabSz="914400" rtl="0" eaLnBrk="1" latinLnBrk="0" hangingPunct="1">
+              <a:lnSpc>
+                <a:spcPct val="90000"/>
+              </a:lnSpc>
+              <a:spcBef>
+                <a:spcPts val="200"/>
+              </a:spcBef>
+              <a:spcAft>
+                <a:spcPts val="400"/>
+              </a:spcAft>
+              <a:buClr>
+                <a:schemeClr val="tx1"/>
+              </a:buClr>
+              <a:buFont typeface="Wingdings" pitchFamily="2" charset="2"/>
+              <a:buChar char=""/>
+              <a:defRPr sz="1600" kern="1200">
+                <a:solidFill>
+                  <a:schemeClr val="tx1"/>
+                </a:solidFill>
+                <a:latin typeface="+mn-lt"/>
+                <a:ea typeface="+mn-ea"/>
+                <a:cs typeface="+mn-cs"/>
+              </a:defRPr>
+            </a:lvl6pPr>
+            <a:lvl7pPr marL="1471800" indent="-228600" algn="l" defTabSz="914400" rtl="0" eaLnBrk="1" latinLnBrk="0" hangingPunct="1">
+              <a:lnSpc>
+                <a:spcPct val="90000"/>
+              </a:lnSpc>
+              <a:spcBef>
+                <a:spcPts val="200"/>
+              </a:spcBef>
+              <a:spcAft>
+                <a:spcPts val="400"/>
+              </a:spcAft>
+              <a:buClr>
+                <a:schemeClr val="tx1"/>
+              </a:buClr>
+              <a:buFont typeface="Wingdings" pitchFamily="2" charset="2"/>
+              <a:buChar char=""/>
+              <a:defRPr sz="1600" kern="1200">
+                <a:solidFill>
+                  <a:schemeClr val="tx1"/>
+                </a:solidFill>
+                <a:latin typeface="+mn-lt"/>
+                <a:ea typeface="+mn-ea"/>
+                <a:cs typeface="+mn-cs"/>
+              </a:defRPr>
+            </a:lvl7pPr>
+            <a:lvl8pPr marL="1629000" indent="-228600" algn="l" defTabSz="914400" rtl="0" eaLnBrk="1" latinLnBrk="0" hangingPunct="1">
+              <a:lnSpc>
+                <a:spcPct val="90000"/>
+              </a:lnSpc>
+              <a:spcBef>
+                <a:spcPts val="200"/>
+              </a:spcBef>
+              <a:spcAft>
+                <a:spcPts val="400"/>
+              </a:spcAft>
+              <a:buClr>
+                <a:schemeClr val="tx1"/>
+              </a:buClr>
+              <a:buFont typeface="Wingdings" pitchFamily="2" charset="2"/>
+              <a:buChar char=""/>
+              <a:defRPr sz="1600" kern="1200">
+                <a:solidFill>
+                  <a:schemeClr val="tx1"/>
+                </a:solidFill>
+                <a:latin typeface="+mn-lt"/>
+                <a:ea typeface="+mn-ea"/>
+                <a:cs typeface="+mn-cs"/>
+              </a:defRPr>
+            </a:lvl8pPr>
+            <a:lvl9pPr marL="1806200" indent="-228600" algn="l" defTabSz="914400" rtl="0" eaLnBrk="1" latinLnBrk="0" hangingPunct="1">
+              <a:lnSpc>
+                <a:spcPct val="90000"/>
+              </a:lnSpc>
+              <a:spcBef>
+                <a:spcPts val="200"/>
+              </a:spcBef>
+              <a:spcAft>
+                <a:spcPts val="400"/>
+              </a:spcAft>
+              <a:buClr>
+                <a:schemeClr val="tx1"/>
+              </a:buClr>
+              <a:buFont typeface="Wingdings" pitchFamily="2" charset="2"/>
+              <a:buChar char=""/>
+              <a:defRPr sz="1600" kern="1200">
+                <a:solidFill>
+                  <a:schemeClr val="tx1"/>
+                </a:solidFill>
+                <a:latin typeface="+mn-lt"/>
+                <a:ea typeface="+mn-ea"/>
+                <a:cs typeface="+mn-cs"/>
+              </a:defRPr>
+            </a:lvl9pPr>
+          </a:lstStyle>
+          <a:p>
+            <a:r>
+              <a:rPr lang="en-US" sz="2400" dirty="0"/>
+              <a:t>N</a:t>
+            </a:r>
+            <a:r>
+              <a:rPr lang="en-US" sz="2400" dirty="0" smtClean="0"/>
+              <a:t>etwork emulator </a:t>
+            </a:r>
+            <a:r>
+              <a:rPr lang="en-US" sz="2400" dirty="0"/>
+              <a:t>to create host/servers, switches and </a:t>
+            </a:r>
+            <a:r>
+              <a:rPr lang="en-US" sz="2400" dirty="0" smtClean="0"/>
+              <a:t>routers</a:t>
+            </a:r>
+          </a:p>
+          <a:p>
+            <a:r>
+              <a:rPr lang="en-US" sz="2400" dirty="0" smtClean="0"/>
+              <a:t>Uses </a:t>
+            </a:r>
+            <a:r>
+              <a:rPr lang="en-US" sz="2400" dirty="0"/>
+              <a:t>Python to create </a:t>
+            </a:r>
+            <a:r>
+              <a:rPr lang="en-US" sz="2400" dirty="0" smtClean="0"/>
+              <a:t>topologies</a:t>
+            </a:r>
+          </a:p>
+          <a:p>
+            <a:r>
+              <a:rPr lang="en-US" sz="2400" dirty="0" smtClean="0"/>
+              <a:t>Hosts behave </a:t>
+            </a:r>
+            <a:r>
+              <a:rPr lang="en-US" sz="2400" dirty="0"/>
+              <a:t>like real </a:t>
+            </a:r>
+            <a:r>
+              <a:rPr lang="en-US" sz="2400" dirty="0" smtClean="0"/>
+              <a:t>machine (SSH)</a:t>
+            </a:r>
+          </a:p>
+          <a:p>
+            <a:r>
+              <a:rPr lang="en-US" sz="2400" dirty="0" smtClean="0"/>
+              <a:t>Hosts transmit packets with stated speed and delay</a:t>
+            </a:r>
+          </a:p>
+          <a:p>
+            <a:r>
+              <a:rPr lang="en-US" sz="2400" dirty="0" smtClean="0"/>
+              <a:t>Switches queue packets</a:t>
+            </a:r>
+          </a:p>
+          <a:p>
+            <a:endParaRPr lang="en-US" sz="2400" dirty="0" smtClean="0"/>
+          </a:p>
+          <a:p>
+            <a:pPr marL="0" indent="0">
+              <a:buFont typeface="Wingdings" pitchFamily="2" charset="2"/>
+              <a:buNone/>
+            </a:pPr>
+            <a:r>
+              <a:rPr lang="en-US" sz="2600" dirty="0" smtClean="0"/>
+              <a:t>Advantages</a:t>
+            </a:r>
+          </a:p>
+          <a:p>
+            <a:r>
+              <a:rPr lang="en-US" sz="2400" dirty="0"/>
+              <a:t>C</a:t>
+            </a:r>
+            <a:r>
+              <a:rPr lang="en-US" sz="2400" dirty="0" smtClean="0"/>
+              <a:t>reate </a:t>
+            </a:r>
+            <a:r>
+              <a:rPr lang="en-US" sz="2400" dirty="0"/>
+              <a:t>custom small to complex large-scale topologies </a:t>
+            </a:r>
+            <a:r>
+              <a:rPr lang="en-US" sz="2400" dirty="0" smtClean="0"/>
+              <a:t>quickly</a:t>
+            </a:r>
+          </a:p>
+          <a:p>
+            <a:r>
+              <a:rPr lang="en-US" sz="2400" dirty="0" smtClean="0"/>
+              <a:t>Runs </a:t>
+            </a:r>
+            <a:r>
+              <a:rPr lang="en-US" sz="2400" dirty="0"/>
+              <a:t>on any Linux box or Amazon EC2 cloud</a:t>
+            </a:r>
+            <a:endParaRPr lang="en-US" sz="2400" dirty="0" smtClean="0"/>
+          </a:p>
+          <a:p>
+            <a:r>
+              <a:rPr lang="en-US" sz="2400" dirty="0"/>
+              <a:t>P</a:t>
+            </a:r>
+            <a:r>
+              <a:rPr lang="en-US" sz="2400" dirty="0" smtClean="0"/>
+              <a:t>rovides </a:t>
+            </a:r>
+            <a:r>
+              <a:rPr lang="en-US" sz="2400" dirty="0"/>
+              <a:t>flexibility to customize packet forwarding using </a:t>
+            </a:r>
+            <a:r>
+              <a:rPr lang="en-US" sz="2400" dirty="0" err="1"/>
+              <a:t>OpenFlow</a:t>
+            </a:r>
+            <a:r>
+              <a:rPr lang="en-US" sz="2400" dirty="0"/>
+              <a:t> </a:t>
+            </a:r>
+            <a:r>
+              <a:rPr lang="en-US" sz="2400" dirty="0" smtClean="0"/>
+              <a:t>protocol</a:t>
+            </a:r>
           </a:p>
         </p:txBody>
       </p:sp>
@@ -7382,11 +8283,306 @@
           <a:bodyPr/>
           <a:lstStyle/>
           <a:p>
-            <a:r>
-              <a:rPr lang="en-US" dirty="0" smtClean="0"/>
-              <a:t>Open Flow</a:t>
+            <a:pPr algn="ctr"/>
+            <a:r>
+              <a:rPr lang="en-US" dirty="0" err="1" smtClean="0"/>
+              <a:t>OpenFlow</a:t>
             </a:r>
             <a:endParaRPr lang="en-US" dirty="0"/>
+          </a:p>
+        </p:txBody>
+      </p:sp>
+      <p:sp>
+        <p:nvSpPr>
+          <p:cNvPr id="3" name="Content Placeholder 2"/>
+          <p:cNvSpPr txBox="1">
+            <a:spLocks/>
+          </p:cNvSpPr>
+          <p:nvPr/>
+        </p:nvSpPr>
+        <p:spPr>
+          <a:xfrm>
+            <a:off x="0" y="2011680"/>
+            <a:ext cx="12192000" cy="4726004"/>
+          </a:xfrm>
+          <a:prstGeom prst="rect">
+            <a:avLst/>
+          </a:prstGeom>
+        </p:spPr>
+        <p:txBody>
+          <a:bodyPr>
+            <a:normAutofit/>
+          </a:bodyPr>
+          <a:lstStyle>
+            <a:lvl1pPr marL="182880" indent="-182880" algn="l" defTabSz="914400" rtl="0" eaLnBrk="1" latinLnBrk="0" hangingPunct="1">
+              <a:lnSpc>
+                <a:spcPct val="90000"/>
+              </a:lnSpc>
+              <a:spcBef>
+                <a:spcPts val="1200"/>
+              </a:spcBef>
+              <a:spcAft>
+                <a:spcPts val="200"/>
+              </a:spcAft>
+              <a:buClr>
+                <a:schemeClr val="tx1"/>
+              </a:buClr>
+              <a:buFont typeface="Wingdings" pitchFamily="2" charset="2"/>
+              <a:buChar char=""/>
+              <a:defRPr sz="2200" kern="1200">
+                <a:solidFill>
+                  <a:schemeClr val="tx1"/>
+                </a:solidFill>
+                <a:latin typeface="+mn-lt"/>
+                <a:ea typeface="+mn-ea"/>
+                <a:cs typeface="+mn-cs"/>
+              </a:defRPr>
+            </a:lvl1pPr>
+            <a:lvl2pPr marL="411480" indent="-182880" algn="l" defTabSz="914400" rtl="0" eaLnBrk="1" latinLnBrk="0" hangingPunct="1">
+              <a:lnSpc>
+                <a:spcPct val="90000"/>
+              </a:lnSpc>
+              <a:spcBef>
+                <a:spcPts val="200"/>
+              </a:spcBef>
+              <a:spcAft>
+                <a:spcPts val="400"/>
+              </a:spcAft>
+              <a:buClr>
+                <a:schemeClr val="tx1"/>
+              </a:buClr>
+              <a:buFont typeface="Wingdings" pitchFamily="2" charset="2"/>
+              <a:buChar char=""/>
+              <a:defRPr sz="2000" kern="1200">
+                <a:solidFill>
+                  <a:schemeClr val="tx1"/>
+                </a:solidFill>
+                <a:latin typeface="+mn-lt"/>
+                <a:ea typeface="+mn-ea"/>
+                <a:cs typeface="+mn-cs"/>
+              </a:defRPr>
+            </a:lvl2pPr>
+            <a:lvl3pPr marL="640080" indent="-182880" algn="l" defTabSz="914400" rtl="0" eaLnBrk="1" latinLnBrk="0" hangingPunct="1">
+              <a:lnSpc>
+                <a:spcPct val="90000"/>
+              </a:lnSpc>
+              <a:spcBef>
+                <a:spcPts val="200"/>
+              </a:spcBef>
+              <a:spcAft>
+                <a:spcPts val="400"/>
+              </a:spcAft>
+              <a:buClr>
+                <a:schemeClr val="tx1"/>
+              </a:buClr>
+              <a:buFont typeface="Wingdings" pitchFamily="2" charset="2"/>
+              <a:buChar char=""/>
+              <a:defRPr sz="1800" kern="1200">
+                <a:solidFill>
+                  <a:schemeClr val="tx1"/>
+                </a:solidFill>
+                <a:latin typeface="+mn-lt"/>
+                <a:ea typeface="+mn-ea"/>
+                <a:cs typeface="+mn-cs"/>
+              </a:defRPr>
+            </a:lvl3pPr>
+            <a:lvl4pPr marL="868680" indent="-182880" algn="l" defTabSz="914400" rtl="0" eaLnBrk="1" latinLnBrk="0" hangingPunct="1">
+              <a:lnSpc>
+                <a:spcPct val="90000"/>
+              </a:lnSpc>
+              <a:spcBef>
+                <a:spcPts val="200"/>
+              </a:spcBef>
+              <a:spcAft>
+                <a:spcPts val="400"/>
+              </a:spcAft>
+              <a:buClr>
+                <a:schemeClr val="tx1"/>
+              </a:buClr>
+              <a:buFont typeface="Wingdings" pitchFamily="2" charset="2"/>
+              <a:buChar char=""/>
+              <a:defRPr sz="1600" kern="1200">
+                <a:solidFill>
+                  <a:schemeClr val="tx1"/>
+                </a:solidFill>
+                <a:latin typeface="+mn-lt"/>
+                <a:ea typeface="+mn-ea"/>
+                <a:cs typeface="+mn-cs"/>
+              </a:defRPr>
+            </a:lvl4pPr>
+            <a:lvl5pPr marL="1097280" indent="-182880" algn="l" defTabSz="914400" rtl="0" eaLnBrk="1" latinLnBrk="0" hangingPunct="1">
+              <a:lnSpc>
+                <a:spcPct val="90000"/>
+              </a:lnSpc>
+              <a:spcBef>
+                <a:spcPts val="200"/>
+              </a:spcBef>
+              <a:spcAft>
+                <a:spcPts val="400"/>
+              </a:spcAft>
+              <a:buClr>
+                <a:schemeClr val="tx1"/>
+              </a:buClr>
+              <a:buFont typeface="Wingdings" pitchFamily="2" charset="2"/>
+              <a:buChar char=""/>
+              <a:defRPr sz="1600" kern="1200">
+                <a:solidFill>
+                  <a:schemeClr val="tx1"/>
+                </a:solidFill>
+                <a:latin typeface="+mn-lt"/>
+                <a:ea typeface="+mn-ea"/>
+                <a:cs typeface="+mn-cs"/>
+              </a:defRPr>
+            </a:lvl5pPr>
+            <a:lvl6pPr marL="1284600" indent="-228600" algn="l" defTabSz="914400" rtl="0" eaLnBrk="1" latinLnBrk="0" hangingPunct="1">
+              <a:lnSpc>
+                <a:spcPct val="90000"/>
+              </a:lnSpc>
+              <a:spcBef>
+                <a:spcPts val="200"/>
+              </a:spcBef>
+              <a:spcAft>
+                <a:spcPts val="400"/>
+              </a:spcAft>
+              <a:buClr>
+                <a:schemeClr val="tx1"/>
+              </a:buClr>
+              <a:buFont typeface="Wingdings" pitchFamily="2" charset="2"/>
+              <a:buChar char=""/>
+              <a:defRPr sz="1600" kern="1200">
+                <a:solidFill>
+                  <a:schemeClr val="tx1"/>
+                </a:solidFill>
+                <a:latin typeface="+mn-lt"/>
+                <a:ea typeface="+mn-ea"/>
+                <a:cs typeface="+mn-cs"/>
+              </a:defRPr>
+            </a:lvl6pPr>
+            <a:lvl7pPr marL="1471800" indent="-228600" algn="l" defTabSz="914400" rtl="0" eaLnBrk="1" latinLnBrk="0" hangingPunct="1">
+              <a:lnSpc>
+                <a:spcPct val="90000"/>
+              </a:lnSpc>
+              <a:spcBef>
+                <a:spcPts val="200"/>
+              </a:spcBef>
+              <a:spcAft>
+                <a:spcPts val="400"/>
+              </a:spcAft>
+              <a:buClr>
+                <a:schemeClr val="tx1"/>
+              </a:buClr>
+              <a:buFont typeface="Wingdings" pitchFamily="2" charset="2"/>
+              <a:buChar char=""/>
+              <a:defRPr sz="1600" kern="1200">
+                <a:solidFill>
+                  <a:schemeClr val="tx1"/>
+                </a:solidFill>
+                <a:latin typeface="+mn-lt"/>
+                <a:ea typeface="+mn-ea"/>
+                <a:cs typeface="+mn-cs"/>
+              </a:defRPr>
+            </a:lvl7pPr>
+            <a:lvl8pPr marL="1629000" indent="-228600" algn="l" defTabSz="914400" rtl="0" eaLnBrk="1" latinLnBrk="0" hangingPunct="1">
+              <a:lnSpc>
+                <a:spcPct val="90000"/>
+              </a:lnSpc>
+              <a:spcBef>
+                <a:spcPts val="200"/>
+              </a:spcBef>
+              <a:spcAft>
+                <a:spcPts val="400"/>
+              </a:spcAft>
+              <a:buClr>
+                <a:schemeClr val="tx1"/>
+              </a:buClr>
+              <a:buFont typeface="Wingdings" pitchFamily="2" charset="2"/>
+              <a:buChar char=""/>
+              <a:defRPr sz="1600" kern="1200">
+                <a:solidFill>
+                  <a:schemeClr val="tx1"/>
+                </a:solidFill>
+                <a:latin typeface="+mn-lt"/>
+                <a:ea typeface="+mn-ea"/>
+                <a:cs typeface="+mn-cs"/>
+              </a:defRPr>
+            </a:lvl8pPr>
+            <a:lvl9pPr marL="1806200" indent="-228600" algn="l" defTabSz="914400" rtl="0" eaLnBrk="1" latinLnBrk="0" hangingPunct="1">
+              <a:lnSpc>
+                <a:spcPct val="90000"/>
+              </a:lnSpc>
+              <a:spcBef>
+                <a:spcPts val="200"/>
+              </a:spcBef>
+              <a:spcAft>
+                <a:spcPts val="400"/>
+              </a:spcAft>
+              <a:buClr>
+                <a:schemeClr val="tx1"/>
+              </a:buClr>
+              <a:buFont typeface="Wingdings" pitchFamily="2" charset="2"/>
+              <a:buChar char=""/>
+              <a:defRPr sz="1600" kern="1200">
+                <a:solidFill>
+                  <a:schemeClr val="tx1"/>
+                </a:solidFill>
+                <a:latin typeface="+mn-lt"/>
+                <a:ea typeface="+mn-ea"/>
+                <a:cs typeface="+mn-cs"/>
+              </a:defRPr>
+            </a:lvl9pPr>
+          </a:lstStyle>
+          <a:p>
+            <a:r>
+              <a:rPr lang="en-US" sz="3200" dirty="0" smtClean="0"/>
+              <a:t>Open standard </a:t>
+            </a:r>
+            <a:r>
+              <a:rPr lang="en-US" sz="3200" dirty="0"/>
+              <a:t>to control forwarding tables of network </a:t>
+            </a:r>
+            <a:r>
+              <a:rPr lang="en-US" sz="3200" dirty="0" smtClean="0"/>
+              <a:t>devices</a:t>
+            </a:r>
+          </a:p>
+          <a:p>
+            <a:endParaRPr lang="en-US" sz="3200" dirty="0" smtClean="0"/>
+          </a:p>
+          <a:p>
+            <a:r>
+              <a:rPr lang="en-US" sz="3200" dirty="0" smtClean="0"/>
+              <a:t>Standardized </a:t>
+            </a:r>
+            <a:r>
+              <a:rPr lang="en-US" sz="3200" dirty="0"/>
+              <a:t>protocol </a:t>
+            </a:r>
+            <a:r>
+              <a:rPr lang="en-US" sz="3200" dirty="0" smtClean="0"/>
+              <a:t>– control forwarding of switches across multiple vendors</a:t>
+            </a:r>
+          </a:p>
+          <a:p>
+            <a:endParaRPr lang="en-US" sz="3200" dirty="0" smtClean="0"/>
+          </a:p>
+          <a:p>
+            <a:r>
+              <a:rPr lang="en-US" sz="3200" dirty="0" smtClean="0"/>
+              <a:t>Separates data path and control path</a:t>
+            </a:r>
+          </a:p>
+          <a:p>
+            <a:endParaRPr lang="en-US" sz="3200" dirty="0" smtClean="0"/>
+          </a:p>
+          <a:p>
+            <a:r>
+              <a:rPr lang="en-US" sz="3200" dirty="0" err="1" smtClean="0"/>
+              <a:t>OpenFlow</a:t>
+            </a:r>
+            <a:r>
+              <a:rPr lang="en-US" sz="3200" dirty="0" smtClean="0"/>
+              <a:t> Switch and Controller</a:t>
+            </a:r>
           </a:p>
         </p:txBody>
       </p:sp>
@@ -7442,6 +8638,7 @@
           <a:bodyPr/>
           <a:lstStyle/>
           <a:p>
+            <a:pPr algn="ctr"/>
             <a:r>
               <a:rPr lang="en-US" dirty="0" smtClean="0"/>
               <a:t>Open virtual switch</a:t>
@@ -7450,6 +8647,351 @@
           </a:p>
         </p:txBody>
       </p:sp>
+      <p:sp>
+        <p:nvSpPr>
+          <p:cNvPr id="3" name="Content Placeholder 2"/>
+          <p:cNvSpPr txBox="1">
+            <a:spLocks/>
+          </p:cNvSpPr>
+          <p:nvPr/>
+        </p:nvSpPr>
+        <p:spPr>
+          <a:xfrm>
+            <a:off x="0" y="2011680"/>
+            <a:ext cx="6794500" cy="4726004"/>
+          </a:xfrm>
+          <a:prstGeom prst="rect">
+            <a:avLst/>
+          </a:prstGeom>
+        </p:spPr>
+        <p:txBody>
+          <a:bodyPr>
+            <a:noAutofit/>
+          </a:bodyPr>
+          <a:lstStyle>
+            <a:lvl1pPr marL="182880" indent="-182880" algn="l" defTabSz="914400" rtl="0" eaLnBrk="1" latinLnBrk="0" hangingPunct="1">
+              <a:lnSpc>
+                <a:spcPct val="90000"/>
+              </a:lnSpc>
+              <a:spcBef>
+                <a:spcPts val="1200"/>
+              </a:spcBef>
+              <a:spcAft>
+                <a:spcPts val="200"/>
+              </a:spcAft>
+              <a:buClr>
+                <a:schemeClr val="tx1"/>
+              </a:buClr>
+              <a:buFont typeface="Wingdings" pitchFamily="2" charset="2"/>
+              <a:buChar char=""/>
+              <a:defRPr sz="2200" kern="1200">
+                <a:solidFill>
+                  <a:schemeClr val="tx1"/>
+                </a:solidFill>
+                <a:latin typeface="+mn-lt"/>
+                <a:ea typeface="+mn-ea"/>
+                <a:cs typeface="+mn-cs"/>
+              </a:defRPr>
+            </a:lvl1pPr>
+            <a:lvl2pPr marL="411480" indent="-182880" algn="l" defTabSz="914400" rtl="0" eaLnBrk="1" latinLnBrk="0" hangingPunct="1">
+              <a:lnSpc>
+                <a:spcPct val="90000"/>
+              </a:lnSpc>
+              <a:spcBef>
+                <a:spcPts val="200"/>
+              </a:spcBef>
+              <a:spcAft>
+                <a:spcPts val="400"/>
+              </a:spcAft>
+              <a:buClr>
+                <a:schemeClr val="tx1"/>
+              </a:buClr>
+              <a:buFont typeface="Wingdings" pitchFamily="2" charset="2"/>
+              <a:buChar char=""/>
+              <a:defRPr sz="2000" kern="1200">
+                <a:solidFill>
+                  <a:schemeClr val="tx1"/>
+                </a:solidFill>
+                <a:latin typeface="+mn-lt"/>
+                <a:ea typeface="+mn-ea"/>
+                <a:cs typeface="+mn-cs"/>
+              </a:defRPr>
+            </a:lvl2pPr>
+            <a:lvl3pPr marL="640080" indent="-182880" algn="l" defTabSz="914400" rtl="0" eaLnBrk="1" latinLnBrk="0" hangingPunct="1">
+              <a:lnSpc>
+                <a:spcPct val="90000"/>
+              </a:lnSpc>
+              <a:spcBef>
+                <a:spcPts val="200"/>
+              </a:spcBef>
+              <a:spcAft>
+                <a:spcPts val="400"/>
+              </a:spcAft>
+              <a:buClr>
+                <a:schemeClr val="tx1"/>
+              </a:buClr>
+              <a:buFont typeface="Wingdings" pitchFamily="2" charset="2"/>
+              <a:buChar char=""/>
+              <a:defRPr sz="1800" kern="1200">
+                <a:solidFill>
+                  <a:schemeClr val="tx1"/>
+                </a:solidFill>
+                <a:latin typeface="+mn-lt"/>
+                <a:ea typeface="+mn-ea"/>
+                <a:cs typeface="+mn-cs"/>
+              </a:defRPr>
+            </a:lvl3pPr>
+            <a:lvl4pPr marL="868680" indent="-182880" algn="l" defTabSz="914400" rtl="0" eaLnBrk="1" latinLnBrk="0" hangingPunct="1">
+              <a:lnSpc>
+                <a:spcPct val="90000"/>
+              </a:lnSpc>
+              <a:spcBef>
+                <a:spcPts val="200"/>
+              </a:spcBef>
+              <a:spcAft>
+                <a:spcPts val="400"/>
+              </a:spcAft>
+              <a:buClr>
+                <a:schemeClr val="tx1"/>
+              </a:buClr>
+              <a:buFont typeface="Wingdings" pitchFamily="2" charset="2"/>
+              <a:buChar char=""/>
+              <a:defRPr sz="1600" kern="1200">
+                <a:solidFill>
+                  <a:schemeClr val="tx1"/>
+                </a:solidFill>
+                <a:latin typeface="+mn-lt"/>
+                <a:ea typeface="+mn-ea"/>
+                <a:cs typeface="+mn-cs"/>
+              </a:defRPr>
+            </a:lvl4pPr>
+            <a:lvl5pPr marL="1097280" indent="-182880" algn="l" defTabSz="914400" rtl="0" eaLnBrk="1" latinLnBrk="0" hangingPunct="1">
+              <a:lnSpc>
+                <a:spcPct val="90000"/>
+              </a:lnSpc>
+              <a:spcBef>
+                <a:spcPts val="200"/>
+              </a:spcBef>
+              <a:spcAft>
+                <a:spcPts val="400"/>
+              </a:spcAft>
+              <a:buClr>
+                <a:schemeClr val="tx1"/>
+              </a:buClr>
+              <a:buFont typeface="Wingdings" pitchFamily="2" charset="2"/>
+              <a:buChar char=""/>
+              <a:defRPr sz="1600" kern="1200">
+                <a:solidFill>
+                  <a:schemeClr val="tx1"/>
+                </a:solidFill>
+                <a:latin typeface="+mn-lt"/>
+                <a:ea typeface="+mn-ea"/>
+                <a:cs typeface="+mn-cs"/>
+              </a:defRPr>
+            </a:lvl5pPr>
+            <a:lvl6pPr marL="1284600" indent="-228600" algn="l" defTabSz="914400" rtl="0" eaLnBrk="1" latinLnBrk="0" hangingPunct="1">
+              <a:lnSpc>
+                <a:spcPct val="90000"/>
+              </a:lnSpc>
+              <a:spcBef>
+                <a:spcPts val="200"/>
+              </a:spcBef>
+              <a:spcAft>
+                <a:spcPts val="400"/>
+              </a:spcAft>
+              <a:buClr>
+                <a:schemeClr val="tx1"/>
+              </a:buClr>
+              <a:buFont typeface="Wingdings" pitchFamily="2" charset="2"/>
+              <a:buChar char=""/>
+              <a:defRPr sz="1600" kern="1200">
+                <a:solidFill>
+                  <a:schemeClr val="tx1"/>
+                </a:solidFill>
+                <a:latin typeface="+mn-lt"/>
+                <a:ea typeface="+mn-ea"/>
+                <a:cs typeface="+mn-cs"/>
+              </a:defRPr>
+            </a:lvl6pPr>
+            <a:lvl7pPr marL="1471800" indent="-228600" algn="l" defTabSz="914400" rtl="0" eaLnBrk="1" latinLnBrk="0" hangingPunct="1">
+              <a:lnSpc>
+                <a:spcPct val="90000"/>
+              </a:lnSpc>
+              <a:spcBef>
+                <a:spcPts val="200"/>
+              </a:spcBef>
+              <a:spcAft>
+                <a:spcPts val="400"/>
+              </a:spcAft>
+              <a:buClr>
+                <a:schemeClr val="tx1"/>
+              </a:buClr>
+              <a:buFont typeface="Wingdings" pitchFamily="2" charset="2"/>
+              <a:buChar char=""/>
+              <a:defRPr sz="1600" kern="1200">
+                <a:solidFill>
+                  <a:schemeClr val="tx1"/>
+                </a:solidFill>
+                <a:latin typeface="+mn-lt"/>
+                <a:ea typeface="+mn-ea"/>
+                <a:cs typeface="+mn-cs"/>
+              </a:defRPr>
+            </a:lvl7pPr>
+            <a:lvl8pPr marL="1629000" indent="-228600" algn="l" defTabSz="914400" rtl="0" eaLnBrk="1" latinLnBrk="0" hangingPunct="1">
+              <a:lnSpc>
+                <a:spcPct val="90000"/>
+              </a:lnSpc>
+              <a:spcBef>
+                <a:spcPts val="200"/>
+              </a:spcBef>
+              <a:spcAft>
+                <a:spcPts val="400"/>
+              </a:spcAft>
+              <a:buClr>
+                <a:schemeClr val="tx1"/>
+              </a:buClr>
+              <a:buFont typeface="Wingdings" pitchFamily="2" charset="2"/>
+              <a:buChar char=""/>
+              <a:defRPr sz="1600" kern="1200">
+                <a:solidFill>
+                  <a:schemeClr val="tx1"/>
+                </a:solidFill>
+                <a:latin typeface="+mn-lt"/>
+                <a:ea typeface="+mn-ea"/>
+                <a:cs typeface="+mn-cs"/>
+              </a:defRPr>
+            </a:lvl8pPr>
+            <a:lvl9pPr marL="1806200" indent="-228600" algn="l" defTabSz="914400" rtl="0" eaLnBrk="1" latinLnBrk="0" hangingPunct="1">
+              <a:lnSpc>
+                <a:spcPct val="90000"/>
+              </a:lnSpc>
+              <a:spcBef>
+                <a:spcPts val="200"/>
+              </a:spcBef>
+              <a:spcAft>
+                <a:spcPts val="400"/>
+              </a:spcAft>
+              <a:buClr>
+                <a:schemeClr val="tx1"/>
+              </a:buClr>
+              <a:buFont typeface="Wingdings" pitchFamily="2" charset="2"/>
+              <a:buChar char=""/>
+              <a:defRPr sz="1600" kern="1200">
+                <a:solidFill>
+                  <a:schemeClr val="tx1"/>
+                </a:solidFill>
+                <a:latin typeface="+mn-lt"/>
+                <a:ea typeface="+mn-ea"/>
+                <a:cs typeface="+mn-cs"/>
+              </a:defRPr>
+            </a:lvl9pPr>
+          </a:lstStyle>
+          <a:p>
+            <a:r>
+              <a:rPr lang="en-US" sz="2490" dirty="0"/>
+              <a:t> </a:t>
+            </a:r>
+            <a:r>
+              <a:rPr lang="en-US" sz="2490" dirty="0" smtClean="0"/>
+              <a:t>Open-source distributed </a:t>
+            </a:r>
+            <a:r>
+              <a:rPr lang="en-US" sz="2490" dirty="0"/>
+              <a:t>virtual multilayer </a:t>
+            </a:r>
+            <a:r>
+              <a:rPr lang="en-US" sz="2490" dirty="0" smtClean="0"/>
+              <a:t>switch</a:t>
+            </a:r>
+          </a:p>
+          <a:p>
+            <a:endParaRPr lang="en-US" sz="2490" dirty="0" smtClean="0"/>
+          </a:p>
+          <a:p>
+            <a:r>
+              <a:rPr lang="en-US" sz="2490" dirty="0"/>
+              <a:t>S</a:t>
+            </a:r>
+            <a:r>
+              <a:rPr lang="en-US" sz="2490" dirty="0" smtClean="0"/>
+              <a:t>witching</a:t>
+            </a:r>
+            <a:r>
+              <a:rPr lang="en-US" sz="2490" dirty="0"/>
+              <a:t> stack for hardware virtualization </a:t>
+            </a:r>
+            <a:r>
+              <a:rPr lang="en-US" sz="2490" dirty="0" smtClean="0"/>
+              <a:t>environments</a:t>
+            </a:r>
+          </a:p>
+          <a:p>
+            <a:endParaRPr lang="en-US" sz="2490" dirty="0" smtClean="0"/>
+          </a:p>
+          <a:p>
+            <a:r>
+              <a:rPr lang="en-US" sz="2490" dirty="0" smtClean="0"/>
+              <a:t>Enable </a:t>
+            </a:r>
+            <a:r>
+              <a:rPr lang="en-US" sz="2490" dirty="0"/>
+              <a:t>massive network automation through programmatic </a:t>
+            </a:r>
+            <a:r>
+              <a:rPr lang="en-US" sz="2490" dirty="0" smtClean="0"/>
+              <a:t>extension</a:t>
+            </a:r>
+          </a:p>
+          <a:p>
+            <a:endParaRPr lang="en-US" sz="2490" dirty="0" smtClean="0"/>
+          </a:p>
+          <a:p>
+            <a:r>
+              <a:rPr lang="en-US" sz="2490" dirty="0" smtClean="0"/>
+              <a:t>Supports </a:t>
+            </a:r>
+            <a:r>
+              <a:rPr lang="en-US" sz="2490" dirty="0"/>
+              <a:t>distribution across multiple physical </a:t>
+            </a:r>
+            <a:r>
+              <a:rPr lang="en-US" sz="2490" dirty="0" smtClean="0"/>
+              <a:t>servers</a:t>
+            </a:r>
+            <a:endParaRPr lang="en-US" sz="2490" dirty="0"/>
+          </a:p>
+        </p:txBody>
+      </p:sp>
+      <p:pic>
+        <p:nvPicPr>
+          <p:cNvPr id="4" name="Picture 3"/>
+          <p:cNvPicPr>
+            <a:picLocks noChangeAspect="1"/>
+          </p:cNvPicPr>
+          <p:nvPr/>
+        </p:nvPicPr>
+        <p:blipFill>
+          <a:blip r:embed="rId2">
+            <a:extLst>
+              <a:ext uri="{28A0092B-C50C-407E-A947-70E740481C1C}">
+                <a14:useLocalDpi xmlns:a14="http://schemas.microsoft.com/office/drawing/2010/main" val="0"/>
+              </a:ext>
+            </a:extLst>
+          </a:blip>
+          <a:stretch>
+            <a:fillRect/>
+          </a:stretch>
+        </p:blipFill>
+        <p:spPr>
+          <a:xfrm>
+            <a:off x="7097087" y="2255369"/>
+            <a:ext cx="5094913" cy="4238625"/>
+          </a:xfrm>
+          <a:prstGeom prst="rect">
+            <a:avLst/>
+          </a:prstGeom>
+        </p:spPr>
+      </p:pic>
     </p:spTree>
     <p:extLst>
       <p:ext uri="{BB962C8B-B14F-4D97-AF65-F5344CB8AC3E}">
@@ -7502,11 +9044,330 @@
           <a:bodyPr/>
           <a:lstStyle/>
           <a:p>
+            <a:pPr algn="ctr"/>
             <a:r>
               <a:rPr lang="en-US" dirty="0" smtClean="0"/>
               <a:t>Controller</a:t>
             </a:r>
+            <a:br>
+              <a:rPr lang="en-US" dirty="0" smtClean="0"/>
+            </a:br>
+            <a:r>
+              <a:rPr lang="en-US" dirty="0" err="1" smtClean="0"/>
+              <a:t>opendaylight</a:t>
+            </a:r>
             <a:endParaRPr lang="en-US" dirty="0"/>
+          </a:p>
+        </p:txBody>
+      </p:sp>
+      <p:sp>
+        <p:nvSpPr>
+          <p:cNvPr id="3" name="Content Placeholder 2"/>
+          <p:cNvSpPr txBox="1">
+            <a:spLocks/>
+          </p:cNvSpPr>
+          <p:nvPr/>
+        </p:nvSpPr>
+        <p:spPr>
+          <a:xfrm>
+            <a:off x="0" y="2011680"/>
+            <a:ext cx="12192000" cy="4726004"/>
+          </a:xfrm>
+          <a:prstGeom prst="rect">
+            <a:avLst/>
+          </a:prstGeom>
+        </p:spPr>
+        <p:txBody>
+          <a:bodyPr>
+            <a:normAutofit/>
+          </a:bodyPr>
+          <a:lstStyle>
+            <a:lvl1pPr marL="182880" indent="-182880" algn="l" defTabSz="914400" rtl="0" eaLnBrk="1" latinLnBrk="0" hangingPunct="1">
+              <a:lnSpc>
+                <a:spcPct val="90000"/>
+              </a:lnSpc>
+              <a:spcBef>
+                <a:spcPts val="1200"/>
+              </a:spcBef>
+              <a:spcAft>
+                <a:spcPts val="200"/>
+              </a:spcAft>
+              <a:buClr>
+                <a:schemeClr val="tx1"/>
+              </a:buClr>
+              <a:buFont typeface="Wingdings" pitchFamily="2" charset="2"/>
+              <a:buChar char=""/>
+              <a:defRPr sz="2200" kern="1200">
+                <a:solidFill>
+                  <a:schemeClr val="tx1"/>
+                </a:solidFill>
+                <a:latin typeface="+mn-lt"/>
+                <a:ea typeface="+mn-ea"/>
+                <a:cs typeface="+mn-cs"/>
+              </a:defRPr>
+            </a:lvl1pPr>
+            <a:lvl2pPr marL="411480" indent="-182880" algn="l" defTabSz="914400" rtl="0" eaLnBrk="1" latinLnBrk="0" hangingPunct="1">
+              <a:lnSpc>
+                <a:spcPct val="90000"/>
+              </a:lnSpc>
+              <a:spcBef>
+                <a:spcPts val="200"/>
+              </a:spcBef>
+              <a:spcAft>
+                <a:spcPts val="400"/>
+              </a:spcAft>
+              <a:buClr>
+                <a:schemeClr val="tx1"/>
+              </a:buClr>
+              <a:buFont typeface="Wingdings" pitchFamily="2" charset="2"/>
+              <a:buChar char=""/>
+              <a:defRPr sz="2000" kern="1200">
+                <a:solidFill>
+                  <a:schemeClr val="tx1"/>
+                </a:solidFill>
+                <a:latin typeface="+mn-lt"/>
+                <a:ea typeface="+mn-ea"/>
+                <a:cs typeface="+mn-cs"/>
+              </a:defRPr>
+            </a:lvl2pPr>
+            <a:lvl3pPr marL="640080" indent="-182880" algn="l" defTabSz="914400" rtl="0" eaLnBrk="1" latinLnBrk="0" hangingPunct="1">
+              <a:lnSpc>
+                <a:spcPct val="90000"/>
+              </a:lnSpc>
+              <a:spcBef>
+                <a:spcPts val="200"/>
+              </a:spcBef>
+              <a:spcAft>
+                <a:spcPts val="400"/>
+              </a:spcAft>
+              <a:buClr>
+                <a:schemeClr val="tx1"/>
+              </a:buClr>
+              <a:buFont typeface="Wingdings" pitchFamily="2" charset="2"/>
+              <a:buChar char=""/>
+              <a:defRPr sz="1800" kern="1200">
+                <a:solidFill>
+                  <a:schemeClr val="tx1"/>
+                </a:solidFill>
+                <a:latin typeface="+mn-lt"/>
+                <a:ea typeface="+mn-ea"/>
+                <a:cs typeface="+mn-cs"/>
+              </a:defRPr>
+            </a:lvl3pPr>
+            <a:lvl4pPr marL="868680" indent="-182880" algn="l" defTabSz="914400" rtl="0" eaLnBrk="1" latinLnBrk="0" hangingPunct="1">
+              <a:lnSpc>
+                <a:spcPct val="90000"/>
+              </a:lnSpc>
+              <a:spcBef>
+                <a:spcPts val="200"/>
+              </a:spcBef>
+              <a:spcAft>
+                <a:spcPts val="400"/>
+              </a:spcAft>
+              <a:buClr>
+                <a:schemeClr val="tx1"/>
+              </a:buClr>
+              <a:buFont typeface="Wingdings" pitchFamily="2" charset="2"/>
+              <a:buChar char=""/>
+              <a:defRPr sz="1600" kern="1200">
+                <a:solidFill>
+                  <a:schemeClr val="tx1"/>
+                </a:solidFill>
+                <a:latin typeface="+mn-lt"/>
+                <a:ea typeface="+mn-ea"/>
+                <a:cs typeface="+mn-cs"/>
+              </a:defRPr>
+            </a:lvl4pPr>
+            <a:lvl5pPr marL="1097280" indent="-182880" algn="l" defTabSz="914400" rtl="0" eaLnBrk="1" latinLnBrk="0" hangingPunct="1">
+              <a:lnSpc>
+                <a:spcPct val="90000"/>
+              </a:lnSpc>
+              <a:spcBef>
+                <a:spcPts val="200"/>
+              </a:spcBef>
+              <a:spcAft>
+                <a:spcPts val="400"/>
+              </a:spcAft>
+              <a:buClr>
+                <a:schemeClr val="tx1"/>
+              </a:buClr>
+              <a:buFont typeface="Wingdings" pitchFamily="2" charset="2"/>
+              <a:buChar char=""/>
+              <a:defRPr sz="1600" kern="1200">
+                <a:solidFill>
+                  <a:schemeClr val="tx1"/>
+                </a:solidFill>
+                <a:latin typeface="+mn-lt"/>
+                <a:ea typeface="+mn-ea"/>
+                <a:cs typeface="+mn-cs"/>
+              </a:defRPr>
+            </a:lvl5pPr>
+            <a:lvl6pPr marL="1284600" indent="-228600" algn="l" defTabSz="914400" rtl="0" eaLnBrk="1" latinLnBrk="0" hangingPunct="1">
+              <a:lnSpc>
+                <a:spcPct val="90000"/>
+              </a:lnSpc>
+              <a:spcBef>
+                <a:spcPts val="200"/>
+              </a:spcBef>
+              <a:spcAft>
+                <a:spcPts val="400"/>
+              </a:spcAft>
+              <a:buClr>
+                <a:schemeClr val="tx1"/>
+              </a:buClr>
+              <a:buFont typeface="Wingdings" pitchFamily="2" charset="2"/>
+              <a:buChar char=""/>
+              <a:defRPr sz="1600" kern="1200">
+                <a:solidFill>
+                  <a:schemeClr val="tx1"/>
+                </a:solidFill>
+                <a:latin typeface="+mn-lt"/>
+                <a:ea typeface="+mn-ea"/>
+                <a:cs typeface="+mn-cs"/>
+              </a:defRPr>
+            </a:lvl6pPr>
+            <a:lvl7pPr marL="1471800" indent="-228600" algn="l" defTabSz="914400" rtl="0" eaLnBrk="1" latinLnBrk="0" hangingPunct="1">
+              <a:lnSpc>
+                <a:spcPct val="90000"/>
+              </a:lnSpc>
+              <a:spcBef>
+                <a:spcPts val="200"/>
+              </a:spcBef>
+              <a:spcAft>
+                <a:spcPts val="400"/>
+              </a:spcAft>
+              <a:buClr>
+                <a:schemeClr val="tx1"/>
+              </a:buClr>
+              <a:buFont typeface="Wingdings" pitchFamily="2" charset="2"/>
+              <a:buChar char=""/>
+              <a:defRPr sz="1600" kern="1200">
+                <a:solidFill>
+                  <a:schemeClr val="tx1"/>
+                </a:solidFill>
+                <a:latin typeface="+mn-lt"/>
+                <a:ea typeface="+mn-ea"/>
+                <a:cs typeface="+mn-cs"/>
+              </a:defRPr>
+            </a:lvl7pPr>
+            <a:lvl8pPr marL="1629000" indent="-228600" algn="l" defTabSz="914400" rtl="0" eaLnBrk="1" latinLnBrk="0" hangingPunct="1">
+              <a:lnSpc>
+                <a:spcPct val="90000"/>
+              </a:lnSpc>
+              <a:spcBef>
+                <a:spcPts val="200"/>
+              </a:spcBef>
+              <a:spcAft>
+                <a:spcPts val="400"/>
+              </a:spcAft>
+              <a:buClr>
+                <a:schemeClr val="tx1"/>
+              </a:buClr>
+              <a:buFont typeface="Wingdings" pitchFamily="2" charset="2"/>
+              <a:buChar char=""/>
+              <a:defRPr sz="1600" kern="1200">
+                <a:solidFill>
+                  <a:schemeClr val="tx1"/>
+                </a:solidFill>
+                <a:latin typeface="+mn-lt"/>
+                <a:ea typeface="+mn-ea"/>
+                <a:cs typeface="+mn-cs"/>
+              </a:defRPr>
+            </a:lvl8pPr>
+            <a:lvl9pPr marL="1806200" indent="-228600" algn="l" defTabSz="914400" rtl="0" eaLnBrk="1" latinLnBrk="0" hangingPunct="1">
+              <a:lnSpc>
+                <a:spcPct val="90000"/>
+              </a:lnSpc>
+              <a:spcBef>
+                <a:spcPts val="200"/>
+              </a:spcBef>
+              <a:spcAft>
+                <a:spcPts val="400"/>
+              </a:spcAft>
+              <a:buClr>
+                <a:schemeClr val="tx1"/>
+              </a:buClr>
+              <a:buFont typeface="Wingdings" pitchFamily="2" charset="2"/>
+              <a:buChar char=""/>
+              <a:defRPr sz="1600" kern="1200">
+                <a:solidFill>
+                  <a:schemeClr val="tx1"/>
+                </a:solidFill>
+                <a:latin typeface="+mn-lt"/>
+                <a:ea typeface="+mn-ea"/>
+                <a:cs typeface="+mn-cs"/>
+              </a:defRPr>
+            </a:lvl9pPr>
+          </a:lstStyle>
+          <a:p>
+            <a:r>
+              <a:rPr lang="en-US" sz="3200" dirty="0"/>
+              <a:t>M</a:t>
+            </a:r>
+            <a:r>
+              <a:rPr lang="en-US" sz="3200" dirty="0" smtClean="0"/>
+              <a:t>ulti-protocol </a:t>
+            </a:r>
+            <a:r>
+              <a:rPr lang="en-US" sz="3200" dirty="0"/>
+              <a:t>controller </a:t>
+            </a:r>
+            <a:r>
+              <a:rPr lang="en-US" sz="3200" dirty="0" smtClean="0"/>
+              <a:t>infrastructure</a:t>
+            </a:r>
+            <a:endParaRPr lang="en-US" sz="3200" dirty="0"/>
+          </a:p>
+          <a:p>
+            <a:endParaRPr lang="en-US" sz="3200" dirty="0" smtClean="0"/>
+          </a:p>
+          <a:p>
+            <a:r>
+              <a:rPr lang="en-US" sz="3200" dirty="0" smtClean="0"/>
+              <a:t>Highly </a:t>
+            </a:r>
+            <a:r>
+              <a:rPr lang="en-US" sz="3200" dirty="0"/>
+              <a:t>available, Modular, Extensible, Scalable</a:t>
+            </a:r>
+          </a:p>
+          <a:p>
+            <a:endParaRPr lang="en-US" sz="3200" dirty="0" smtClean="0"/>
+          </a:p>
+          <a:p>
+            <a:r>
+              <a:rPr lang="en-US" sz="3200" dirty="0"/>
+              <a:t>M</a:t>
+            </a:r>
+            <a:r>
+              <a:rPr lang="en-US" sz="3200" dirty="0" smtClean="0"/>
+              <a:t>odel-driven </a:t>
+            </a:r>
+            <a:r>
+              <a:rPr lang="en-US" sz="3200" dirty="0"/>
+              <a:t>service abstraction </a:t>
+            </a:r>
+            <a:r>
+              <a:rPr lang="en-US" sz="3200" dirty="0" smtClean="0"/>
+              <a:t>platform</a:t>
+            </a:r>
+          </a:p>
+          <a:p>
+            <a:endParaRPr lang="en-US" sz="3200" dirty="0" smtClean="0"/>
+          </a:p>
+          <a:p>
+            <a:r>
+              <a:rPr lang="en-US" sz="3200" dirty="0" smtClean="0"/>
+              <a:t>Supports modern </a:t>
+            </a:r>
+            <a:r>
+              <a:rPr lang="en-US" sz="3200" dirty="0"/>
+              <a:t>heterogeneous multi-vendor </a:t>
+            </a:r>
+            <a:r>
+              <a:rPr lang="en-US" sz="3200" dirty="0" smtClean="0"/>
+              <a:t>networks</a:t>
+            </a:r>
           </a:p>
         </p:txBody>
       </p:sp>
@@ -7562,18 +9423,795 @@
           <a:bodyPr/>
           <a:lstStyle/>
           <a:p>
+            <a:pPr algn="ctr"/>
             <a:r>
               <a:rPr lang="en-US" dirty="0" smtClean="0"/>
-              <a:t>Why open daylight?</a:t>
+              <a:t>Sprint </a:t>
+            </a:r>
+            <a:r>
+              <a:rPr lang="en-US" sz="5000" dirty="0" smtClean="0"/>
+              <a:t>1</a:t>
+            </a:r>
+            <a:r>
+              <a:rPr lang="en-US" dirty="0" smtClean="0"/>
+              <a:t>:Creating a network</a:t>
             </a:r>
             <a:endParaRPr lang="en-US" dirty="0"/>
+          </a:p>
+        </p:txBody>
+      </p:sp>
+      <p:sp>
+        <p:nvSpPr>
+          <p:cNvPr id="9" name="Rectangle 8"/>
+          <p:cNvSpPr/>
+          <p:nvPr/>
+        </p:nvSpPr>
+        <p:spPr>
+          <a:xfrm>
+            <a:off x="2626670" y="1941032"/>
+            <a:ext cx="7061838" cy="4884821"/>
+          </a:xfrm>
+          <a:prstGeom prst="rect">
+            <a:avLst/>
+          </a:prstGeom>
+        </p:spPr>
+        <p:style>
+          <a:lnRef idx="2">
+            <a:schemeClr val="dk1"/>
+          </a:lnRef>
+          <a:fillRef idx="1">
+            <a:schemeClr val="lt1"/>
+          </a:fillRef>
+          <a:effectRef idx="0">
+            <a:schemeClr val="dk1"/>
+          </a:effectRef>
+          <a:fontRef idx="minor">
+            <a:schemeClr val="dk1"/>
+          </a:fontRef>
+        </p:style>
+        <p:txBody>
+          <a:bodyPr rtlCol="0" anchor="ctr"/>
+          <a:lstStyle/>
+          <a:p>
+            <a:pPr algn="ctr"/>
+            <a:r>
+              <a:rPr lang="en-US" dirty="0" smtClean="0"/>
+              <a:t>10.2</a:t>
+            </a:r>
+            <a:endParaRPr lang="en-US" dirty="0"/>
+          </a:p>
+        </p:txBody>
+      </p:sp>
+      <p:sp>
+        <p:nvSpPr>
+          <p:cNvPr id="8" name="Rounded Rectangle 7"/>
+          <p:cNvSpPr/>
+          <p:nvPr/>
+        </p:nvSpPr>
+        <p:spPr>
+          <a:xfrm>
+            <a:off x="5435628" y="2370807"/>
+            <a:ext cx="1318662" cy="317635"/>
+          </a:xfrm>
+          <a:prstGeom prst="roundRect">
+            <a:avLst/>
+          </a:prstGeom>
+        </p:spPr>
+        <p:style>
+          <a:lnRef idx="2">
+            <a:schemeClr val="dk1"/>
+          </a:lnRef>
+          <a:fillRef idx="1">
+            <a:schemeClr val="lt1"/>
+          </a:fillRef>
+          <a:effectRef idx="0">
+            <a:schemeClr val="dk1"/>
+          </a:effectRef>
+          <a:fontRef idx="minor">
+            <a:schemeClr val="dk1"/>
+          </a:fontRef>
+        </p:style>
+        <p:txBody>
+          <a:bodyPr rtlCol="0" anchor="ctr"/>
+          <a:lstStyle/>
+          <a:p>
+            <a:pPr algn="ctr"/>
+            <a:r>
+              <a:rPr lang="en-US" dirty="0" smtClean="0"/>
+              <a:t>Controller</a:t>
+            </a:r>
+            <a:endParaRPr lang="en-US" dirty="0"/>
+          </a:p>
+        </p:txBody>
+      </p:sp>
+      <p:sp>
+        <p:nvSpPr>
+          <p:cNvPr id="10" name="Rounded Rectangle 9"/>
+          <p:cNvSpPr/>
+          <p:nvPr/>
+        </p:nvSpPr>
+        <p:spPr>
+          <a:xfrm>
+            <a:off x="3608966" y="4106403"/>
+            <a:ext cx="1318662" cy="554087"/>
+          </a:xfrm>
+          <a:prstGeom prst="roundRect">
+            <a:avLst/>
+          </a:prstGeom>
+        </p:spPr>
+        <p:style>
+          <a:lnRef idx="2">
+            <a:schemeClr val="dk1"/>
+          </a:lnRef>
+          <a:fillRef idx="1">
+            <a:schemeClr val="lt1"/>
+          </a:fillRef>
+          <a:effectRef idx="0">
+            <a:schemeClr val="dk1"/>
+          </a:effectRef>
+          <a:fontRef idx="minor">
+            <a:schemeClr val="dk1"/>
+          </a:fontRef>
+        </p:style>
+        <p:txBody>
+          <a:bodyPr rtlCol="0" anchor="ctr"/>
+          <a:lstStyle/>
+          <a:p>
+            <a:pPr algn="ctr"/>
+            <a:r>
+              <a:rPr lang="en-US" dirty="0" smtClean="0"/>
+              <a:t>Switch 1</a:t>
+            </a:r>
+            <a:endParaRPr lang="en-US" dirty="0"/>
+          </a:p>
+        </p:txBody>
+      </p:sp>
+      <p:sp>
+        <p:nvSpPr>
+          <p:cNvPr id="13" name="Rounded Rectangle 12"/>
+          <p:cNvSpPr/>
+          <p:nvPr/>
+        </p:nvSpPr>
+        <p:spPr>
+          <a:xfrm>
+            <a:off x="3915418" y="5204436"/>
+            <a:ext cx="705757" cy="554087"/>
+          </a:xfrm>
+          <a:prstGeom prst="roundRect">
+            <a:avLst/>
+          </a:prstGeom>
+        </p:spPr>
+        <p:style>
+          <a:lnRef idx="2">
+            <a:schemeClr val="dk1"/>
+          </a:lnRef>
+          <a:fillRef idx="1">
+            <a:schemeClr val="lt1"/>
+          </a:fillRef>
+          <a:effectRef idx="0">
+            <a:schemeClr val="dk1"/>
+          </a:effectRef>
+          <a:fontRef idx="minor">
+            <a:schemeClr val="dk1"/>
+          </a:fontRef>
+        </p:style>
+        <p:txBody>
+          <a:bodyPr rtlCol="0" anchor="ctr"/>
+          <a:lstStyle/>
+          <a:p>
+            <a:pPr algn="ctr"/>
+            <a:r>
+              <a:rPr lang="en-US" dirty="0" smtClean="0"/>
+              <a:t>Host</a:t>
+            </a:r>
+          </a:p>
+          <a:p>
+            <a:pPr algn="ctr"/>
+            <a:r>
+              <a:rPr lang="en-US" dirty="0" smtClean="0"/>
+              <a:t>A</a:t>
+            </a:r>
+            <a:endParaRPr lang="en-US" dirty="0"/>
+          </a:p>
+        </p:txBody>
+      </p:sp>
+      <p:sp>
+        <p:nvSpPr>
+          <p:cNvPr id="14" name="Rounded Rectangle 13"/>
+          <p:cNvSpPr/>
+          <p:nvPr/>
+        </p:nvSpPr>
+        <p:spPr>
+          <a:xfrm>
+            <a:off x="5742080" y="5204436"/>
+            <a:ext cx="705757" cy="554087"/>
+          </a:xfrm>
+          <a:prstGeom prst="roundRect">
+            <a:avLst/>
+          </a:prstGeom>
+        </p:spPr>
+        <p:style>
+          <a:lnRef idx="2">
+            <a:schemeClr val="dk1"/>
+          </a:lnRef>
+          <a:fillRef idx="1">
+            <a:schemeClr val="lt1"/>
+          </a:fillRef>
+          <a:effectRef idx="0">
+            <a:schemeClr val="dk1"/>
+          </a:effectRef>
+          <a:fontRef idx="minor">
+            <a:schemeClr val="dk1"/>
+          </a:fontRef>
+        </p:style>
+        <p:txBody>
+          <a:bodyPr rtlCol="0" anchor="ctr"/>
+          <a:lstStyle/>
+          <a:p>
+            <a:pPr algn="ctr"/>
+            <a:r>
+              <a:rPr lang="en-US" dirty="0" smtClean="0"/>
+              <a:t>Host</a:t>
+            </a:r>
+          </a:p>
+          <a:p>
+            <a:pPr algn="ctr"/>
+            <a:r>
+              <a:rPr lang="en-US" dirty="0"/>
+              <a:t>B</a:t>
+            </a:r>
+          </a:p>
+        </p:txBody>
+      </p:sp>
+      <p:sp>
+        <p:nvSpPr>
+          <p:cNvPr id="15" name="Rounded Rectangle 14"/>
+          <p:cNvSpPr/>
+          <p:nvPr/>
+        </p:nvSpPr>
+        <p:spPr>
+          <a:xfrm>
+            <a:off x="7320087" y="4106403"/>
+            <a:ext cx="1318662" cy="554087"/>
+          </a:xfrm>
+          <a:prstGeom prst="roundRect">
+            <a:avLst/>
+          </a:prstGeom>
+        </p:spPr>
+        <p:style>
+          <a:lnRef idx="2">
+            <a:schemeClr val="dk1"/>
+          </a:lnRef>
+          <a:fillRef idx="1">
+            <a:schemeClr val="lt1"/>
+          </a:fillRef>
+          <a:effectRef idx="0">
+            <a:schemeClr val="dk1"/>
+          </a:effectRef>
+          <a:fontRef idx="minor">
+            <a:schemeClr val="dk1"/>
+          </a:fontRef>
+        </p:style>
+        <p:txBody>
+          <a:bodyPr rtlCol="0" anchor="ctr"/>
+          <a:lstStyle/>
+          <a:p>
+            <a:pPr algn="ctr"/>
+            <a:r>
+              <a:rPr lang="en-US" dirty="0" smtClean="0"/>
+              <a:t>Switch 3</a:t>
+            </a:r>
+            <a:endParaRPr lang="en-US" dirty="0"/>
+          </a:p>
+        </p:txBody>
+      </p:sp>
+      <p:sp>
+        <p:nvSpPr>
+          <p:cNvPr id="17" name="Rounded Rectangle 16"/>
+          <p:cNvSpPr/>
+          <p:nvPr/>
+        </p:nvSpPr>
+        <p:spPr>
+          <a:xfrm>
+            <a:off x="7626539" y="5204436"/>
+            <a:ext cx="705757" cy="554087"/>
+          </a:xfrm>
+          <a:prstGeom prst="roundRect">
+            <a:avLst/>
+          </a:prstGeom>
+        </p:spPr>
+        <p:style>
+          <a:lnRef idx="2">
+            <a:schemeClr val="dk1"/>
+          </a:lnRef>
+          <a:fillRef idx="1">
+            <a:schemeClr val="lt1"/>
+          </a:fillRef>
+          <a:effectRef idx="0">
+            <a:schemeClr val="dk1"/>
+          </a:effectRef>
+          <a:fontRef idx="minor">
+            <a:schemeClr val="dk1"/>
+          </a:fontRef>
+        </p:style>
+        <p:txBody>
+          <a:bodyPr rtlCol="0" anchor="ctr"/>
+          <a:lstStyle/>
+          <a:p>
+            <a:pPr algn="ctr"/>
+            <a:r>
+              <a:rPr lang="en-US" dirty="0" smtClean="0"/>
+              <a:t>Host</a:t>
+            </a:r>
+          </a:p>
+          <a:p>
+            <a:pPr algn="ctr"/>
+            <a:r>
+              <a:rPr lang="en-US" dirty="0" smtClean="0"/>
+              <a:t>C</a:t>
+            </a:r>
+            <a:endParaRPr lang="en-US" dirty="0"/>
+          </a:p>
+        </p:txBody>
+      </p:sp>
+      <p:cxnSp>
+        <p:nvCxnSpPr>
+          <p:cNvPr id="19" name="Straight Arrow Connector 18"/>
+          <p:cNvCxnSpPr/>
+          <p:nvPr/>
+        </p:nvCxnSpPr>
+        <p:spPr>
+          <a:xfrm flipV="1">
+            <a:off x="4014297" y="2688441"/>
+            <a:ext cx="1826662" cy="1417961"/>
+          </a:xfrm>
+          <a:prstGeom prst="straightConnector1">
+            <a:avLst/>
+          </a:prstGeom>
+          <a:ln>
+            <a:headEnd type="arrow" w="med" len="med"/>
+            <a:tailEnd type="arrow" w="med" len="med"/>
+          </a:ln>
+        </p:spPr>
+        <p:style>
+          <a:lnRef idx="1">
+            <a:schemeClr val="dk1"/>
+          </a:lnRef>
+          <a:fillRef idx="0">
+            <a:schemeClr val="dk1"/>
+          </a:fillRef>
+          <a:effectRef idx="0">
+            <a:schemeClr val="dk1"/>
+          </a:effectRef>
+          <a:fontRef idx="minor">
+            <a:schemeClr val="tx1"/>
+          </a:fontRef>
+        </p:style>
+      </p:cxnSp>
+      <p:cxnSp>
+        <p:nvCxnSpPr>
+          <p:cNvPr id="21" name="Straight Arrow Connector 20"/>
+          <p:cNvCxnSpPr/>
+          <p:nvPr/>
+        </p:nvCxnSpPr>
+        <p:spPr>
+          <a:xfrm flipH="1" flipV="1">
+            <a:off x="6522995" y="2719146"/>
+            <a:ext cx="1809301" cy="1387254"/>
+          </a:xfrm>
+          <a:prstGeom prst="straightConnector1">
+            <a:avLst/>
+          </a:prstGeom>
+          <a:ln>
+            <a:headEnd type="arrow" w="med" len="med"/>
+            <a:tailEnd type="arrow" w="med" len="med"/>
+          </a:ln>
+        </p:spPr>
+        <p:style>
+          <a:lnRef idx="1">
+            <a:schemeClr val="dk1"/>
+          </a:lnRef>
+          <a:fillRef idx="0">
+            <a:schemeClr val="dk1"/>
+          </a:fillRef>
+          <a:effectRef idx="0">
+            <a:schemeClr val="dk1"/>
+          </a:effectRef>
+          <a:fontRef idx="minor">
+            <a:schemeClr val="tx1"/>
+          </a:fontRef>
+        </p:style>
+      </p:cxnSp>
+      <p:cxnSp>
+        <p:nvCxnSpPr>
+          <p:cNvPr id="24" name="Straight Arrow Connector 23"/>
+          <p:cNvCxnSpPr>
+            <a:stCxn id="13" idx="0"/>
+            <a:endCxn id="10" idx="2"/>
+          </p:cNvCxnSpPr>
+          <p:nvPr/>
+        </p:nvCxnSpPr>
+        <p:spPr>
+          <a:xfrm flipV="1">
+            <a:off x="4268297" y="4660490"/>
+            <a:ext cx="0" cy="543946"/>
+          </a:xfrm>
+          <a:prstGeom prst="straightConnector1">
+            <a:avLst/>
+          </a:prstGeom>
+          <a:ln>
+            <a:headEnd type="arrow" w="med" len="med"/>
+            <a:tailEnd type="arrow" w="med" len="med"/>
+          </a:ln>
+        </p:spPr>
+        <p:style>
+          <a:lnRef idx="1">
+            <a:schemeClr val="dk1"/>
+          </a:lnRef>
+          <a:fillRef idx="0">
+            <a:schemeClr val="dk1"/>
+          </a:fillRef>
+          <a:effectRef idx="0">
+            <a:schemeClr val="dk1"/>
+          </a:effectRef>
+          <a:fontRef idx="minor">
+            <a:schemeClr val="tx1"/>
+          </a:fontRef>
+        </p:style>
+      </p:cxnSp>
+      <p:cxnSp>
+        <p:nvCxnSpPr>
+          <p:cNvPr id="28" name="Straight Arrow Connector 27"/>
+          <p:cNvCxnSpPr>
+            <a:stCxn id="18" idx="2"/>
+            <a:endCxn id="14" idx="0"/>
+          </p:cNvCxnSpPr>
+          <p:nvPr/>
+        </p:nvCxnSpPr>
+        <p:spPr>
+          <a:xfrm>
+            <a:off x="6094959" y="4660487"/>
+            <a:ext cx="0" cy="543949"/>
+          </a:xfrm>
+          <a:prstGeom prst="straightConnector1">
+            <a:avLst/>
+          </a:prstGeom>
+          <a:ln>
+            <a:headEnd type="arrow" w="med" len="med"/>
+            <a:tailEnd type="arrow" w="med" len="med"/>
+          </a:ln>
+        </p:spPr>
+        <p:style>
+          <a:lnRef idx="1">
+            <a:schemeClr val="dk1"/>
+          </a:lnRef>
+          <a:fillRef idx="0">
+            <a:schemeClr val="dk1"/>
+          </a:fillRef>
+          <a:effectRef idx="0">
+            <a:schemeClr val="dk1"/>
+          </a:effectRef>
+          <a:fontRef idx="minor">
+            <a:schemeClr val="tx1"/>
+          </a:fontRef>
+        </p:style>
+      </p:cxnSp>
+      <p:cxnSp>
+        <p:nvCxnSpPr>
+          <p:cNvPr id="31" name="Straight Arrow Connector 30"/>
+          <p:cNvCxnSpPr>
+            <a:stCxn id="15" idx="2"/>
+            <a:endCxn id="17" idx="0"/>
+          </p:cNvCxnSpPr>
+          <p:nvPr/>
+        </p:nvCxnSpPr>
+        <p:spPr>
+          <a:xfrm>
+            <a:off x="7979418" y="4660490"/>
+            <a:ext cx="0" cy="543946"/>
+          </a:xfrm>
+          <a:prstGeom prst="straightConnector1">
+            <a:avLst/>
+          </a:prstGeom>
+          <a:ln>
+            <a:headEnd type="arrow" w="med" len="med"/>
+            <a:tailEnd type="arrow" w="med" len="med"/>
+          </a:ln>
+        </p:spPr>
+        <p:style>
+          <a:lnRef idx="1">
+            <a:schemeClr val="dk1"/>
+          </a:lnRef>
+          <a:fillRef idx="0">
+            <a:schemeClr val="dk1"/>
+          </a:fillRef>
+          <a:effectRef idx="0">
+            <a:schemeClr val="dk1"/>
+          </a:effectRef>
+          <a:fontRef idx="minor">
+            <a:schemeClr val="tx1"/>
+          </a:fontRef>
+        </p:style>
+      </p:cxnSp>
+      <p:sp>
+        <p:nvSpPr>
+          <p:cNvPr id="18" name="Rounded Rectangle 17"/>
+          <p:cNvSpPr/>
+          <p:nvPr/>
+        </p:nvSpPr>
+        <p:spPr>
+          <a:xfrm>
+            <a:off x="5435628" y="4106400"/>
+            <a:ext cx="1318662" cy="554087"/>
+          </a:xfrm>
+          <a:prstGeom prst="roundRect">
+            <a:avLst/>
+          </a:prstGeom>
+        </p:spPr>
+        <p:style>
+          <a:lnRef idx="2">
+            <a:schemeClr val="dk1"/>
+          </a:lnRef>
+          <a:fillRef idx="1">
+            <a:schemeClr val="lt1"/>
+          </a:fillRef>
+          <a:effectRef idx="0">
+            <a:schemeClr val="dk1"/>
+          </a:effectRef>
+          <a:fontRef idx="minor">
+            <a:schemeClr val="dk1"/>
+          </a:fontRef>
+        </p:style>
+        <p:txBody>
+          <a:bodyPr rtlCol="0" anchor="ctr"/>
+          <a:lstStyle/>
+          <a:p>
+            <a:pPr algn="ctr"/>
+            <a:r>
+              <a:rPr lang="en-US" dirty="0" smtClean="0"/>
+              <a:t>Switch 2</a:t>
+            </a:r>
+            <a:endParaRPr lang="en-US" dirty="0"/>
+          </a:p>
+        </p:txBody>
+      </p:sp>
+      <p:cxnSp>
+        <p:nvCxnSpPr>
+          <p:cNvPr id="22" name="Straight Arrow Connector 21"/>
+          <p:cNvCxnSpPr>
+            <a:stCxn id="8" idx="2"/>
+            <a:endCxn id="18" idx="0"/>
+          </p:cNvCxnSpPr>
+          <p:nvPr/>
+        </p:nvCxnSpPr>
+        <p:spPr>
+          <a:xfrm>
+            <a:off x="6094959" y="2688442"/>
+            <a:ext cx="0" cy="1417958"/>
+          </a:xfrm>
+          <a:prstGeom prst="straightConnector1">
+            <a:avLst/>
+          </a:prstGeom>
+          <a:ln>
+            <a:headEnd type="arrow" w="med" len="med"/>
+            <a:tailEnd type="arrow" w="med" len="med"/>
+          </a:ln>
+        </p:spPr>
+        <p:style>
+          <a:lnRef idx="1">
+            <a:schemeClr val="dk1"/>
+          </a:lnRef>
+          <a:fillRef idx="0">
+            <a:schemeClr val="dk1"/>
+          </a:fillRef>
+          <a:effectRef idx="0">
+            <a:schemeClr val="dk1"/>
+          </a:effectRef>
+          <a:fontRef idx="minor">
+            <a:schemeClr val="tx1"/>
+          </a:fontRef>
+        </p:style>
+      </p:cxnSp>
+      <p:cxnSp>
+        <p:nvCxnSpPr>
+          <p:cNvPr id="4" name="Straight Connector 3"/>
+          <p:cNvCxnSpPr>
+            <a:stCxn id="10" idx="3"/>
+            <a:endCxn id="18" idx="1"/>
+          </p:cNvCxnSpPr>
+          <p:nvPr/>
+        </p:nvCxnSpPr>
+        <p:spPr>
+          <a:xfrm flipV="1">
+            <a:off x="4927628" y="4383444"/>
+            <a:ext cx="508000" cy="3"/>
+          </a:xfrm>
+          <a:prstGeom prst="line">
+            <a:avLst/>
+          </a:prstGeom>
+          <a:ln>
+            <a:solidFill>
+              <a:schemeClr val="bg1"/>
+            </a:solidFill>
+          </a:ln>
+        </p:spPr>
+        <p:style>
+          <a:lnRef idx="1">
+            <a:schemeClr val="accent1"/>
+          </a:lnRef>
+          <a:fillRef idx="0">
+            <a:schemeClr val="accent1"/>
+          </a:fillRef>
+          <a:effectRef idx="0">
+            <a:schemeClr val="accent1"/>
+          </a:effectRef>
+          <a:fontRef idx="minor">
+            <a:schemeClr val="tx1"/>
+          </a:fontRef>
+        </p:style>
+      </p:cxnSp>
+      <p:cxnSp>
+        <p:nvCxnSpPr>
+          <p:cNvPr id="20" name="Straight Connector 19"/>
+          <p:cNvCxnSpPr>
+            <a:stCxn id="18" idx="3"/>
+            <a:endCxn id="15" idx="1"/>
+          </p:cNvCxnSpPr>
+          <p:nvPr/>
+        </p:nvCxnSpPr>
+        <p:spPr>
+          <a:xfrm>
+            <a:off x="6754290" y="4383444"/>
+            <a:ext cx="565797" cy="3"/>
+          </a:xfrm>
+          <a:prstGeom prst="line">
+            <a:avLst/>
+          </a:prstGeom>
+          <a:ln>
+            <a:solidFill>
+              <a:schemeClr val="bg1"/>
+            </a:solidFill>
+          </a:ln>
+        </p:spPr>
+        <p:style>
+          <a:lnRef idx="1">
+            <a:schemeClr val="accent1"/>
+          </a:lnRef>
+          <a:fillRef idx="0">
+            <a:schemeClr val="accent1"/>
+          </a:fillRef>
+          <a:effectRef idx="0">
+            <a:schemeClr val="accent1"/>
+          </a:effectRef>
+          <a:fontRef idx="minor">
+            <a:schemeClr val="tx1"/>
+          </a:fontRef>
+        </p:style>
+      </p:cxnSp>
+      <p:sp>
+        <p:nvSpPr>
+          <p:cNvPr id="16" name="TextBox 15"/>
+          <p:cNvSpPr txBox="1"/>
+          <p:nvPr/>
+        </p:nvSpPr>
+        <p:spPr>
+          <a:xfrm>
+            <a:off x="3770979" y="5891691"/>
+            <a:ext cx="994635" cy="369332"/>
+          </a:xfrm>
+          <a:prstGeom prst="rect">
+            <a:avLst/>
+          </a:prstGeom>
+          <a:noFill/>
+        </p:spPr>
+        <p:txBody>
+          <a:bodyPr wrap="square" rtlCol="0">
+            <a:spAutoFit/>
+          </a:bodyPr>
+          <a:lstStyle/>
+          <a:p>
+            <a:r>
+              <a:rPr lang="en-US" dirty="0" smtClean="0">
+                <a:solidFill>
+                  <a:schemeClr val="bg1"/>
+                </a:solidFill>
+                <a:latin typeface="Calibri" panose="020F0502020204030204" pitchFamily="34" charset="0"/>
+              </a:rPr>
+              <a:t>10.0.0.1</a:t>
+            </a:r>
+            <a:endParaRPr lang="en-US" dirty="0">
+              <a:solidFill>
+                <a:schemeClr val="bg1"/>
+              </a:solidFill>
+              <a:latin typeface="Calibri" panose="020F0502020204030204" pitchFamily="34" charset="0"/>
+            </a:endParaRPr>
+          </a:p>
+        </p:txBody>
+      </p:sp>
+      <p:sp>
+        <p:nvSpPr>
+          <p:cNvPr id="26" name="TextBox 25"/>
+          <p:cNvSpPr txBox="1"/>
+          <p:nvPr/>
+        </p:nvSpPr>
+        <p:spPr>
+          <a:xfrm>
+            <a:off x="7511596" y="5895038"/>
+            <a:ext cx="935643" cy="369332"/>
+          </a:xfrm>
+          <a:prstGeom prst="rect">
+            <a:avLst/>
+          </a:prstGeom>
+          <a:noFill/>
+        </p:spPr>
+        <p:txBody>
+          <a:bodyPr wrap="square" rtlCol="0">
+            <a:spAutoFit/>
+          </a:bodyPr>
+          <a:lstStyle/>
+          <a:p>
+            <a:r>
+              <a:rPr lang="en-US" dirty="0" smtClean="0">
+                <a:solidFill>
+                  <a:schemeClr val="bg1"/>
+                </a:solidFill>
+                <a:latin typeface="Calibri" panose="020F0502020204030204" pitchFamily="34" charset="0"/>
+              </a:rPr>
+              <a:t>10.0.0.3</a:t>
+            </a:r>
+            <a:endParaRPr lang="en-US" dirty="0">
+              <a:solidFill>
+                <a:schemeClr val="bg1"/>
+              </a:solidFill>
+              <a:latin typeface="Calibri" panose="020F0502020204030204" pitchFamily="34" charset="0"/>
+            </a:endParaRPr>
+          </a:p>
+        </p:txBody>
+      </p:sp>
+      <p:sp>
+        <p:nvSpPr>
+          <p:cNvPr id="27" name="TextBox 26"/>
+          <p:cNvSpPr txBox="1"/>
+          <p:nvPr/>
+        </p:nvSpPr>
+        <p:spPr>
+          <a:xfrm>
+            <a:off x="5597359" y="5891691"/>
+            <a:ext cx="995199" cy="369332"/>
+          </a:xfrm>
+          <a:prstGeom prst="rect">
+            <a:avLst/>
+          </a:prstGeom>
+          <a:noFill/>
+        </p:spPr>
+        <p:txBody>
+          <a:bodyPr wrap="square" rtlCol="0">
+            <a:spAutoFit/>
+          </a:bodyPr>
+          <a:lstStyle/>
+          <a:p>
+            <a:r>
+              <a:rPr lang="en-US" dirty="0" smtClean="0">
+                <a:solidFill>
+                  <a:schemeClr val="bg1"/>
+                </a:solidFill>
+                <a:latin typeface="Calibri" panose="020F0502020204030204" pitchFamily="34" charset="0"/>
+              </a:rPr>
+              <a:t>10.0.0.2</a:t>
+            </a:r>
+            <a:endParaRPr lang="en-US" dirty="0">
+              <a:solidFill>
+                <a:schemeClr val="bg1"/>
+              </a:solidFill>
+              <a:latin typeface="Calibri" panose="020F0502020204030204" pitchFamily="34" charset="0"/>
+            </a:endParaRPr>
           </a:p>
         </p:txBody>
       </p:sp>
     </p:spTree>
     <p:extLst>
       <p:ext uri="{BB962C8B-B14F-4D97-AF65-F5344CB8AC3E}">
-        <p14:creationId xmlns:p14="http://schemas.microsoft.com/office/powerpoint/2010/main" val="2144618669"/>
+        <p14:creationId xmlns:p14="http://schemas.microsoft.com/office/powerpoint/2010/main" val="2766709040"/>
       </p:ext>
     </p:extLst>
   </p:cSld>
